--- a/Poster - Aglasterhausen.pptx
+++ b/Poster - Aglasterhausen.pptx
@@ -4501,6 +4501,203 @@
           </p:style>
         </p:cxnSp>
       </p:grpSp>
+      <p:sp>
+        <p:nvSpPr>
+          <p:cNvPr id="2" name="Textfeld 1">
+            <a:extLst>
+              <a:ext uri="{FF2B5EF4-FFF2-40B4-BE49-F238E27FC236}">
+                <a16:creationId xmlns:a16="http://schemas.microsoft.com/office/drawing/2014/main" id="{0311FA4B-A0ED-5D01-5442-209E26C042CB}"/>
+              </a:ext>
+            </a:extLst>
+          </p:cNvPr>
+          <p:cNvSpPr txBox="1"/>
+          <p:nvPr/>
+        </p:nvSpPr>
+        <p:spPr>
+          <a:xfrm>
+            <a:off x="2436811" y="11011806"/>
+            <a:ext cx="11146677" cy="3170099"/>
+          </a:xfrm>
+          <a:prstGeom prst="rect">
+            <a:avLst/>
+          </a:prstGeom>
+          <a:noFill/>
+        </p:spPr>
+        <p:txBody>
+          <a:bodyPr wrap="square" rtlCol="0">
+            <a:spAutoFit/>
+          </a:bodyPr>
+          <a:lstStyle/>
+          <a:p>
+            <a:r>
+              <a:rPr lang="de-DE" sz="2000" b="1" dirty="0"/>
+              <a:t>Fig. 3 </a:t>
+            </a:r>
+            <a:r>
+              <a:rPr lang="de-DE" sz="2000" dirty="0"/>
+              <a:t>Criteria used to classify proteins as RNA-dependent (selected) or non-RNA-dependent (not selected)</a:t>
+            </a:r>
+          </a:p>
+          <a:p>
+            <a:endParaRPr lang="de-DE" sz="2000" dirty="0"/>
+          </a:p>
+          <a:p>
+            <a:r>
+              <a:rPr lang="en-US" sz="2000" b="1" dirty="0"/>
+              <a:t>Selected proteins</a:t>
+            </a:r>
+            <a:r>
+              <a:rPr lang="en-US" sz="2000" dirty="0"/>
+              <a:t> met one of the following conditions:</a:t>
+            </a:r>
+            <a:br>
+              <a:rPr lang="en-US" sz="2000" dirty="0"/>
+            </a:br>
+            <a:r>
+              <a:rPr lang="en-US" sz="2000" dirty="0"/>
+              <a:t>– A center of mass (</a:t>
+            </a:r>
+            <a:r>
+              <a:rPr lang="en-US" sz="2000" dirty="0" err="1"/>
+              <a:t>CoM</a:t>
+            </a:r>
+            <a:r>
+              <a:rPr lang="en-US" sz="2000" dirty="0"/>
+              <a:t>) shift of </a:t>
+            </a:r>
+            <a:r>
+              <a:rPr lang="en-US" sz="2000" b="1" dirty="0"/>
+              <a:t>≥ 2 fractions</a:t>
+            </a:r>
+            <a:r>
+              <a:rPr lang="en-US" sz="2000" dirty="0"/>
+              <a:t>,</a:t>
+            </a:r>
+            <a:br>
+              <a:rPr lang="en-US" sz="2000" dirty="0"/>
+            </a:br>
+            <a:r>
+              <a:rPr lang="en-US" sz="2000" dirty="0"/>
+              <a:t>– Or no </a:t>
+            </a:r>
+            <a:r>
+              <a:rPr lang="en-US" sz="2000" dirty="0" err="1"/>
+              <a:t>CoM</a:t>
+            </a:r>
+            <a:r>
+              <a:rPr lang="en-US" sz="2000" dirty="0"/>
+              <a:t> shift, but a main maximum shift of </a:t>
+            </a:r>
+            <a:r>
+              <a:rPr lang="en-US" sz="2000" b="1" dirty="0"/>
+              <a:t>≥ 3 fractions</a:t>
+            </a:r>
+            <a:r>
+              <a:rPr lang="en-US" sz="2000" dirty="0"/>
+              <a:t> </a:t>
+            </a:r>
+            <a:r>
+              <a:rPr lang="en-US" sz="2000" b="1" dirty="0"/>
+              <a:t>and</a:t>
+            </a:r>
+            <a:r>
+              <a:rPr lang="en-US" sz="2000" dirty="0"/>
+              <a:t> a </a:t>
+            </a:r>
+            <a:r>
+              <a:rPr lang="en-US" sz="2000" b="1" dirty="0"/>
+              <a:t>correlation value &lt; 0.7</a:t>
+            </a:r>
+            <a:r>
+              <a:rPr lang="en-US" sz="2000" dirty="0"/>
+              <a:t> between control (CTRL) and RNase samples (RNASE).</a:t>
+            </a:r>
+          </a:p>
+          <a:p>
+            <a:r>
+              <a:rPr lang="en-US" sz="2000" b="1" dirty="0"/>
+              <a:t>Not selected proteins</a:t>
+            </a:r>
+            <a:r>
+              <a:rPr lang="en-US" sz="2000" dirty="0"/>
+              <a:t> met one of the following:</a:t>
+            </a:r>
+            <a:br>
+              <a:rPr lang="en-US" sz="2000" dirty="0"/>
+            </a:br>
+            <a:r>
+              <a:rPr lang="en-US" sz="2000" dirty="0"/>
+              <a:t>– No </a:t>
+            </a:r>
+            <a:r>
+              <a:rPr lang="en-US" sz="2000" dirty="0" err="1"/>
+              <a:t>CoM</a:t>
+            </a:r>
+            <a:r>
+              <a:rPr lang="en-US" sz="2000" dirty="0"/>
+              <a:t> shift </a:t>
+            </a:r>
+            <a:r>
+              <a:rPr lang="en-US" sz="2000" b="1" dirty="0"/>
+              <a:t>≥ 2 fractions</a:t>
+            </a:r>
+            <a:r>
+              <a:rPr lang="en-US" sz="2000" dirty="0"/>
+              <a:t> and no main maximum shift </a:t>
+            </a:r>
+            <a:r>
+              <a:rPr lang="en-US" sz="2000" b="1" dirty="0"/>
+              <a:t>≥ 3 fractions</a:t>
+            </a:r>
+            <a:r>
+              <a:rPr lang="en-US" sz="2000" dirty="0"/>
+              <a:t>,</a:t>
+            </a:r>
+            <a:br>
+              <a:rPr lang="en-US" sz="2000" dirty="0"/>
+            </a:br>
+            <a:r>
+              <a:rPr lang="en-US" sz="2000" dirty="0"/>
+              <a:t>– Or a main maximum shift </a:t>
+            </a:r>
+            <a:r>
+              <a:rPr lang="en-US" sz="2000" b="1" dirty="0"/>
+              <a:t>with</a:t>
+            </a:r>
+            <a:r>
+              <a:rPr lang="en-US" sz="2000" dirty="0"/>
+              <a:t> no </a:t>
+            </a:r>
+            <a:r>
+              <a:rPr lang="en-US" sz="2000" dirty="0" err="1"/>
+              <a:t>CoM</a:t>
+            </a:r>
+            <a:r>
+              <a:rPr lang="en-US" sz="2000" dirty="0"/>
+              <a:t> shift, </a:t>
+            </a:r>
+            <a:r>
+              <a:rPr lang="en-US" sz="2000" b="1" dirty="0"/>
+              <a:t>and</a:t>
+            </a:r>
+            <a:r>
+              <a:rPr lang="en-US" sz="2000" dirty="0"/>
+              <a:t> a </a:t>
+            </a:r>
+            <a:r>
+              <a:rPr lang="en-US" sz="2000" b="1" dirty="0"/>
+              <a:t>correlation value ≥ 0.7</a:t>
+            </a:r>
+            <a:r>
+              <a:rPr lang="en-US" sz="2000" dirty="0"/>
+              <a:t> between CTRL and RNASE.</a:t>
+            </a:r>
+          </a:p>
+          <a:p>
+            <a:endParaRPr lang="de-DE" sz="2000" dirty="0"/>
+          </a:p>
+        </p:txBody>
+      </p:sp>
     </p:spTree>
     <p:extLst>
       <p:ext uri="{BB962C8B-B14F-4D97-AF65-F5344CB8AC3E}">

--- a/Poster - Aglasterhausen.pptx
+++ b/Poster - Aglasterhausen.pptx
@@ -3449,12 +3449,209 @@
           <a:chExt cx="0" cy="0"/>
         </a:xfrm>
       </p:grpSpPr>
+      <p:sp>
+        <p:nvSpPr>
+          <p:cNvPr id="2" name="Textfeld 1">
+            <a:extLst>
+              <a:ext uri="{FF2B5EF4-FFF2-40B4-BE49-F238E27FC236}">
+                <a16:creationId xmlns:a16="http://schemas.microsoft.com/office/drawing/2014/main" id="{0311FA4B-A0ED-5D01-5442-209E26C042CB}"/>
+              </a:ext>
+            </a:extLst>
+          </p:cNvPr>
+          <p:cNvSpPr txBox="1"/>
+          <p:nvPr/>
+        </p:nvSpPr>
+        <p:spPr>
+          <a:xfrm>
+            <a:off x="2436811" y="11011806"/>
+            <a:ext cx="11146677" cy="3170099"/>
+          </a:xfrm>
+          <a:prstGeom prst="rect">
+            <a:avLst/>
+          </a:prstGeom>
+          <a:noFill/>
+        </p:spPr>
+        <p:txBody>
+          <a:bodyPr wrap="square" rtlCol="0">
+            <a:spAutoFit/>
+          </a:bodyPr>
+          <a:lstStyle/>
+          <a:p>
+            <a:r>
+              <a:rPr lang="de-DE" sz="2000" b="1" dirty="0"/>
+              <a:t>Fig. 3 </a:t>
+            </a:r>
+            <a:r>
+              <a:rPr lang="de-DE" sz="2000" dirty="0"/>
+              <a:t>Criteria used to classify proteins as RNA-dependent (selected) or non-RNA-dependent (not selected)</a:t>
+            </a:r>
+          </a:p>
+          <a:p>
+            <a:endParaRPr lang="de-DE" sz="2000" dirty="0"/>
+          </a:p>
+          <a:p>
+            <a:r>
+              <a:rPr lang="en-US" sz="2000" b="1" dirty="0"/>
+              <a:t>Selected proteins</a:t>
+            </a:r>
+            <a:r>
+              <a:rPr lang="en-US" sz="2000" dirty="0"/>
+              <a:t> met one of the following conditions:</a:t>
+            </a:r>
+            <a:br>
+              <a:rPr lang="en-US" sz="2000" dirty="0"/>
+            </a:br>
+            <a:r>
+              <a:rPr lang="en-US" sz="2000" dirty="0"/>
+              <a:t>– A center of mass (</a:t>
+            </a:r>
+            <a:r>
+              <a:rPr lang="en-US" sz="2000" dirty="0" err="1"/>
+              <a:t>CoM</a:t>
+            </a:r>
+            <a:r>
+              <a:rPr lang="en-US" sz="2000" dirty="0"/>
+              <a:t>) shift of </a:t>
+            </a:r>
+            <a:r>
+              <a:rPr lang="en-US" sz="2000" b="1" dirty="0"/>
+              <a:t>≥ 2 fractions</a:t>
+            </a:r>
+            <a:r>
+              <a:rPr lang="en-US" sz="2000" dirty="0"/>
+              <a:t>,</a:t>
+            </a:r>
+            <a:br>
+              <a:rPr lang="en-US" sz="2000" dirty="0"/>
+            </a:br>
+            <a:r>
+              <a:rPr lang="en-US" sz="2000" dirty="0"/>
+              <a:t>– Or no </a:t>
+            </a:r>
+            <a:r>
+              <a:rPr lang="en-US" sz="2000" dirty="0" err="1"/>
+              <a:t>CoM</a:t>
+            </a:r>
+            <a:r>
+              <a:rPr lang="en-US" sz="2000" dirty="0"/>
+              <a:t> shift, but a main maximum shift of </a:t>
+            </a:r>
+            <a:r>
+              <a:rPr lang="en-US" sz="2000" b="1" dirty="0"/>
+              <a:t>≥ 3 fractions</a:t>
+            </a:r>
+            <a:r>
+              <a:rPr lang="en-US" sz="2000" dirty="0"/>
+              <a:t> </a:t>
+            </a:r>
+            <a:r>
+              <a:rPr lang="en-US" sz="2000" b="1" dirty="0"/>
+              <a:t>and</a:t>
+            </a:r>
+            <a:r>
+              <a:rPr lang="en-US" sz="2000" dirty="0"/>
+              <a:t> a </a:t>
+            </a:r>
+            <a:r>
+              <a:rPr lang="en-US" sz="2000" b="1" dirty="0"/>
+              <a:t>correlation value &lt; 0.7</a:t>
+            </a:r>
+            <a:r>
+              <a:rPr lang="en-US" sz="2000" dirty="0"/>
+              <a:t> between control (CTRL) and RNase samples (RNASE).</a:t>
+            </a:r>
+          </a:p>
+          <a:p>
+            <a:r>
+              <a:rPr lang="en-US" sz="2000" b="1" dirty="0"/>
+              <a:t>Not selected proteins</a:t>
+            </a:r>
+            <a:r>
+              <a:rPr lang="en-US" sz="2000" dirty="0"/>
+              <a:t> met one of the following:</a:t>
+            </a:r>
+            <a:br>
+              <a:rPr lang="en-US" sz="2000" dirty="0"/>
+            </a:br>
+            <a:r>
+              <a:rPr lang="en-US" sz="2000" dirty="0"/>
+              <a:t>– No </a:t>
+            </a:r>
+            <a:r>
+              <a:rPr lang="en-US" sz="2000" dirty="0" err="1"/>
+              <a:t>CoM</a:t>
+            </a:r>
+            <a:r>
+              <a:rPr lang="en-US" sz="2000" dirty="0"/>
+              <a:t> shift </a:t>
+            </a:r>
+            <a:r>
+              <a:rPr lang="en-US" sz="2000" b="1" dirty="0"/>
+              <a:t>≥ 2 fractions</a:t>
+            </a:r>
+            <a:r>
+              <a:rPr lang="en-US" sz="2000" dirty="0"/>
+              <a:t> and no main maximum shift </a:t>
+            </a:r>
+            <a:r>
+              <a:rPr lang="en-US" sz="2000" b="1" dirty="0"/>
+              <a:t>≥ 3 fractions</a:t>
+            </a:r>
+            <a:r>
+              <a:rPr lang="en-US" sz="2000" dirty="0"/>
+              <a:t>,</a:t>
+            </a:r>
+            <a:br>
+              <a:rPr lang="en-US" sz="2000" dirty="0"/>
+            </a:br>
+            <a:r>
+              <a:rPr lang="en-US" sz="2000" dirty="0"/>
+              <a:t>– Or a main maximum shift </a:t>
+            </a:r>
+            <a:r>
+              <a:rPr lang="en-US" sz="2000" b="1" dirty="0"/>
+              <a:t>with</a:t>
+            </a:r>
+            <a:r>
+              <a:rPr lang="en-US" sz="2000" dirty="0"/>
+              <a:t> no </a:t>
+            </a:r>
+            <a:r>
+              <a:rPr lang="en-US" sz="2000" dirty="0" err="1"/>
+              <a:t>CoM</a:t>
+            </a:r>
+            <a:r>
+              <a:rPr lang="en-US" sz="2000" dirty="0"/>
+              <a:t> shift, </a:t>
+            </a:r>
+            <a:r>
+              <a:rPr lang="en-US" sz="2000" b="1" dirty="0"/>
+              <a:t>and</a:t>
+            </a:r>
+            <a:r>
+              <a:rPr lang="en-US" sz="2000" dirty="0"/>
+              <a:t> a </a:t>
+            </a:r>
+            <a:r>
+              <a:rPr lang="en-US" sz="2000" b="1" dirty="0"/>
+              <a:t>correlation value ≥ 0.7</a:t>
+            </a:r>
+            <a:r>
+              <a:rPr lang="en-US" sz="2000" dirty="0"/>
+              <a:t> between CTRL and RNASE.</a:t>
+            </a:r>
+          </a:p>
+          <a:p>
+            <a:endParaRPr lang="de-DE" sz="2000" dirty="0"/>
+          </a:p>
+        </p:txBody>
+      </p:sp>
       <p:grpSp>
         <p:nvGrpSpPr>
-          <p:cNvPr id="125" name="Group 124">
+          <p:cNvPr id="9" name="Group 8">
             <a:extLst>
               <a:ext uri="{FF2B5EF4-FFF2-40B4-BE49-F238E27FC236}">
-                <a16:creationId xmlns:a16="http://schemas.microsoft.com/office/drawing/2014/main" id="{9AD53AE7-8159-8C62-E77B-8A886BE4E3D6}"/>
+                <a16:creationId xmlns:a16="http://schemas.microsoft.com/office/drawing/2014/main" id="{78780BEB-0ABA-7572-E931-2AFD78CE7A3D}"/>
               </a:ext>
             </a:extLst>
           </p:cNvPr>
@@ -3463,9 +3660,9 @@
         </p:nvGrpSpPr>
         <p:grpSpPr>
           <a:xfrm>
-            <a:off x="2552324" y="2545614"/>
+            <a:off x="2209424" y="2066302"/>
             <a:ext cx="9079424" cy="7298822"/>
-            <a:chOff x="1809374" y="16147314"/>
+            <a:chOff x="2552324" y="2545614"/>
             <a:chExt cx="9079424" cy="7298822"/>
           </a:xfrm>
         </p:grpSpPr>
@@ -3483,7 +3680,7 @@
           </p:nvSpPr>
           <p:spPr>
             <a:xfrm>
-              <a:off x="5288884" y="16147314"/>
+              <a:off x="6031834" y="2545614"/>
               <a:ext cx="2120407" cy="788879"/>
             </a:xfrm>
             <a:prstGeom prst="roundRect">
@@ -3496,7 +3693,7 @@
             </a:solidFill>
             <a:ln w="104775">
               <a:solidFill>
-                <a:srgbClr val="191970"/>
+                <a:schemeClr val="tx1"/>
               </a:solidFill>
             </a:ln>
           </p:spPr>
@@ -3524,7 +3721,7 @@
               <a:r>
                 <a:rPr lang="de-DE" sz="2400" dirty="0">
                   <a:solidFill>
-                    <a:srgbClr val="191970"/>
+                    <a:schemeClr val="tx1"/>
                   </a:solidFill>
                 </a:rPr>
                 <a:t>All proteins</a:t>
@@ -3548,7 +3745,7 @@
           </p:nvCxnSpPr>
           <p:spPr>
             <a:xfrm>
-              <a:off x="6563908" y="17169102"/>
+              <a:off x="7306858" y="3567402"/>
               <a:ext cx="288829" cy="432018"/>
             </a:xfrm>
             <a:prstGeom prst="straightConnector1">
@@ -3556,7 +3753,7 @@
             </a:prstGeom>
             <a:ln w="73025">
               <a:solidFill>
-                <a:srgbClr val="191970"/>
+                <a:schemeClr val="tx1"/>
               </a:solidFill>
               <a:tailEnd type="triangle"/>
             </a:ln>
@@ -3592,7 +3789,7 @@
           </p:nvCxnSpPr>
           <p:spPr>
             <a:xfrm flipH="1">
-              <a:off x="5845438" y="17169102"/>
+              <a:off x="6588388" y="3567402"/>
               <a:ext cx="280312" cy="432017"/>
             </a:xfrm>
             <a:prstGeom prst="straightConnector1">
@@ -3600,7 +3797,7 @@
             </a:prstGeom>
             <a:ln w="73025">
               <a:solidFill>
-                <a:srgbClr val="191970"/>
+                <a:schemeClr val="tx1"/>
               </a:solidFill>
               <a:tailEnd type="triangle"/>
             </a:ln>
@@ -3622,10 +3819,10 @@
         </p:cxnSp>
         <p:sp>
           <p:nvSpPr>
-            <p:cNvPr id="129" name="Rectangle: Rounded Corners 128">
+            <p:cNvPr id="131" name="Rectangle: Rounded Corners 130">
               <a:extLst>
                 <a:ext uri="{FF2B5EF4-FFF2-40B4-BE49-F238E27FC236}">
-                  <a16:creationId xmlns:a16="http://schemas.microsoft.com/office/drawing/2014/main" id="{16B7F02D-C54E-F456-228F-079E0F21ACAF}"/>
+                  <a16:creationId xmlns:a16="http://schemas.microsoft.com/office/drawing/2014/main" id="{98009A50-06C0-34CF-ABAB-D73693899178}"/>
                 </a:ext>
               </a:extLst>
             </p:cNvPr>
@@ -3634,8 +3831,8 @@
           </p:nvSpPr>
           <p:spPr>
             <a:xfrm>
-              <a:off x="1809374" y="22657257"/>
-              <a:ext cx="2750329" cy="788879"/>
+              <a:off x="3966536" y="4232328"/>
+              <a:ext cx="2902164" cy="788879"/>
             </a:xfrm>
             <a:prstGeom prst="roundRect">
               <a:avLst>
@@ -3647,7 +3844,7 @@
             </a:solidFill>
             <a:ln w="104775">
               <a:solidFill>
-                <a:srgbClr val="842332"/>
+                <a:srgbClr val="FE8D70"/>
               </a:solidFill>
             </a:ln>
           </p:spPr>
@@ -3675,20 +3872,20 @@
               <a:r>
                 <a:rPr lang="de-DE" sz="2400" dirty="0">
                   <a:solidFill>
-                    <a:srgbClr val="842332"/>
+                    <a:srgbClr val="FA5D32"/>
                   </a:solidFill>
                 </a:rPr>
-                <a:t>Selected Proteins</a:t>
+                <a:t>Center of Mass shift ≥ 2 fractions </a:t>
               </a:r>
             </a:p>
           </p:txBody>
         </p:sp>
         <p:sp>
           <p:nvSpPr>
-            <p:cNvPr id="130" name="Rectangle: Rounded Corners 129">
+            <p:cNvPr id="132" name="Rectangle: Rounded Corners 131">
               <a:extLst>
                 <a:ext uri="{FF2B5EF4-FFF2-40B4-BE49-F238E27FC236}">
-                  <a16:creationId xmlns:a16="http://schemas.microsoft.com/office/drawing/2014/main" id="{C59F04B8-BCE3-F170-1DF2-E8AD7919EC59}"/>
+                  <a16:creationId xmlns:a16="http://schemas.microsoft.com/office/drawing/2014/main" id="{9FFD9396-6054-92CC-D0F5-9FC288C4630A}"/>
                 </a:ext>
               </a:extLst>
             </p:cNvPr>
@@ -3697,12 +3894,12 @@
           </p:nvSpPr>
           <p:spPr>
             <a:xfrm>
-              <a:off x="8138468" y="22657257"/>
+              <a:off x="7306858" y="4232328"/>
               <a:ext cx="2750329" cy="788879"/>
             </a:xfrm>
             <a:prstGeom prst="roundRect">
               <a:avLst>
-                <a:gd name="adj" fmla="val 40815"/>
+                <a:gd name="adj" fmla="val 1667"/>
               </a:avLst>
             </a:prstGeom>
             <a:solidFill>
@@ -3710,7 +3907,7 @@
             </a:solidFill>
             <a:ln w="104775">
               <a:solidFill>
-                <a:srgbClr val="191970"/>
+                <a:schemeClr val="tx1"/>
               </a:solidFill>
             </a:ln>
           </p:spPr>
@@ -3738,133 +3935,7 @@
               <a:r>
                 <a:rPr lang="de-DE" sz="2400" dirty="0">
                   <a:solidFill>
-                    <a:srgbClr val="191970"/>
-                  </a:solidFill>
-                </a:rPr>
-                <a:t>Not Selected Proteins</a:t>
-              </a:r>
-            </a:p>
-          </p:txBody>
-        </p:sp>
-        <p:sp>
-          <p:nvSpPr>
-            <p:cNvPr id="131" name="Rectangle: Rounded Corners 130">
-              <a:extLst>
-                <a:ext uri="{FF2B5EF4-FFF2-40B4-BE49-F238E27FC236}">
-                  <a16:creationId xmlns:a16="http://schemas.microsoft.com/office/drawing/2014/main" id="{98009A50-06C0-34CF-ABAB-D73693899178}"/>
-                </a:ext>
-              </a:extLst>
-            </p:cNvPr>
-            <p:cNvSpPr/>
-            <p:nvPr/>
-          </p:nvSpPr>
-          <p:spPr>
-            <a:xfrm>
-              <a:off x="3223586" y="17834028"/>
-              <a:ext cx="2902164" cy="788879"/>
-            </a:xfrm>
-            <a:prstGeom prst="roundRect">
-              <a:avLst>
-                <a:gd name="adj" fmla="val 40815"/>
-              </a:avLst>
-            </a:prstGeom>
-            <a:solidFill>
-              <a:schemeClr val="bg1"/>
-            </a:solidFill>
-            <a:ln w="104775">
-              <a:solidFill>
-                <a:srgbClr val="842332"/>
-              </a:solidFill>
-            </a:ln>
-          </p:spPr>
-          <p:style>
-            <a:lnRef idx="2">
-              <a:schemeClr val="accent1">
-                <a:shade val="15000"/>
-              </a:schemeClr>
-            </a:lnRef>
-            <a:fillRef idx="1">
-              <a:schemeClr val="accent1"/>
-            </a:fillRef>
-            <a:effectRef idx="0">
-              <a:schemeClr val="accent1"/>
-            </a:effectRef>
-            <a:fontRef idx="minor">
-              <a:schemeClr val="lt1"/>
-            </a:fontRef>
-          </p:style>
-          <p:txBody>
-            <a:bodyPr rtlCol="0" anchor="ctr"/>
-            <a:lstStyle/>
-            <a:p>
-              <a:pPr algn="ctr"/>
-              <a:r>
-                <a:rPr lang="de-DE" sz="2400" dirty="0">
-                  <a:solidFill>
-                    <a:srgbClr val="842332"/>
-                  </a:solidFill>
-                </a:rPr>
-                <a:t>Center of Mass shift ≥ 2 fractions </a:t>
-              </a:r>
-            </a:p>
-          </p:txBody>
-        </p:sp>
-        <p:sp>
-          <p:nvSpPr>
-            <p:cNvPr id="132" name="Rectangle: Rounded Corners 131">
-              <a:extLst>
-                <a:ext uri="{FF2B5EF4-FFF2-40B4-BE49-F238E27FC236}">
-                  <a16:creationId xmlns:a16="http://schemas.microsoft.com/office/drawing/2014/main" id="{9FFD9396-6054-92CC-D0F5-9FC288C4630A}"/>
-                </a:ext>
-              </a:extLst>
-            </p:cNvPr>
-            <p:cNvSpPr/>
-            <p:nvPr/>
-          </p:nvSpPr>
-          <p:spPr>
-            <a:xfrm>
-              <a:off x="6563908" y="17834028"/>
-              <a:ext cx="2750329" cy="788879"/>
-            </a:xfrm>
-            <a:prstGeom prst="roundRect">
-              <a:avLst>
-                <a:gd name="adj" fmla="val 1667"/>
-              </a:avLst>
-            </a:prstGeom>
-            <a:solidFill>
-              <a:schemeClr val="bg1"/>
-            </a:solidFill>
-            <a:ln w="104775">
-              <a:solidFill>
-                <a:srgbClr val="191970"/>
-              </a:solidFill>
-            </a:ln>
-          </p:spPr>
-          <p:style>
-            <a:lnRef idx="2">
-              <a:schemeClr val="accent1">
-                <a:shade val="15000"/>
-              </a:schemeClr>
-            </a:lnRef>
-            <a:fillRef idx="1">
-              <a:schemeClr val="accent1"/>
-            </a:fillRef>
-            <a:effectRef idx="0">
-              <a:schemeClr val="accent1"/>
-            </a:effectRef>
-            <a:fontRef idx="minor">
-              <a:schemeClr val="lt1"/>
-            </a:fontRef>
-          </p:style>
-          <p:txBody>
-            <a:bodyPr rtlCol="0" anchor="ctr"/>
-            <a:lstStyle/>
-            <a:p>
-              <a:pPr algn="ctr"/>
-              <a:r>
-                <a:rPr lang="de-DE" sz="2400" dirty="0">
-                  <a:solidFill>
-                    <a:srgbClr val="191970"/>
+                    <a:schemeClr val="tx1"/>
                   </a:solidFill>
                 </a:rPr>
                 <a:t>No Center of Mass shift ≥ 2 fractions </a:t>
@@ -3888,7 +3959,7 @@
           </p:nvCxnSpPr>
           <p:spPr>
             <a:xfrm>
-              <a:off x="8138469" y="18893915"/>
+              <a:off x="8881419" y="5292215"/>
               <a:ext cx="288829" cy="432018"/>
             </a:xfrm>
             <a:prstGeom prst="straightConnector1">
@@ -3896,7 +3967,7 @@
             </a:prstGeom>
             <a:ln w="73025">
               <a:solidFill>
-                <a:srgbClr val="191970"/>
+                <a:schemeClr val="tx1"/>
               </a:solidFill>
               <a:tailEnd type="triangle"/>
             </a:ln>
@@ -3932,7 +4003,7 @@
           </p:nvCxnSpPr>
           <p:spPr>
             <a:xfrm flipH="1">
-              <a:off x="7419999" y="18893915"/>
+              <a:off x="8162949" y="5292215"/>
               <a:ext cx="280312" cy="432017"/>
             </a:xfrm>
             <a:prstGeom prst="straightConnector1">
@@ -3940,7 +4011,7 @@
             </a:prstGeom>
             <a:ln w="73025">
               <a:solidFill>
-                <a:srgbClr val="191970"/>
+                <a:schemeClr val="tx1"/>
               </a:solidFill>
               <a:tailEnd type="triangle"/>
             </a:ln>
@@ -3974,7 +4045,7 @@
           </p:nvSpPr>
           <p:spPr>
             <a:xfrm>
-              <a:off x="4973922" y="19603091"/>
+              <a:off x="5716872" y="6001391"/>
               <a:ext cx="2750329" cy="788879"/>
             </a:xfrm>
             <a:prstGeom prst="roundRect">
@@ -3987,7 +4058,7 @@
             </a:solidFill>
             <a:ln w="104775">
               <a:solidFill>
-                <a:srgbClr val="191970"/>
+                <a:schemeClr val="tx1"/>
               </a:solidFill>
             </a:ln>
           </p:spPr>
@@ -4015,7 +4086,7 @@
               <a:r>
                 <a:rPr lang="de-DE" sz="2400" dirty="0">
                   <a:solidFill>
-                    <a:srgbClr val="191970"/>
+                    <a:schemeClr val="tx1"/>
                   </a:solidFill>
                 </a:rPr>
                 <a:t>Main maximum shift ≥ 3 fractions </a:t>
@@ -4037,7 +4108,7 @@
           </p:nvSpPr>
           <p:spPr>
             <a:xfrm>
-              <a:off x="8138469" y="19596940"/>
+              <a:off x="8881419" y="5995240"/>
               <a:ext cx="2750329" cy="788879"/>
             </a:xfrm>
             <a:prstGeom prst="roundRect">
@@ -4050,7 +4121,7 @@
             </a:solidFill>
             <a:ln w="104775">
               <a:solidFill>
-                <a:srgbClr val="191970"/>
+                <a:srgbClr val="AB8DFF"/>
               </a:solidFill>
             </a:ln>
           </p:spPr>
@@ -4078,7 +4149,7 @@
               <a:r>
                 <a:rPr lang="de-DE" sz="2400" dirty="0">
                   <a:solidFill>
-                    <a:srgbClr val="191970"/>
+                    <a:srgbClr val="8F67FF"/>
                   </a:solidFill>
                 </a:rPr>
                 <a:t>No Main maximum shift ≥ 3 fractions </a:t>
@@ -4102,7 +4173,7 @@
           </p:nvCxnSpPr>
           <p:spPr>
             <a:xfrm>
-              <a:off x="6563908" y="20624878"/>
+              <a:off x="7306858" y="7023178"/>
               <a:ext cx="288829" cy="432018"/>
             </a:xfrm>
             <a:prstGeom prst="straightConnector1">
@@ -4110,7 +4181,7 @@
             </a:prstGeom>
             <a:ln w="73025">
               <a:solidFill>
-                <a:srgbClr val="191970"/>
+                <a:schemeClr val="tx1"/>
               </a:solidFill>
               <a:tailEnd type="triangle"/>
             </a:ln>
@@ -4146,7 +4217,7 @@
           </p:nvCxnSpPr>
           <p:spPr>
             <a:xfrm flipH="1">
-              <a:off x="5845438" y="20624878"/>
+              <a:off x="6588388" y="7023178"/>
               <a:ext cx="280312" cy="432017"/>
             </a:xfrm>
             <a:prstGeom prst="straightConnector1">
@@ -4154,7 +4225,7 @@
             </a:prstGeom>
             <a:ln w="73025">
               <a:solidFill>
-                <a:srgbClr val="191970"/>
+                <a:schemeClr val="tx1"/>
               </a:solidFill>
               <a:tailEnd type="triangle"/>
             </a:ln>
@@ -4188,7 +4259,7 @@
           </p:nvSpPr>
           <p:spPr>
             <a:xfrm>
-              <a:off x="3356196" y="21285721"/>
+              <a:off x="4099146" y="7684021"/>
               <a:ext cx="2750329" cy="788879"/>
             </a:xfrm>
             <a:prstGeom prst="roundRect">
@@ -4266,7 +4337,7 @@
           </p:nvSpPr>
           <p:spPr>
             <a:xfrm>
-              <a:off x="6563908" y="21289803"/>
+              <a:off x="7306858" y="7688103"/>
               <a:ext cx="2750329" cy="788879"/>
             </a:xfrm>
             <a:prstGeom prst="roundRect">
@@ -4346,7 +4417,7 @@
           </p:nvCxnSpPr>
           <p:spPr>
             <a:xfrm flipV="1">
-              <a:off x="3917629" y="22074600"/>
+              <a:off x="4660579" y="8472900"/>
               <a:ext cx="0" cy="582656"/>
             </a:xfrm>
             <a:prstGeom prst="line">
@@ -4389,7 +4460,7 @@
           </p:nvCxnSpPr>
           <p:spPr>
             <a:xfrm flipV="1">
-              <a:off x="8756329" y="22074600"/>
+              <a:off x="9499279" y="8472900"/>
               <a:ext cx="0" cy="582656"/>
             </a:xfrm>
             <a:prstGeom prst="line">
@@ -4432,7 +4503,7 @@
           </p:nvCxnSpPr>
           <p:spPr>
             <a:xfrm flipV="1">
-              <a:off x="9981479" y="20435242"/>
+              <a:off x="10724429" y="6833542"/>
               <a:ext cx="0" cy="2214394"/>
             </a:xfrm>
             <a:prstGeom prst="line">
@@ -4440,7 +4511,7 @@
             </a:prstGeom>
             <a:ln w="88900">
               <a:solidFill>
-                <a:srgbClr val="191970"/>
+                <a:srgbClr val="AB8DFF"/>
               </a:solidFill>
             </a:ln>
           </p:spPr>
@@ -4473,7 +4544,7 @@
           </p:nvCxnSpPr>
           <p:spPr>
             <a:xfrm rot="10800000" flipV="1">
-              <a:off x="2708290" y="18228468"/>
+              <a:off x="3451240" y="4626768"/>
               <a:ext cx="515297" cy="4428788"/>
             </a:xfrm>
             <a:prstGeom prst="bentConnector2">
@@ -4481,7 +4552,7 @@
             </a:prstGeom>
             <a:ln w="88900">
               <a:solidFill>
-                <a:srgbClr val="842332"/>
+                <a:srgbClr val="FE8D70"/>
               </a:solidFill>
             </a:ln>
           </p:spPr>
@@ -4500,204 +4571,153 @@
             </a:fontRef>
           </p:style>
         </p:cxnSp>
+        <p:sp>
+          <p:nvSpPr>
+            <p:cNvPr id="3" name="Rectangle: Rounded Corners 2">
+              <a:extLst>
+                <a:ext uri="{FF2B5EF4-FFF2-40B4-BE49-F238E27FC236}">
+                  <a16:creationId xmlns:a16="http://schemas.microsoft.com/office/drawing/2014/main" id="{16B7F02D-C54E-F456-228F-079E0F21ACAF}"/>
+                </a:ext>
+              </a:extLst>
+            </p:cNvPr>
+            <p:cNvSpPr/>
+            <p:nvPr/>
+          </p:nvSpPr>
+          <p:spPr>
+            <a:xfrm>
+              <a:off x="2552324" y="9055557"/>
+              <a:ext cx="2750329" cy="788879"/>
+            </a:xfrm>
+            <a:prstGeom prst="roundRect">
+              <a:avLst>
+                <a:gd name="adj" fmla="val 40815"/>
+              </a:avLst>
+            </a:prstGeom>
+            <a:solidFill>
+              <a:schemeClr val="bg1"/>
+            </a:solidFill>
+            <a:ln w="104775">
+              <a:gradFill flip="none" rotWithShape="1">
+                <a:gsLst>
+                  <a:gs pos="0">
+                    <a:srgbClr val="FE8D70"/>
+                  </a:gs>
+                  <a:gs pos="61000">
+                    <a:srgbClr val="842332"/>
+                  </a:gs>
+                </a:gsLst>
+                <a:lin ang="0" scaled="1"/>
+                <a:tileRect/>
+              </a:gradFill>
+            </a:ln>
+          </p:spPr>
+          <p:style>
+            <a:lnRef idx="2">
+              <a:schemeClr val="accent1">
+                <a:shade val="15000"/>
+              </a:schemeClr>
+            </a:lnRef>
+            <a:fillRef idx="1">
+              <a:schemeClr val="accent1"/>
+            </a:fillRef>
+            <a:effectRef idx="0">
+              <a:schemeClr val="accent1"/>
+            </a:effectRef>
+            <a:fontRef idx="minor">
+              <a:schemeClr val="lt1"/>
+            </a:fontRef>
+          </p:style>
+          <p:txBody>
+            <a:bodyPr rtlCol="0" anchor="ctr"/>
+            <a:lstStyle/>
+            <a:p>
+              <a:pPr algn="ctr"/>
+              <a:r>
+                <a:rPr lang="de-DE" sz="2400" b="1" dirty="0">
+                  <a:solidFill>
+                    <a:srgbClr val="842332"/>
+                  </a:solidFill>
+                </a:rPr>
+                <a:t>Selected Proteins</a:t>
+              </a:r>
+            </a:p>
+          </p:txBody>
+        </p:sp>
+        <p:sp>
+          <p:nvSpPr>
+            <p:cNvPr id="4" name="Rectangle: Rounded Corners 3">
+              <a:extLst>
+                <a:ext uri="{FF2B5EF4-FFF2-40B4-BE49-F238E27FC236}">
+                  <a16:creationId xmlns:a16="http://schemas.microsoft.com/office/drawing/2014/main" id="{C59F04B8-BCE3-F170-1DF2-E8AD7919EC59}"/>
+                </a:ext>
+              </a:extLst>
+            </p:cNvPr>
+            <p:cNvSpPr/>
+            <p:nvPr/>
+          </p:nvSpPr>
+          <p:spPr>
+            <a:xfrm>
+              <a:off x="8881418" y="9055557"/>
+              <a:ext cx="2750329" cy="788879"/>
+            </a:xfrm>
+            <a:prstGeom prst="roundRect">
+              <a:avLst>
+                <a:gd name="adj" fmla="val 40815"/>
+              </a:avLst>
+            </a:prstGeom>
+            <a:solidFill>
+              <a:schemeClr val="bg1"/>
+            </a:solidFill>
+            <a:ln w="104775">
+              <a:gradFill flip="none" rotWithShape="1">
+                <a:gsLst>
+                  <a:gs pos="0">
+                    <a:srgbClr val="AB8DFF"/>
+                  </a:gs>
+                  <a:gs pos="93000">
+                    <a:srgbClr val="191970"/>
+                  </a:gs>
+                </a:gsLst>
+                <a:path path="circle">
+                  <a:fillToRect l="100000" t="100000"/>
+                </a:path>
+                <a:tileRect r="-100000" b="-100000"/>
+              </a:gradFill>
+            </a:ln>
+          </p:spPr>
+          <p:style>
+            <a:lnRef idx="2">
+              <a:schemeClr val="accent1">
+                <a:shade val="15000"/>
+              </a:schemeClr>
+            </a:lnRef>
+            <a:fillRef idx="1">
+              <a:schemeClr val="accent1"/>
+            </a:fillRef>
+            <a:effectRef idx="0">
+              <a:schemeClr val="accent1"/>
+            </a:effectRef>
+            <a:fontRef idx="minor">
+              <a:schemeClr val="lt1"/>
+            </a:fontRef>
+          </p:style>
+          <p:txBody>
+            <a:bodyPr rtlCol="0" anchor="ctr"/>
+            <a:lstStyle/>
+            <a:p>
+              <a:pPr algn="ctr"/>
+              <a:r>
+                <a:rPr lang="de-DE" sz="2400" b="1" dirty="0">
+                  <a:solidFill>
+                    <a:srgbClr val="191970"/>
+                  </a:solidFill>
+                </a:rPr>
+                <a:t>Not Selected Proteins</a:t>
+              </a:r>
+            </a:p>
+          </p:txBody>
+        </p:sp>
       </p:grpSp>
-      <p:sp>
-        <p:nvSpPr>
-          <p:cNvPr id="2" name="Textfeld 1">
-            <a:extLst>
-              <a:ext uri="{FF2B5EF4-FFF2-40B4-BE49-F238E27FC236}">
-                <a16:creationId xmlns:a16="http://schemas.microsoft.com/office/drawing/2014/main" id="{0311FA4B-A0ED-5D01-5442-209E26C042CB}"/>
-              </a:ext>
-            </a:extLst>
-          </p:cNvPr>
-          <p:cNvSpPr txBox="1"/>
-          <p:nvPr/>
-        </p:nvSpPr>
-        <p:spPr>
-          <a:xfrm>
-            <a:off x="2436811" y="11011806"/>
-            <a:ext cx="11146677" cy="3170099"/>
-          </a:xfrm>
-          <a:prstGeom prst="rect">
-            <a:avLst/>
-          </a:prstGeom>
-          <a:noFill/>
-        </p:spPr>
-        <p:txBody>
-          <a:bodyPr wrap="square" rtlCol="0">
-            <a:spAutoFit/>
-          </a:bodyPr>
-          <a:lstStyle/>
-          <a:p>
-            <a:r>
-              <a:rPr lang="de-DE" sz="2000" b="1" dirty="0"/>
-              <a:t>Fig. 3 </a:t>
-            </a:r>
-            <a:r>
-              <a:rPr lang="de-DE" sz="2000" dirty="0"/>
-              <a:t>Criteria used to classify proteins as RNA-dependent (selected) or non-RNA-dependent (not selected)</a:t>
-            </a:r>
-          </a:p>
-          <a:p>
-            <a:endParaRPr lang="de-DE" sz="2000" dirty="0"/>
-          </a:p>
-          <a:p>
-            <a:r>
-              <a:rPr lang="en-US" sz="2000" b="1" dirty="0"/>
-              <a:t>Selected proteins</a:t>
-            </a:r>
-            <a:r>
-              <a:rPr lang="en-US" sz="2000" dirty="0"/>
-              <a:t> met one of the following conditions:</a:t>
-            </a:r>
-            <a:br>
-              <a:rPr lang="en-US" sz="2000" dirty="0"/>
-            </a:br>
-            <a:r>
-              <a:rPr lang="en-US" sz="2000" dirty="0"/>
-              <a:t>– A center of mass (</a:t>
-            </a:r>
-            <a:r>
-              <a:rPr lang="en-US" sz="2000" dirty="0" err="1"/>
-              <a:t>CoM</a:t>
-            </a:r>
-            <a:r>
-              <a:rPr lang="en-US" sz="2000" dirty="0"/>
-              <a:t>) shift of </a:t>
-            </a:r>
-            <a:r>
-              <a:rPr lang="en-US" sz="2000" b="1" dirty="0"/>
-              <a:t>≥ 2 fractions</a:t>
-            </a:r>
-            <a:r>
-              <a:rPr lang="en-US" sz="2000" dirty="0"/>
-              <a:t>,</a:t>
-            </a:r>
-            <a:br>
-              <a:rPr lang="en-US" sz="2000" dirty="0"/>
-            </a:br>
-            <a:r>
-              <a:rPr lang="en-US" sz="2000" dirty="0"/>
-              <a:t>– Or no </a:t>
-            </a:r>
-            <a:r>
-              <a:rPr lang="en-US" sz="2000" dirty="0" err="1"/>
-              <a:t>CoM</a:t>
-            </a:r>
-            <a:r>
-              <a:rPr lang="en-US" sz="2000" dirty="0"/>
-              <a:t> shift, but a main maximum shift of </a:t>
-            </a:r>
-            <a:r>
-              <a:rPr lang="en-US" sz="2000" b="1" dirty="0"/>
-              <a:t>≥ 3 fractions</a:t>
-            </a:r>
-            <a:r>
-              <a:rPr lang="en-US" sz="2000" dirty="0"/>
-              <a:t> </a:t>
-            </a:r>
-            <a:r>
-              <a:rPr lang="en-US" sz="2000" b="1" dirty="0"/>
-              <a:t>and</a:t>
-            </a:r>
-            <a:r>
-              <a:rPr lang="en-US" sz="2000" dirty="0"/>
-              <a:t> a </a:t>
-            </a:r>
-            <a:r>
-              <a:rPr lang="en-US" sz="2000" b="1" dirty="0"/>
-              <a:t>correlation value &lt; 0.7</a:t>
-            </a:r>
-            <a:r>
-              <a:rPr lang="en-US" sz="2000" dirty="0"/>
-              <a:t> between control (CTRL) and RNase samples (RNASE).</a:t>
-            </a:r>
-          </a:p>
-          <a:p>
-            <a:r>
-              <a:rPr lang="en-US" sz="2000" b="1" dirty="0"/>
-              <a:t>Not selected proteins</a:t>
-            </a:r>
-            <a:r>
-              <a:rPr lang="en-US" sz="2000" dirty="0"/>
-              <a:t> met one of the following:</a:t>
-            </a:r>
-            <a:br>
-              <a:rPr lang="en-US" sz="2000" dirty="0"/>
-            </a:br>
-            <a:r>
-              <a:rPr lang="en-US" sz="2000" dirty="0"/>
-              <a:t>– No </a:t>
-            </a:r>
-            <a:r>
-              <a:rPr lang="en-US" sz="2000" dirty="0" err="1"/>
-              <a:t>CoM</a:t>
-            </a:r>
-            <a:r>
-              <a:rPr lang="en-US" sz="2000" dirty="0"/>
-              <a:t> shift </a:t>
-            </a:r>
-            <a:r>
-              <a:rPr lang="en-US" sz="2000" b="1" dirty="0"/>
-              <a:t>≥ 2 fractions</a:t>
-            </a:r>
-            <a:r>
-              <a:rPr lang="en-US" sz="2000" dirty="0"/>
-              <a:t> and no main maximum shift </a:t>
-            </a:r>
-            <a:r>
-              <a:rPr lang="en-US" sz="2000" b="1" dirty="0"/>
-              <a:t>≥ 3 fractions</a:t>
-            </a:r>
-            <a:r>
-              <a:rPr lang="en-US" sz="2000" dirty="0"/>
-              <a:t>,</a:t>
-            </a:r>
-            <a:br>
-              <a:rPr lang="en-US" sz="2000" dirty="0"/>
-            </a:br>
-            <a:r>
-              <a:rPr lang="en-US" sz="2000" dirty="0"/>
-              <a:t>– Or a main maximum shift </a:t>
-            </a:r>
-            <a:r>
-              <a:rPr lang="en-US" sz="2000" b="1" dirty="0"/>
-              <a:t>with</a:t>
-            </a:r>
-            <a:r>
-              <a:rPr lang="en-US" sz="2000" dirty="0"/>
-              <a:t> no </a:t>
-            </a:r>
-            <a:r>
-              <a:rPr lang="en-US" sz="2000" dirty="0" err="1"/>
-              <a:t>CoM</a:t>
-            </a:r>
-            <a:r>
-              <a:rPr lang="en-US" sz="2000" dirty="0"/>
-              <a:t> shift, </a:t>
-            </a:r>
-            <a:r>
-              <a:rPr lang="en-US" sz="2000" b="1" dirty="0"/>
-              <a:t>and</a:t>
-            </a:r>
-            <a:r>
-              <a:rPr lang="en-US" sz="2000" dirty="0"/>
-              <a:t> a </a:t>
-            </a:r>
-            <a:r>
-              <a:rPr lang="en-US" sz="2000" b="1" dirty="0"/>
-              <a:t>correlation value ≥ 0.7</a:t>
-            </a:r>
-            <a:r>
-              <a:rPr lang="en-US" sz="2000" dirty="0"/>
-              <a:t> between CTRL and RNASE.</a:t>
-            </a:r>
-          </a:p>
-          <a:p>
-            <a:endParaRPr lang="de-DE" sz="2000" dirty="0"/>
-          </a:p>
-        </p:txBody>
-      </p:sp>
     </p:spTree>
     <p:extLst>
       <p:ext uri="{BB962C8B-B14F-4D97-AF65-F5344CB8AC3E}">

--- a/Poster - Aglasterhausen.pptx
+++ b/Poster - Aglasterhausen.pptx
@@ -5,10 +5,11 @@
     <p:sldMasterId id="2147483660" r:id="rId1"/>
   </p:sldMasterIdLst>
   <p:notesMasterIdLst>
-    <p:notesMasterId r:id="rId3"/>
+    <p:notesMasterId r:id="rId4"/>
   </p:notesMasterIdLst>
   <p:sldIdLst>
-    <p:sldId id="258" r:id="rId2"/>
+    <p:sldId id="257" r:id="rId2"/>
+    <p:sldId id="258" r:id="rId3"/>
   </p:sldIdLst>
   <p:sldSz cx="30275213" cy="42803763"/>
   <p:notesSz cx="6858000" cy="9144000"/>
@@ -208,7 +209,7 @@
           <a:p>
             <a:fld id="{BE36CDCD-2F24-4FC6-8D89-D255EE55885D}" type="datetimeFigureOut">
               <a:rPr lang="de-DE" smtClean="0"/>
-              <a:t>05.07.2025</a:t>
+              <a:t>06.07.2025</a:t>
             </a:fld>
             <a:endParaRPr lang="de-DE"/>
           </a:p>
@@ -484,6 +485,114 @@
         <p:cNvPr id="1" name="">
           <a:extLst>
             <a:ext uri="{FF2B5EF4-FFF2-40B4-BE49-F238E27FC236}">
+              <a16:creationId xmlns:a16="http://schemas.microsoft.com/office/drawing/2014/main" id="{12FD5584-6A83-F520-52B8-4FA134BDD113}"/>
+            </a:ext>
+          </a:extLst>
+        </p:cNvPr>
+        <p:cNvGrpSpPr/>
+        <p:nvPr/>
+      </p:nvGrpSpPr>
+      <p:grpSpPr>
+        <a:xfrm>
+          <a:off x="0" y="0"/>
+          <a:ext cx="0" cy="0"/>
+          <a:chOff x="0" y="0"/>
+          <a:chExt cx="0" cy="0"/>
+        </a:xfrm>
+      </p:grpSpPr>
+      <p:sp>
+        <p:nvSpPr>
+          <p:cNvPr id="2" name="Slide Image Placeholder 1">
+            <a:extLst>
+              <a:ext uri="{FF2B5EF4-FFF2-40B4-BE49-F238E27FC236}">
+                <a16:creationId xmlns:a16="http://schemas.microsoft.com/office/drawing/2014/main" id="{191CBDC1-B892-C250-E9D3-3A9DF55EFCA0}"/>
+              </a:ext>
+            </a:extLst>
+          </p:cNvPr>
+          <p:cNvSpPr>
+            <a:spLocks noGrp="1" noRot="1" noChangeAspect="1"/>
+          </p:cNvSpPr>
+          <p:nvPr>
+            <p:ph type="sldImg"/>
+          </p:nvPr>
+        </p:nvSpPr>
+        <p:spPr/>
+      </p:sp>
+      <p:sp>
+        <p:nvSpPr>
+          <p:cNvPr id="3" name="Notes Placeholder 2">
+            <a:extLst>
+              <a:ext uri="{FF2B5EF4-FFF2-40B4-BE49-F238E27FC236}">
+                <a16:creationId xmlns:a16="http://schemas.microsoft.com/office/drawing/2014/main" id="{2B9681D1-0748-1726-C2F3-E91F54C2A510}"/>
+              </a:ext>
+            </a:extLst>
+          </p:cNvPr>
+          <p:cNvSpPr>
+            <a:spLocks noGrp="1"/>
+          </p:cNvSpPr>
+          <p:nvPr>
+            <p:ph type="body" idx="1"/>
+          </p:nvPr>
+        </p:nvSpPr>
+        <p:spPr/>
+        <p:txBody>
+          <a:bodyPr/>
+          <a:lstStyle/>
+          <a:p>
+            <a:endParaRPr lang="de-DE" dirty="0"/>
+          </a:p>
+        </p:txBody>
+      </p:sp>
+      <p:sp>
+        <p:nvSpPr>
+          <p:cNvPr id="4" name="Slide Number Placeholder 3">
+            <a:extLst>
+              <a:ext uri="{FF2B5EF4-FFF2-40B4-BE49-F238E27FC236}">
+                <a16:creationId xmlns:a16="http://schemas.microsoft.com/office/drawing/2014/main" id="{5CF310BD-B493-6B1F-CB3A-B041D55E441F}"/>
+              </a:ext>
+            </a:extLst>
+          </p:cNvPr>
+          <p:cNvSpPr>
+            <a:spLocks noGrp="1"/>
+          </p:cNvSpPr>
+          <p:nvPr>
+            <p:ph type="sldNum" sz="quarter" idx="5"/>
+          </p:nvPr>
+        </p:nvSpPr>
+        <p:spPr/>
+        <p:txBody>
+          <a:bodyPr/>
+          <a:lstStyle/>
+          <a:p>
+            <a:fld id="{C3DFFD0B-8A86-49B4-B585-C3C192A21CEB}" type="slidenum">
+              <a:rPr lang="de-DE" smtClean="0"/>
+              <a:t>1</a:t>
+            </a:fld>
+            <a:endParaRPr lang="de-DE"/>
+          </a:p>
+        </p:txBody>
+      </p:sp>
+    </p:spTree>
+    <p:extLst>
+      <p:ext uri="{BB962C8B-B14F-4D97-AF65-F5344CB8AC3E}">
+        <p14:creationId xmlns:p14="http://schemas.microsoft.com/office/powerpoint/2010/main" val="3823668295"/>
+      </p:ext>
+    </p:extLst>
+  </p:cSld>
+  <p:clrMapOvr>
+    <a:masterClrMapping/>
+  </p:clrMapOvr>
+</p:notes>
+</file>
+
+<file path=ppt/notesSlides/notesSlide2.xml><?xml version="1.0" encoding="utf-8"?>
+<p:notes xmlns:a="http://schemas.openxmlformats.org/drawingml/2006/main" xmlns:r="http://schemas.openxmlformats.org/officeDocument/2006/relationships" xmlns:p="http://schemas.openxmlformats.org/presentationml/2006/main">
+  <p:cSld>
+    <p:spTree>
+      <p:nvGrpSpPr>
+        <p:cNvPr id="1" name="">
+          <a:extLst>
+            <a:ext uri="{FF2B5EF4-FFF2-40B4-BE49-F238E27FC236}">
               <a16:creationId xmlns:a16="http://schemas.microsoft.com/office/drawing/2014/main" id="{2B6A6BE2-46CE-0356-9B0F-403A68EDD7EC}"/>
             </a:ext>
           </a:extLst>
@@ -565,7 +674,7 @@
           <a:p>
             <a:fld id="{C3DFFD0B-8A86-49B4-B585-C3C192A21CEB}" type="slidenum">
               <a:rPr lang="de-DE" smtClean="0"/>
-              <a:t>1</a:t>
+              <a:t>2</a:t>
             </a:fld>
             <a:endParaRPr lang="de-DE"/>
           </a:p>
@@ -715,7 +824,7 @@
           <a:p>
             <a:fld id="{61D7E66B-7281-C246-884E-91E9A1EB29D8}" type="datetimeFigureOut">
               <a:rPr lang="en-US" smtClean="0"/>
-              <a:t>7/5/2025</a:t>
+              <a:t>7/6/2025</a:t>
             </a:fld>
             <a:endParaRPr lang="en-US"/>
           </a:p>
@@ -885,7 +994,7 @@
           <a:p>
             <a:fld id="{61D7E66B-7281-C246-884E-91E9A1EB29D8}" type="datetimeFigureOut">
               <a:rPr lang="en-US" smtClean="0"/>
-              <a:t>7/5/2025</a:t>
+              <a:t>7/6/2025</a:t>
             </a:fld>
             <a:endParaRPr lang="en-US"/>
           </a:p>
@@ -1065,7 +1174,7 @@
           <a:p>
             <a:fld id="{61D7E66B-7281-C246-884E-91E9A1EB29D8}" type="datetimeFigureOut">
               <a:rPr lang="en-US" smtClean="0"/>
-              <a:t>7/5/2025</a:t>
+              <a:t>7/6/2025</a:t>
             </a:fld>
             <a:endParaRPr lang="en-US"/>
           </a:p>
@@ -1235,7 +1344,7 @@
           <a:p>
             <a:fld id="{61D7E66B-7281-C246-884E-91E9A1EB29D8}" type="datetimeFigureOut">
               <a:rPr lang="en-US" smtClean="0"/>
-              <a:t>7/5/2025</a:t>
+              <a:t>7/6/2025</a:t>
             </a:fld>
             <a:endParaRPr lang="en-US"/>
           </a:p>
@@ -1479,7 +1588,7 @@
           <a:p>
             <a:fld id="{61D7E66B-7281-C246-884E-91E9A1EB29D8}" type="datetimeFigureOut">
               <a:rPr lang="en-US" smtClean="0"/>
-              <a:t>7/5/2025</a:t>
+              <a:t>7/6/2025</a:t>
             </a:fld>
             <a:endParaRPr lang="en-US"/>
           </a:p>
@@ -1711,7 +1820,7 @@
           <a:p>
             <a:fld id="{61D7E66B-7281-C246-884E-91E9A1EB29D8}" type="datetimeFigureOut">
               <a:rPr lang="en-US" smtClean="0"/>
-              <a:t>7/5/2025</a:t>
+              <a:t>7/6/2025</a:t>
             </a:fld>
             <a:endParaRPr lang="en-US"/>
           </a:p>
@@ -2078,7 +2187,7 @@
           <a:p>
             <a:fld id="{61D7E66B-7281-C246-884E-91E9A1EB29D8}" type="datetimeFigureOut">
               <a:rPr lang="en-US" smtClean="0"/>
-              <a:t>7/5/2025</a:t>
+              <a:t>7/6/2025</a:t>
             </a:fld>
             <a:endParaRPr lang="en-US"/>
           </a:p>
@@ -2196,7 +2305,7 @@
           <a:p>
             <a:fld id="{61D7E66B-7281-C246-884E-91E9A1EB29D8}" type="datetimeFigureOut">
               <a:rPr lang="en-US" smtClean="0"/>
-              <a:t>7/5/2025</a:t>
+              <a:t>7/6/2025</a:t>
             </a:fld>
             <a:endParaRPr lang="en-US"/>
           </a:p>
@@ -2291,7 +2400,7 @@
           <a:p>
             <a:fld id="{61D7E66B-7281-C246-884E-91E9A1EB29D8}" type="datetimeFigureOut">
               <a:rPr lang="en-US" smtClean="0"/>
-              <a:t>7/5/2025</a:t>
+              <a:t>7/6/2025</a:t>
             </a:fld>
             <a:endParaRPr lang="en-US"/>
           </a:p>
@@ -2568,7 +2677,7 @@
           <a:p>
             <a:fld id="{61D7E66B-7281-C246-884E-91E9A1EB29D8}" type="datetimeFigureOut">
               <a:rPr lang="en-US" smtClean="0"/>
-              <a:t>7/5/2025</a:t>
+              <a:t>7/6/2025</a:t>
             </a:fld>
             <a:endParaRPr lang="en-US"/>
           </a:p>
@@ -2825,7 +2934,7 @@
           <a:p>
             <a:fld id="{61D7E66B-7281-C246-884E-91E9A1EB29D8}" type="datetimeFigureOut">
               <a:rPr lang="en-US" smtClean="0"/>
-              <a:t>7/5/2025</a:t>
+              <a:t>7/6/2025</a:t>
             </a:fld>
             <a:endParaRPr lang="en-US"/>
           </a:p>
@@ -3038,7 +3147,7 @@
           <a:p>
             <a:fld id="{61D7E66B-7281-C246-884E-91E9A1EB29D8}" type="datetimeFigureOut">
               <a:rPr lang="en-US" smtClean="0"/>
-              <a:t>7/5/2025</a:t>
+              <a:t>7/6/2025</a:t>
             </a:fld>
             <a:endParaRPr lang="en-US"/>
           </a:p>
@@ -3427,6 +3536,4997 @@
 </file>
 
 <file path=ppt/slides/slide1.xml><?xml version="1.0" encoding="utf-8"?>
+<p:sld xmlns:a="http://schemas.openxmlformats.org/drawingml/2006/main" xmlns:r="http://schemas.openxmlformats.org/officeDocument/2006/relationships" xmlns:p="http://schemas.openxmlformats.org/presentationml/2006/main">
+  <p:cSld>
+    <p:spTree>
+      <p:nvGrpSpPr>
+        <p:cNvPr id="1" name="">
+          <a:extLst>
+            <a:ext uri="{FF2B5EF4-FFF2-40B4-BE49-F238E27FC236}">
+              <a16:creationId xmlns:a16="http://schemas.microsoft.com/office/drawing/2014/main" id="{A768DFFA-203B-CFEF-CC07-74B16FA62188}"/>
+            </a:ext>
+          </a:extLst>
+        </p:cNvPr>
+        <p:cNvGrpSpPr/>
+        <p:nvPr/>
+      </p:nvGrpSpPr>
+      <p:grpSpPr>
+        <a:xfrm>
+          <a:off x="0" y="0"/>
+          <a:ext cx="0" cy="0"/>
+          <a:chOff x="0" y="0"/>
+          <a:chExt cx="0" cy="0"/>
+        </a:xfrm>
+      </p:grpSpPr>
+      <p:sp>
+        <p:nvSpPr>
+          <p:cNvPr id="10" name="Rectangle: Rounded Corners 9">
+            <a:extLst>
+              <a:ext uri="{FF2B5EF4-FFF2-40B4-BE49-F238E27FC236}">
+                <a16:creationId xmlns:a16="http://schemas.microsoft.com/office/drawing/2014/main" id="{10F4D1B6-C289-24CD-E2A2-B091F7F785D5}"/>
+              </a:ext>
+            </a:extLst>
+          </p:cNvPr>
+          <p:cNvSpPr/>
+          <p:nvPr/>
+        </p:nvSpPr>
+        <p:spPr>
+          <a:xfrm>
+            <a:off x="15747588" y="27732209"/>
+            <a:ext cx="13858989" cy="7375456"/>
+          </a:xfrm>
+          <a:prstGeom prst="roundRect">
+            <a:avLst>
+              <a:gd name="adj" fmla="val 2683"/>
+            </a:avLst>
+          </a:prstGeom>
+          <a:solidFill>
+            <a:schemeClr val="bg1"/>
+          </a:solidFill>
+          <a:ln w="254000">
+            <a:solidFill>
+              <a:srgbClr val="842332"/>
+            </a:solidFill>
+          </a:ln>
+        </p:spPr>
+        <p:style>
+          <a:lnRef idx="2">
+            <a:schemeClr val="accent1">
+              <a:shade val="15000"/>
+            </a:schemeClr>
+          </a:lnRef>
+          <a:fillRef idx="1">
+            <a:schemeClr val="accent1"/>
+          </a:fillRef>
+          <a:effectRef idx="0">
+            <a:schemeClr val="accent1"/>
+          </a:effectRef>
+          <a:fontRef idx="minor">
+            <a:schemeClr val="lt1"/>
+          </a:fontRef>
+        </p:style>
+        <p:txBody>
+          <a:bodyPr rtlCol="0" anchor="ctr"/>
+          <a:lstStyle/>
+          <a:p>
+            <a:pPr algn="ctr"/>
+            <a:r>
+              <a:rPr lang="de-DE"/>
+              <a:t>RBP2GO-known RBPs</a:t>
+            </a:r>
+            <a:endParaRPr lang="de-DE" b="1" dirty="0"/>
+          </a:p>
+        </p:txBody>
+      </p:sp>
+      <p:pic>
+        <p:nvPicPr>
+          <p:cNvPr id="104" name="Picture 103">
+            <a:extLst>
+              <a:ext uri="{FF2B5EF4-FFF2-40B4-BE49-F238E27FC236}">
+                <a16:creationId xmlns:a16="http://schemas.microsoft.com/office/drawing/2014/main" id="{156C850C-1942-C290-2484-32655CDAAB2A}"/>
+              </a:ext>
+            </a:extLst>
+          </p:cNvPr>
+          <p:cNvPicPr>
+            <a:picLocks noChangeAspect="1"/>
+          </p:cNvPicPr>
+          <p:nvPr/>
+        </p:nvPicPr>
+        <p:blipFill>
+          <a:blip r:embed="rId3"/>
+          <a:stretch>
+            <a:fillRect/>
+          </a:stretch>
+        </p:blipFill>
+        <p:spPr>
+          <a:xfrm>
+            <a:off x="16300923" y="30050898"/>
+            <a:ext cx="3166152" cy="3158522"/>
+          </a:xfrm>
+          <a:prstGeom prst="rect">
+            <a:avLst/>
+          </a:prstGeom>
+        </p:spPr>
+      </p:pic>
+      <p:pic>
+        <p:nvPicPr>
+          <p:cNvPr id="116" name="Picture 115">
+            <a:extLst>
+              <a:ext uri="{FF2B5EF4-FFF2-40B4-BE49-F238E27FC236}">
+                <a16:creationId xmlns:a16="http://schemas.microsoft.com/office/drawing/2014/main" id="{C3D65A6B-A2C9-9AA1-2842-9F49781C74DE}"/>
+              </a:ext>
+            </a:extLst>
+          </p:cNvPr>
+          <p:cNvPicPr>
+            <a:picLocks noChangeAspect="1"/>
+          </p:cNvPicPr>
+          <p:nvPr/>
+        </p:nvPicPr>
+        <p:blipFill>
+          <a:blip r:embed="rId4"/>
+          <a:stretch>
+            <a:fillRect/>
+          </a:stretch>
+        </p:blipFill>
+        <p:spPr>
+          <a:xfrm>
+            <a:off x="21456117" y="30050898"/>
+            <a:ext cx="3166152" cy="3158522"/>
+          </a:xfrm>
+          <a:prstGeom prst="rect">
+            <a:avLst/>
+          </a:prstGeom>
+        </p:spPr>
+      </p:pic>
+      <p:sp>
+        <p:nvSpPr>
+          <p:cNvPr id="69" name="Textfeld 15">
+            <a:extLst>
+              <a:ext uri="{FF2B5EF4-FFF2-40B4-BE49-F238E27FC236}">
+                <a16:creationId xmlns:a16="http://schemas.microsoft.com/office/drawing/2014/main" id="{F76835C6-1680-D715-421D-62A52ABBA6B6}"/>
+              </a:ext>
+            </a:extLst>
+          </p:cNvPr>
+          <p:cNvSpPr txBox="1"/>
+          <p:nvPr/>
+        </p:nvSpPr>
+        <p:spPr>
+          <a:xfrm>
+            <a:off x="16176064" y="33354031"/>
+            <a:ext cx="10649246" cy="1323439"/>
+          </a:xfrm>
+          <a:prstGeom prst="rect">
+            <a:avLst/>
+          </a:prstGeom>
+          <a:noFill/>
+        </p:spPr>
+        <p:txBody>
+          <a:bodyPr wrap="square" rtlCol="0">
+            <a:spAutoFit/>
+          </a:bodyPr>
+          <a:lstStyle/>
+          <a:p>
+            <a:r>
+              <a:rPr lang="en-US" sz="2000" b="1" dirty="0"/>
+              <a:t>Fig. 9 – Selection Status of RBPs and Non-RBPs According to the RBP2GO Database</a:t>
+            </a:r>
+          </a:p>
+          <a:p>
+            <a:r>
+              <a:rPr lang="en-US" sz="2000" b="1" dirty="0"/>
+              <a:t>A)</a:t>
+            </a:r>
+            <a:r>
+              <a:rPr lang="en-US" sz="2000" dirty="0"/>
+              <a:t> Pie chart of RBP2GO-annotated RBPs in the dataset, showing selected (orange) versus not selected (red). </a:t>
+            </a:r>
+            <a:r>
+              <a:rPr lang="en-US" sz="2000" b="1" dirty="0"/>
+              <a:t>B)</a:t>
+            </a:r>
+            <a:r>
+              <a:rPr lang="en-US" sz="2000" dirty="0"/>
+              <a:t> Pie chart of RBP2GO-annotated Non-RBPs in the dataset, showing wrongly selected (purple) versus not selected (blue).</a:t>
+            </a:r>
+          </a:p>
+        </p:txBody>
+      </p:sp>
+      <p:sp>
+        <p:nvSpPr>
+          <p:cNvPr id="120" name="Rectangle: Rounded Corners 12">
+            <a:extLst>
+              <a:ext uri="{FF2B5EF4-FFF2-40B4-BE49-F238E27FC236}">
+                <a16:creationId xmlns:a16="http://schemas.microsoft.com/office/drawing/2014/main" id="{57E8C4AE-7046-62BB-D865-74CDE8A47503}"/>
+              </a:ext>
+            </a:extLst>
+          </p:cNvPr>
+          <p:cNvSpPr/>
+          <p:nvPr/>
+        </p:nvSpPr>
+        <p:spPr>
+          <a:xfrm>
+            <a:off x="569320" y="13845142"/>
+            <a:ext cx="29054323" cy="13032673"/>
+          </a:xfrm>
+          <a:prstGeom prst="roundRect">
+            <a:avLst>
+              <a:gd name="adj" fmla="val 1883"/>
+            </a:avLst>
+          </a:prstGeom>
+          <a:solidFill>
+            <a:schemeClr val="bg1"/>
+          </a:solidFill>
+          <a:ln w="254000">
+            <a:solidFill>
+              <a:srgbClr val="141F4C"/>
+            </a:solidFill>
+          </a:ln>
+        </p:spPr>
+        <p:style>
+          <a:lnRef idx="2">
+            <a:schemeClr val="accent1">
+              <a:shade val="15000"/>
+            </a:schemeClr>
+          </a:lnRef>
+          <a:fillRef idx="1">
+            <a:schemeClr val="accent1"/>
+          </a:fillRef>
+          <a:effectRef idx="0">
+            <a:schemeClr val="accent1"/>
+          </a:effectRef>
+          <a:fontRef idx="minor">
+            <a:schemeClr val="lt1"/>
+          </a:fontRef>
+        </p:style>
+        <p:txBody>
+          <a:bodyPr rtlCol="0" anchor="ctr"/>
+          <a:lstStyle/>
+          <a:p>
+            <a:pPr algn="ctr"/>
+            <a:endParaRPr lang="en-GB" noProof="0" dirty="0"/>
+          </a:p>
+        </p:txBody>
+      </p:sp>
+      <p:sp>
+        <p:nvSpPr>
+          <p:cNvPr id="14" name="Rectangle: Rounded Corners 13">
+            <a:extLst>
+              <a:ext uri="{FF2B5EF4-FFF2-40B4-BE49-F238E27FC236}">
+                <a16:creationId xmlns:a16="http://schemas.microsoft.com/office/drawing/2014/main" id="{7DBA1CD7-4612-B9B8-375A-F3831483B68C}"/>
+              </a:ext>
+            </a:extLst>
+          </p:cNvPr>
+          <p:cNvSpPr/>
+          <p:nvPr/>
+        </p:nvSpPr>
+        <p:spPr>
+          <a:xfrm>
+            <a:off x="619433" y="6354751"/>
+            <a:ext cx="29054323" cy="6827879"/>
+          </a:xfrm>
+          <a:prstGeom prst="roundRect">
+            <a:avLst>
+              <a:gd name="adj" fmla="val 4408"/>
+            </a:avLst>
+          </a:prstGeom>
+          <a:solidFill>
+            <a:schemeClr val="bg1"/>
+          </a:solidFill>
+          <a:ln w="254000">
+            <a:solidFill>
+              <a:srgbClr val="842332"/>
+            </a:solidFill>
+          </a:ln>
+        </p:spPr>
+        <p:style>
+          <a:lnRef idx="2">
+            <a:schemeClr val="accent1">
+              <a:shade val="15000"/>
+            </a:schemeClr>
+          </a:lnRef>
+          <a:fillRef idx="1">
+            <a:schemeClr val="accent1"/>
+          </a:fillRef>
+          <a:effectRef idx="0">
+            <a:schemeClr val="accent1"/>
+          </a:effectRef>
+          <a:fontRef idx="minor">
+            <a:schemeClr val="lt1"/>
+          </a:fontRef>
+        </p:style>
+        <p:txBody>
+          <a:bodyPr numCol="1" rtlCol="0" anchor="ctr"/>
+          <a:lstStyle/>
+          <a:p>
+            <a:pPr algn="ctr"/>
+            <a:r>
+              <a:rPr lang="en-GB" noProof="0"/>
+              <a:t>https://media.discordapp.net/attachments/942220665635880990/1391120974107250830/image.png?ex=686abdde&amp;is=68696c5e&amp;hm=aba124b02f32de4a0951fec1e1f4ec30cc92823908418468efea0b60f3d38706&amp;=&amp;format=webp&amp;quality=lossless</a:t>
+            </a:r>
+            <a:endParaRPr lang="en-GB" noProof="0" dirty="0"/>
+          </a:p>
+        </p:txBody>
+      </p:sp>
+      <p:pic>
+        <p:nvPicPr>
+          <p:cNvPr id="52" name="Picture 51">
+            <a:extLst>
+              <a:ext uri="{FF2B5EF4-FFF2-40B4-BE49-F238E27FC236}">
+                <a16:creationId xmlns:a16="http://schemas.microsoft.com/office/drawing/2014/main" id="{3DB712AA-9E89-755A-0829-4C36F321B5FC}"/>
+              </a:ext>
+            </a:extLst>
+          </p:cNvPr>
+          <p:cNvPicPr>
+            <a:picLocks noChangeAspect="1"/>
+          </p:cNvPicPr>
+          <p:nvPr/>
+        </p:nvPicPr>
+        <p:blipFill>
+          <a:blip r:embed="rId5"/>
+          <a:stretch>
+            <a:fillRect/>
+          </a:stretch>
+        </p:blipFill>
+        <p:spPr>
+          <a:xfrm>
+            <a:off x="18854448" y="7766311"/>
+            <a:ext cx="5210902" cy="3934374"/>
+          </a:xfrm>
+          <a:prstGeom prst="rect">
+            <a:avLst/>
+          </a:prstGeom>
+        </p:spPr>
+      </p:pic>
+      <p:sp>
+        <p:nvSpPr>
+          <p:cNvPr id="6" name="Rectangle: Top Corners Rounded 5">
+            <a:extLst>
+              <a:ext uri="{FF2B5EF4-FFF2-40B4-BE49-F238E27FC236}">
+                <a16:creationId xmlns:a16="http://schemas.microsoft.com/office/drawing/2014/main" id="{CCF7F2E6-912A-9B31-AD1B-CF185A3339E1}"/>
+              </a:ext>
+            </a:extLst>
+          </p:cNvPr>
+          <p:cNvSpPr/>
+          <p:nvPr/>
+        </p:nvSpPr>
+        <p:spPr>
+          <a:xfrm flipV="1">
+            <a:off x="0" y="-21883"/>
+            <a:ext cx="30275214" cy="5684230"/>
+          </a:xfrm>
+          <a:prstGeom prst="round2SameRect">
+            <a:avLst>
+              <a:gd name="adj1" fmla="val 0"/>
+              <a:gd name="adj2" fmla="val 0"/>
+            </a:avLst>
+          </a:prstGeom>
+          <a:solidFill>
+            <a:srgbClr val="141F4C"/>
+          </a:solidFill>
+          <a:ln w="254000">
+            <a:noFill/>
+          </a:ln>
+        </p:spPr>
+        <p:style>
+          <a:lnRef idx="2">
+            <a:schemeClr val="accent1">
+              <a:shade val="15000"/>
+            </a:schemeClr>
+          </a:lnRef>
+          <a:fillRef idx="1">
+            <a:schemeClr val="accent1"/>
+          </a:fillRef>
+          <a:effectRef idx="0">
+            <a:schemeClr val="accent1"/>
+          </a:effectRef>
+          <a:fontRef idx="minor">
+            <a:schemeClr val="lt1"/>
+          </a:fontRef>
+        </p:style>
+        <p:txBody>
+          <a:bodyPr rtlCol="0" anchor="ctr"/>
+          <a:lstStyle/>
+          <a:p>
+            <a:pPr algn="ctr"/>
+            <a:endParaRPr lang="en-GB" noProof="0" dirty="0"/>
+          </a:p>
+        </p:txBody>
+      </p:sp>
+      <p:pic>
+        <p:nvPicPr>
+          <p:cNvPr id="7" name="Picture 6">
+            <a:extLst>
+              <a:ext uri="{FF2B5EF4-FFF2-40B4-BE49-F238E27FC236}">
+                <a16:creationId xmlns:a16="http://schemas.microsoft.com/office/drawing/2014/main" id="{0A57A78E-7CDC-2B70-C6D3-6DB6BAF488E4}"/>
+              </a:ext>
+            </a:extLst>
+          </p:cNvPr>
+          <p:cNvPicPr>
+            <a:picLocks noChangeAspect="1"/>
+          </p:cNvPicPr>
+          <p:nvPr/>
+        </p:nvPicPr>
+        <p:blipFill>
+          <a:blip r:embed="rId6"/>
+          <a:stretch>
+            <a:fillRect/>
+          </a:stretch>
+        </p:blipFill>
+        <p:spPr>
+          <a:xfrm>
+            <a:off x="24432036" y="35857778"/>
+            <a:ext cx="5494984" cy="3089708"/>
+          </a:xfrm>
+          <a:prstGeom prst="rect">
+            <a:avLst/>
+          </a:prstGeom>
+        </p:spPr>
+      </p:pic>
+      <p:sp>
+        <p:nvSpPr>
+          <p:cNvPr id="8" name="Rectangle: Rounded Corners 7">
+            <a:extLst>
+              <a:ext uri="{FF2B5EF4-FFF2-40B4-BE49-F238E27FC236}">
+                <a16:creationId xmlns:a16="http://schemas.microsoft.com/office/drawing/2014/main" id="{98D3638F-CCDF-CB6F-CFBB-B60ACBE91332}"/>
+              </a:ext>
+            </a:extLst>
+          </p:cNvPr>
+          <p:cNvSpPr/>
+          <p:nvPr/>
+        </p:nvSpPr>
+        <p:spPr>
+          <a:xfrm>
+            <a:off x="619433" y="27643718"/>
+            <a:ext cx="14518173" cy="14571082"/>
+          </a:xfrm>
+          <a:prstGeom prst="roundRect">
+            <a:avLst>
+              <a:gd name="adj" fmla="val 3189"/>
+            </a:avLst>
+          </a:prstGeom>
+          <a:solidFill>
+            <a:schemeClr val="bg1"/>
+          </a:solidFill>
+          <a:ln w="254000">
+            <a:solidFill>
+              <a:srgbClr val="141F4C"/>
+            </a:solidFill>
+          </a:ln>
+        </p:spPr>
+        <p:style>
+          <a:lnRef idx="2">
+            <a:schemeClr val="accent1">
+              <a:shade val="15000"/>
+            </a:schemeClr>
+          </a:lnRef>
+          <a:fillRef idx="1">
+            <a:schemeClr val="accent1"/>
+          </a:fillRef>
+          <a:effectRef idx="0">
+            <a:schemeClr val="accent1"/>
+          </a:effectRef>
+          <a:fontRef idx="minor">
+            <a:schemeClr val="lt1"/>
+          </a:fontRef>
+        </p:style>
+        <p:txBody>
+          <a:bodyPr rtlCol="0" anchor="ctr"/>
+          <a:lstStyle/>
+          <a:p>
+            <a:pPr algn="ctr"/>
+            <a:endParaRPr lang="en-GB" noProof="0" dirty="0"/>
+          </a:p>
+        </p:txBody>
+      </p:sp>
+      <p:sp>
+        <p:nvSpPr>
+          <p:cNvPr id="12" name="Rectangle: Rounded Corners 11">
+            <a:extLst>
+              <a:ext uri="{FF2B5EF4-FFF2-40B4-BE49-F238E27FC236}">
+                <a16:creationId xmlns:a16="http://schemas.microsoft.com/office/drawing/2014/main" id="{CBDE6BA2-A48F-A3B2-407A-4C775FA6DCCF}"/>
+              </a:ext>
+            </a:extLst>
+          </p:cNvPr>
+          <p:cNvSpPr/>
+          <p:nvPr/>
+        </p:nvSpPr>
+        <p:spPr>
+          <a:xfrm>
+            <a:off x="15765564" y="35908634"/>
+            <a:ext cx="8275536" cy="6306166"/>
+          </a:xfrm>
+          <a:prstGeom prst="roundRect">
+            <a:avLst>
+              <a:gd name="adj" fmla="val 2154"/>
+            </a:avLst>
+          </a:prstGeom>
+          <a:solidFill>
+            <a:schemeClr val="bg1"/>
+          </a:solidFill>
+          <a:ln w="254000">
+            <a:solidFill>
+              <a:srgbClr val="413D59"/>
+            </a:solidFill>
+          </a:ln>
+        </p:spPr>
+        <p:style>
+          <a:lnRef idx="2">
+            <a:schemeClr val="accent1">
+              <a:shade val="15000"/>
+            </a:schemeClr>
+          </a:lnRef>
+          <a:fillRef idx="1">
+            <a:schemeClr val="accent1"/>
+          </a:fillRef>
+          <a:effectRef idx="0">
+            <a:schemeClr val="accent1"/>
+          </a:effectRef>
+          <a:fontRef idx="minor">
+            <a:schemeClr val="lt1"/>
+          </a:fontRef>
+        </p:style>
+        <p:txBody>
+          <a:bodyPr rtlCol="0" anchor="ctr"/>
+          <a:lstStyle/>
+          <a:p>
+            <a:pPr algn="ctr"/>
+            <a:endParaRPr lang="en-GB" noProof="0" dirty="0"/>
+          </a:p>
+        </p:txBody>
+      </p:sp>
+      <p:sp>
+        <p:nvSpPr>
+          <p:cNvPr id="15" name="TextBox 14">
+            <a:extLst>
+              <a:ext uri="{FF2B5EF4-FFF2-40B4-BE49-F238E27FC236}">
+                <a16:creationId xmlns:a16="http://schemas.microsoft.com/office/drawing/2014/main" id="{3266CA6B-CD5B-4C4E-31A8-5C8845710CDB}"/>
+              </a:ext>
+            </a:extLst>
+          </p:cNvPr>
+          <p:cNvSpPr txBox="1"/>
+          <p:nvPr/>
+        </p:nvSpPr>
+        <p:spPr>
+          <a:xfrm>
+            <a:off x="894433" y="10862114"/>
+            <a:ext cx="9644470" cy="1891287"/>
+          </a:xfrm>
+          <a:prstGeom prst="rect">
+            <a:avLst/>
+          </a:prstGeom>
+          <a:noFill/>
+          <a:ln>
+            <a:noFill/>
+          </a:ln>
+        </p:spPr>
+        <p:txBody>
+          <a:bodyPr wrap="square">
+            <a:spAutoFit/>
+          </a:bodyPr>
+          <a:lstStyle/>
+          <a:p>
+            <a:pPr>
+              <a:lnSpc>
+                <a:spcPct val="150000"/>
+              </a:lnSpc>
+            </a:pPr>
+            <a:r>
+              <a:rPr lang="en-GB" sz="2000" b="1" dirty="0"/>
+              <a:t>Key Characteristics of Our Dataset</a:t>
+            </a:r>
+          </a:p>
+          <a:p>
+            <a:pPr marL="342900" indent="-342900">
+              <a:lnSpc>
+                <a:spcPct val="150000"/>
+              </a:lnSpc>
+              <a:buFont typeface="Arial" panose="020B0604020202020204" pitchFamily="34" charset="0"/>
+              <a:buChar char="•"/>
+            </a:pPr>
+            <a:r>
+              <a:rPr lang="en-GB" sz="2000" dirty="0"/>
+              <a:t>Dataset was created using the R-Deep approach</a:t>
+            </a:r>
+          </a:p>
+          <a:p>
+            <a:pPr marL="342900" indent="-342900">
+              <a:lnSpc>
+                <a:spcPct val="150000"/>
+              </a:lnSpc>
+              <a:buFont typeface="Arial" panose="020B0604020202020204" pitchFamily="34" charset="0"/>
+              <a:buChar char="•"/>
+            </a:pPr>
+            <a:r>
+              <a:rPr lang="en-GB" sz="2000" dirty="0"/>
+              <a:t>Contains 4765 proteins and their intensity values under normal (control) and RNase treated conditions in 25 sucrose density fractions, each fraction measured in triplicates </a:t>
+            </a:r>
+          </a:p>
+        </p:txBody>
+      </p:sp>
+      <p:sp>
+        <p:nvSpPr>
+          <p:cNvPr id="18" name="TextBox 17">
+            <a:extLst>
+              <a:ext uri="{FF2B5EF4-FFF2-40B4-BE49-F238E27FC236}">
+                <a16:creationId xmlns:a16="http://schemas.microsoft.com/office/drawing/2014/main" id="{5BFA5E99-E6C5-8E27-B6C4-A25B685002C1}"/>
+              </a:ext>
+            </a:extLst>
+          </p:cNvPr>
+          <p:cNvSpPr txBox="1"/>
+          <p:nvPr/>
+        </p:nvSpPr>
+        <p:spPr>
+          <a:xfrm>
+            <a:off x="15977907" y="37738473"/>
+            <a:ext cx="7850849" cy="4401205"/>
+          </a:xfrm>
+          <a:prstGeom prst="rect">
+            <a:avLst/>
+          </a:prstGeom>
+          <a:noFill/>
+          <a:ln>
+            <a:noFill/>
+          </a:ln>
+        </p:spPr>
+        <p:txBody>
+          <a:bodyPr wrap="square">
+            <a:spAutoFit/>
+          </a:bodyPr>
+          <a:lstStyle/>
+          <a:p>
+            <a:pPr marL="457200" indent="-457200">
+              <a:buFont typeface="Arial" panose="020B0604020202020204" pitchFamily="34" charset="0"/>
+              <a:buChar char="•"/>
+            </a:pPr>
+            <a:r>
+              <a:rPr lang="en-GB" sz="2000" noProof="0" dirty="0" err="1">
+                <a:solidFill>
+                  <a:schemeClr val="tx1">
+                    <a:lumMod val="65000"/>
+                    <a:lumOff val="35000"/>
+                  </a:schemeClr>
+                </a:solidFill>
+              </a:rPr>
+              <a:t>Sternburg</a:t>
+            </a:r>
+            <a:r>
+              <a:rPr lang="en-GB" sz="2000" noProof="0" dirty="0">
+                <a:solidFill>
+                  <a:schemeClr val="tx1">
+                    <a:lumMod val="65000"/>
+                    <a:lumOff val="35000"/>
+                  </a:schemeClr>
+                </a:solidFill>
+              </a:rPr>
+              <a:t> </a:t>
+            </a:r>
+            <a:r>
+              <a:rPr lang="en-GB" sz="2000" i="1" noProof="0" dirty="0">
+                <a:solidFill>
+                  <a:schemeClr val="tx1">
+                    <a:lumMod val="65000"/>
+                    <a:lumOff val="35000"/>
+                  </a:schemeClr>
+                </a:solidFill>
+              </a:rPr>
+              <a:t>et</a:t>
+            </a:r>
+            <a:r>
+              <a:rPr lang="en-GB" sz="2000" noProof="0" dirty="0">
+                <a:solidFill>
+                  <a:schemeClr val="tx1">
+                    <a:lumMod val="65000"/>
+                    <a:lumOff val="35000"/>
+                  </a:schemeClr>
+                </a:solidFill>
+              </a:rPr>
+              <a:t> </a:t>
+            </a:r>
+            <a:r>
+              <a:rPr lang="en-GB" sz="2000" i="1" noProof="0" dirty="0">
+                <a:solidFill>
+                  <a:schemeClr val="tx1">
+                    <a:lumMod val="65000"/>
+                    <a:lumOff val="35000"/>
+                  </a:schemeClr>
+                </a:solidFill>
+              </a:rPr>
+              <a:t>al., </a:t>
+            </a:r>
+            <a:r>
+              <a:rPr lang="en-GB" sz="2000" noProof="0" dirty="0">
+                <a:solidFill>
+                  <a:schemeClr val="tx1">
+                    <a:lumMod val="65000"/>
+                    <a:lumOff val="35000"/>
+                  </a:schemeClr>
+                </a:solidFill>
+              </a:rPr>
+              <a:t>Global Approaches in Studying RNA-Binding Protein Interaction Networks, 2020, Trends in Biochemical Sciences.pdf</a:t>
+            </a:r>
+          </a:p>
+          <a:p>
+            <a:pPr marL="457200" indent="-457200">
+              <a:buFont typeface="Arial" panose="020B0604020202020204" pitchFamily="34" charset="0"/>
+              <a:buChar char="•"/>
+            </a:pPr>
+            <a:r>
+              <a:rPr lang="en-GB" sz="2000" noProof="0" dirty="0">
+                <a:solidFill>
+                  <a:schemeClr val="tx1">
+                    <a:lumMod val="65000"/>
+                    <a:lumOff val="35000"/>
+                  </a:schemeClr>
+                </a:solidFill>
+              </a:rPr>
+              <a:t>Caudron-Herger </a:t>
+            </a:r>
+            <a:r>
+              <a:rPr lang="en-GB" sz="2000" i="1" noProof="0" dirty="0">
+                <a:solidFill>
+                  <a:schemeClr val="tx1">
+                    <a:lumMod val="65000"/>
+                    <a:lumOff val="35000"/>
+                  </a:schemeClr>
+                </a:solidFill>
+              </a:rPr>
+              <a:t>et al., </a:t>
+            </a:r>
+            <a:r>
+              <a:rPr lang="en-GB" sz="2000" noProof="0" dirty="0">
+                <a:solidFill>
+                  <a:schemeClr val="tx1">
+                    <a:lumMod val="65000"/>
+                    <a:lumOff val="35000"/>
+                  </a:schemeClr>
+                </a:solidFill>
+              </a:rPr>
+              <a:t>R-</a:t>
+            </a:r>
+            <a:r>
+              <a:rPr lang="en-GB" sz="2000" noProof="0" dirty="0" err="1">
+                <a:solidFill>
+                  <a:schemeClr val="tx1">
+                    <a:lumMod val="65000"/>
+                    <a:lumOff val="35000"/>
+                  </a:schemeClr>
+                </a:solidFill>
+              </a:rPr>
+              <a:t>DeeP</a:t>
+            </a:r>
+            <a:r>
+              <a:rPr lang="en-GB" sz="2000" noProof="0" dirty="0">
+                <a:solidFill>
+                  <a:schemeClr val="tx1">
+                    <a:lumMod val="65000"/>
+                    <a:lumOff val="35000"/>
+                  </a:schemeClr>
+                </a:solidFill>
+              </a:rPr>
+              <a:t> Proteome-wide and Quantitative Identification of RNA-Dependent Proteins by Density Gradient Ultracentrifugation, 2019, Molecular Cell.pdf</a:t>
+            </a:r>
+          </a:p>
+          <a:p>
+            <a:pPr marL="457200" indent="-457200">
+              <a:buFont typeface="Arial" panose="020B0604020202020204" pitchFamily="34" charset="0"/>
+              <a:buChar char="•"/>
+            </a:pPr>
+            <a:r>
+              <a:rPr lang="en-GB" sz="2000" noProof="0" dirty="0">
+                <a:solidFill>
+                  <a:schemeClr val="tx1">
+                    <a:lumMod val="65000"/>
+                    <a:lumOff val="35000"/>
+                  </a:schemeClr>
+                </a:solidFill>
+              </a:rPr>
+              <a:t>Caudron-Herger </a:t>
+            </a:r>
+            <a:r>
+              <a:rPr lang="en-GB" sz="2000" i="1" noProof="0" dirty="0">
+                <a:solidFill>
+                  <a:schemeClr val="tx1">
+                    <a:lumMod val="65000"/>
+                    <a:lumOff val="35000"/>
+                  </a:schemeClr>
+                </a:solidFill>
+              </a:rPr>
+              <a:t>et al., </a:t>
+            </a:r>
+            <a:r>
+              <a:rPr lang="en-GB" sz="2000" noProof="0" dirty="0">
+                <a:solidFill>
+                  <a:schemeClr val="tx1">
+                    <a:lumMod val="65000"/>
+                    <a:lumOff val="35000"/>
+                  </a:schemeClr>
+                </a:solidFill>
+              </a:rPr>
+              <a:t>Identification, quantification and bioinformatic analysis of RNA-dependent proteins by RNase treatment and density gradient ultracentrifugation using R-DeeP-2020-Nature Protocols_1.pdf</a:t>
+            </a:r>
+          </a:p>
+          <a:p>
+            <a:pPr marL="457200" indent="-457200">
+              <a:buFont typeface="Arial" panose="020B0604020202020204" pitchFamily="34" charset="0"/>
+              <a:buChar char="•"/>
+            </a:pPr>
+            <a:r>
+              <a:rPr lang="en-GB" sz="2000" noProof="0" dirty="0">
+                <a:solidFill>
+                  <a:schemeClr val="tx1">
+                    <a:lumMod val="65000"/>
+                    <a:lumOff val="35000"/>
+                  </a:schemeClr>
+                </a:solidFill>
+              </a:rPr>
+              <a:t>Corley </a:t>
+            </a:r>
+            <a:r>
+              <a:rPr lang="en-GB" sz="2000" i="1" noProof="0" dirty="0">
+                <a:solidFill>
+                  <a:schemeClr val="tx1">
+                    <a:lumMod val="65000"/>
+                    <a:lumOff val="35000"/>
+                  </a:schemeClr>
+                </a:solidFill>
+              </a:rPr>
+              <a:t>et al.</a:t>
+            </a:r>
+            <a:r>
+              <a:rPr lang="en-GB" sz="2000" noProof="0" dirty="0">
+                <a:solidFill>
+                  <a:schemeClr val="tx1">
+                    <a:lumMod val="65000"/>
+                    <a:lumOff val="35000"/>
+                  </a:schemeClr>
+                </a:solidFill>
+              </a:rPr>
+              <a:t>, How RNA-Binding Proteins Interact with RNA Molecules and Mechanisms, 2020, Molecular Cell.pdf</a:t>
+            </a:r>
+          </a:p>
+          <a:p>
+            <a:pPr marL="457200" indent="-457200">
+              <a:buFont typeface="Arial" panose="020B0604020202020204" pitchFamily="34" charset="0"/>
+              <a:buChar char="•"/>
+            </a:pPr>
+            <a:r>
+              <a:rPr lang="en-US" sz="2000" dirty="0">
+                <a:solidFill>
+                  <a:schemeClr val="tx1">
+                    <a:lumMod val="65000"/>
+                    <a:lumOff val="35000"/>
+                  </a:schemeClr>
+                </a:solidFill>
+              </a:rPr>
+              <a:t>Rajagopal </a:t>
+            </a:r>
+            <a:r>
+              <a:rPr lang="en-US" sz="2000" i="1" dirty="0">
+                <a:solidFill>
+                  <a:schemeClr val="tx1">
+                    <a:lumMod val="65000"/>
+                    <a:lumOff val="35000"/>
+                  </a:schemeClr>
+                </a:solidFill>
+              </a:rPr>
+              <a:t>et al.</a:t>
+            </a:r>
+            <a:r>
+              <a:rPr lang="en-US" sz="2000" dirty="0">
+                <a:solidFill>
+                  <a:schemeClr val="tx1">
+                    <a:lumMod val="65000"/>
+                    <a:lumOff val="35000"/>
+                  </a:schemeClr>
+                </a:solidFill>
+              </a:rPr>
+              <a:t>, An atlas of RNA-dependent proteins in cell division reveals the </a:t>
+            </a:r>
+            <a:r>
+              <a:rPr lang="en-US" sz="2000" dirty="0" err="1">
+                <a:solidFill>
+                  <a:schemeClr val="tx1">
+                    <a:lumMod val="65000"/>
+                    <a:lumOff val="35000"/>
+                  </a:schemeClr>
+                </a:solidFill>
+              </a:rPr>
+              <a:t>riboregulation</a:t>
+            </a:r>
+            <a:r>
+              <a:rPr lang="en-US" sz="2000" dirty="0">
+                <a:solidFill>
+                  <a:schemeClr val="tx1">
+                    <a:lumMod val="65000"/>
+                    <a:lumOff val="35000"/>
+                  </a:schemeClr>
+                </a:solidFill>
+              </a:rPr>
+              <a:t> of mitotic protein-protein interactions. Nat. Commun. 16, 2325 (2025).pdf</a:t>
+            </a:r>
+          </a:p>
+        </p:txBody>
+      </p:sp>
+      <p:sp>
+        <p:nvSpPr>
+          <p:cNvPr id="20" name="Rectangle: Rounded Corners 19">
+            <a:extLst>
+              <a:ext uri="{FF2B5EF4-FFF2-40B4-BE49-F238E27FC236}">
+                <a16:creationId xmlns:a16="http://schemas.microsoft.com/office/drawing/2014/main" id="{17559DFF-5C51-4673-D8A1-D2B13C897EEB}"/>
+              </a:ext>
+            </a:extLst>
+          </p:cNvPr>
+          <p:cNvSpPr/>
+          <p:nvPr/>
+        </p:nvSpPr>
+        <p:spPr>
+          <a:xfrm>
+            <a:off x="619433" y="6354751"/>
+            <a:ext cx="29036347" cy="1430255"/>
+          </a:xfrm>
+          <a:prstGeom prst="roundRect">
+            <a:avLst>
+              <a:gd name="adj" fmla="val 0"/>
+            </a:avLst>
+          </a:prstGeom>
+          <a:solidFill>
+            <a:srgbClr val="842332"/>
+          </a:solidFill>
+          <a:ln>
+            <a:noFill/>
+          </a:ln>
+        </p:spPr>
+        <p:style>
+          <a:lnRef idx="2">
+            <a:schemeClr val="accent1">
+              <a:shade val="15000"/>
+            </a:schemeClr>
+          </a:lnRef>
+          <a:fillRef idx="1">
+            <a:schemeClr val="accent1"/>
+          </a:fillRef>
+          <a:effectRef idx="0">
+            <a:schemeClr val="accent1"/>
+          </a:effectRef>
+          <a:fontRef idx="minor">
+            <a:schemeClr val="lt1"/>
+          </a:fontRef>
+        </p:style>
+        <p:txBody>
+          <a:bodyPr rtlCol="0" anchor="ctr"/>
+          <a:lstStyle/>
+          <a:p>
+            <a:r>
+              <a:rPr lang="en-GB" sz="6000" b="1" noProof="0" dirty="0"/>
+              <a:t>                   Identifying RNA-Dependent Proteins from Proteomic Data</a:t>
+            </a:r>
+            <a:endParaRPr lang="en-GB" sz="1500" b="1" noProof="0" dirty="0"/>
+          </a:p>
+          <a:p>
+            <a:pPr algn="ctr"/>
+            <a:endParaRPr lang="en-GB" sz="1000" b="1" noProof="0" dirty="0"/>
+          </a:p>
+        </p:txBody>
+      </p:sp>
+      <p:sp>
+        <p:nvSpPr>
+          <p:cNvPr id="22" name="Rectangle: Rounded Corners 21">
+            <a:extLst>
+              <a:ext uri="{FF2B5EF4-FFF2-40B4-BE49-F238E27FC236}">
+                <a16:creationId xmlns:a16="http://schemas.microsoft.com/office/drawing/2014/main" id="{78953487-5DC6-2AD9-0A98-5C1C29209709}"/>
+              </a:ext>
+            </a:extLst>
+          </p:cNvPr>
+          <p:cNvSpPr/>
+          <p:nvPr/>
+        </p:nvSpPr>
+        <p:spPr>
+          <a:xfrm>
+            <a:off x="668635" y="13907015"/>
+            <a:ext cx="28937944" cy="1430255"/>
+          </a:xfrm>
+          <a:prstGeom prst="roundRect">
+            <a:avLst>
+              <a:gd name="adj" fmla="val 0"/>
+            </a:avLst>
+          </a:prstGeom>
+          <a:solidFill>
+            <a:srgbClr val="141F4C"/>
+          </a:solidFill>
+          <a:ln>
+            <a:noFill/>
+          </a:ln>
+        </p:spPr>
+        <p:style>
+          <a:lnRef idx="2">
+            <a:schemeClr val="accent1">
+              <a:shade val="15000"/>
+            </a:schemeClr>
+          </a:lnRef>
+          <a:fillRef idx="1">
+            <a:schemeClr val="accent1"/>
+          </a:fillRef>
+          <a:effectRef idx="0">
+            <a:schemeClr val="accent1"/>
+          </a:effectRef>
+          <a:fontRef idx="minor">
+            <a:schemeClr val="lt1"/>
+          </a:fontRef>
+        </p:style>
+        <p:txBody>
+          <a:bodyPr rtlCol="0" anchor="ctr"/>
+          <a:lstStyle/>
+          <a:p>
+            <a:r>
+              <a:rPr lang="en-GB" sz="6000" b="1" noProof="0" dirty="0"/>
+              <a:t>                  Our Approach and Results</a:t>
+            </a:r>
+            <a:endParaRPr lang="en-GB" sz="1500" b="1" noProof="0" dirty="0"/>
+          </a:p>
+          <a:p>
+            <a:pPr algn="ctr"/>
+            <a:endParaRPr lang="en-GB" sz="1000" b="1" noProof="0" dirty="0"/>
+          </a:p>
+        </p:txBody>
+      </p:sp>
+      <p:sp>
+        <p:nvSpPr>
+          <p:cNvPr id="23" name="Rectangle: Rounded Corners 22">
+            <a:extLst>
+              <a:ext uri="{FF2B5EF4-FFF2-40B4-BE49-F238E27FC236}">
+                <a16:creationId xmlns:a16="http://schemas.microsoft.com/office/drawing/2014/main" id="{FD585107-5D4E-3CA8-C8FD-88BCB9A21726}"/>
+              </a:ext>
+            </a:extLst>
+          </p:cNvPr>
+          <p:cNvSpPr/>
+          <p:nvPr/>
+        </p:nvSpPr>
+        <p:spPr>
+          <a:xfrm>
+            <a:off x="668636" y="27643718"/>
+            <a:ext cx="14468970" cy="1430255"/>
+          </a:xfrm>
+          <a:prstGeom prst="roundRect">
+            <a:avLst>
+              <a:gd name="adj" fmla="val 10312"/>
+            </a:avLst>
+          </a:prstGeom>
+          <a:solidFill>
+            <a:srgbClr val="141F4C"/>
+          </a:solidFill>
+          <a:ln>
+            <a:noFill/>
+          </a:ln>
+        </p:spPr>
+        <p:style>
+          <a:lnRef idx="2">
+            <a:schemeClr val="accent1">
+              <a:shade val="15000"/>
+            </a:schemeClr>
+          </a:lnRef>
+          <a:fillRef idx="1">
+            <a:schemeClr val="accent1"/>
+          </a:fillRef>
+          <a:effectRef idx="0">
+            <a:schemeClr val="accent1"/>
+          </a:effectRef>
+          <a:fontRef idx="minor">
+            <a:schemeClr val="lt1"/>
+          </a:fontRef>
+        </p:style>
+        <p:txBody>
+          <a:bodyPr rtlCol="0" anchor="ctr"/>
+          <a:lstStyle/>
+          <a:p>
+            <a:r>
+              <a:rPr lang="en-GB" sz="6000" b="1" noProof="0" dirty="0"/>
+              <a:t>                  Discussion</a:t>
+            </a:r>
+            <a:endParaRPr lang="en-GB" sz="1500" b="1" noProof="0" dirty="0"/>
+          </a:p>
+          <a:p>
+            <a:endParaRPr lang="en-GB" sz="1000" b="1" noProof="0" dirty="0"/>
+          </a:p>
+        </p:txBody>
+      </p:sp>
+      <p:sp>
+        <p:nvSpPr>
+          <p:cNvPr id="24" name="Rectangle: Rounded Corners 23">
+            <a:extLst>
+              <a:ext uri="{FF2B5EF4-FFF2-40B4-BE49-F238E27FC236}">
+                <a16:creationId xmlns:a16="http://schemas.microsoft.com/office/drawing/2014/main" id="{2B14C896-E1EC-A4F3-33AB-9DBDBC76FC26}"/>
+              </a:ext>
+            </a:extLst>
+          </p:cNvPr>
+          <p:cNvSpPr/>
+          <p:nvPr/>
+        </p:nvSpPr>
+        <p:spPr>
+          <a:xfrm>
+            <a:off x="15765564" y="27736897"/>
+            <a:ext cx="13841013" cy="1430255"/>
+          </a:xfrm>
+          <a:prstGeom prst="roundRect">
+            <a:avLst>
+              <a:gd name="adj" fmla="val 0"/>
+            </a:avLst>
+          </a:prstGeom>
+          <a:solidFill>
+            <a:srgbClr val="842332"/>
+          </a:solidFill>
+          <a:ln>
+            <a:noFill/>
+          </a:ln>
+        </p:spPr>
+        <p:style>
+          <a:lnRef idx="2">
+            <a:schemeClr val="accent1">
+              <a:shade val="15000"/>
+            </a:schemeClr>
+          </a:lnRef>
+          <a:fillRef idx="1">
+            <a:schemeClr val="accent1"/>
+          </a:fillRef>
+          <a:effectRef idx="0">
+            <a:schemeClr val="accent1"/>
+          </a:effectRef>
+          <a:fontRef idx="minor">
+            <a:schemeClr val="lt1"/>
+          </a:fontRef>
+        </p:style>
+        <p:txBody>
+          <a:bodyPr rtlCol="0" anchor="ctr"/>
+          <a:lstStyle/>
+          <a:p>
+            <a:r>
+              <a:rPr lang="en-GB" sz="6000" b="1" noProof="0" dirty="0"/>
+              <a:t>                 Our Achievements</a:t>
+            </a:r>
+            <a:endParaRPr lang="en-GB" sz="1000" b="1" noProof="0" dirty="0"/>
+          </a:p>
+        </p:txBody>
+      </p:sp>
+      <p:sp>
+        <p:nvSpPr>
+          <p:cNvPr id="25" name="Rectangle: Rounded Corners 24">
+            <a:extLst>
+              <a:ext uri="{FF2B5EF4-FFF2-40B4-BE49-F238E27FC236}">
+                <a16:creationId xmlns:a16="http://schemas.microsoft.com/office/drawing/2014/main" id="{BDE39EFA-7C61-B485-DFD0-AC8A54C47FA5}"/>
+              </a:ext>
+            </a:extLst>
+          </p:cNvPr>
+          <p:cNvSpPr/>
+          <p:nvPr/>
+        </p:nvSpPr>
+        <p:spPr>
+          <a:xfrm>
+            <a:off x="15841730" y="35857778"/>
+            <a:ext cx="8199369" cy="1430255"/>
+          </a:xfrm>
+          <a:prstGeom prst="roundRect">
+            <a:avLst>
+              <a:gd name="adj" fmla="val 0"/>
+            </a:avLst>
+          </a:prstGeom>
+          <a:solidFill>
+            <a:srgbClr val="413D59"/>
+          </a:solidFill>
+          <a:ln>
+            <a:noFill/>
+          </a:ln>
+        </p:spPr>
+        <p:style>
+          <a:lnRef idx="2">
+            <a:schemeClr val="accent1">
+              <a:shade val="15000"/>
+            </a:schemeClr>
+          </a:lnRef>
+          <a:fillRef idx="1">
+            <a:schemeClr val="accent1"/>
+          </a:fillRef>
+          <a:effectRef idx="0">
+            <a:schemeClr val="accent1"/>
+          </a:effectRef>
+          <a:fontRef idx="minor">
+            <a:schemeClr val="lt1"/>
+          </a:fontRef>
+        </p:style>
+        <p:txBody>
+          <a:bodyPr rtlCol="0" anchor="ctr"/>
+          <a:lstStyle/>
+          <a:p>
+            <a:r>
+              <a:rPr lang="en-GB" sz="6000" b="1" noProof="0" dirty="0"/>
+              <a:t>                 References</a:t>
+            </a:r>
+            <a:endParaRPr lang="en-GB" sz="1000" b="1" noProof="0" dirty="0"/>
+          </a:p>
+        </p:txBody>
+      </p:sp>
+      <p:sp>
+        <p:nvSpPr>
+          <p:cNvPr id="27" name="Titel 1">
+            <a:extLst>
+              <a:ext uri="{FF2B5EF4-FFF2-40B4-BE49-F238E27FC236}">
+                <a16:creationId xmlns:a16="http://schemas.microsoft.com/office/drawing/2014/main" id="{73572731-33E2-3B7C-6152-F288B2B3335F}"/>
+              </a:ext>
+            </a:extLst>
+          </p:cNvPr>
+          <p:cNvSpPr txBox="1">
+            <a:spLocks/>
+          </p:cNvSpPr>
+          <p:nvPr/>
+        </p:nvSpPr>
+        <p:spPr>
+          <a:xfrm>
+            <a:off x="1568156" y="2264310"/>
+            <a:ext cx="28358864" cy="1836887"/>
+          </a:xfrm>
+          <a:prstGeom prst="rect">
+            <a:avLst/>
+          </a:prstGeom>
+        </p:spPr>
+        <p:txBody>
+          <a:bodyPr vert="horz" lIns="91440" tIns="45720" rIns="91440" bIns="45720" rtlCol="0" anchor="b">
+            <a:noAutofit/>
+          </a:bodyPr>
+          <a:lstStyle>
+            <a:lvl1pPr algn="ctr" defTabSz="3027487" rtl="0" eaLnBrk="1" latinLnBrk="0" hangingPunct="1">
+              <a:lnSpc>
+                <a:spcPct val="90000"/>
+              </a:lnSpc>
+              <a:spcBef>
+                <a:spcPct val="0"/>
+              </a:spcBef>
+              <a:buNone/>
+              <a:defRPr sz="19865" kern="1200">
+                <a:solidFill>
+                  <a:schemeClr val="tx1"/>
+                </a:solidFill>
+                <a:latin typeface="+mj-lt"/>
+                <a:ea typeface="+mj-ea"/>
+                <a:cs typeface="+mj-cs"/>
+              </a:defRPr>
+            </a:lvl1pPr>
+          </a:lstStyle>
+          <a:p>
+            <a:r>
+              <a:rPr lang="en-GB" sz="8000" b="1" noProof="0" dirty="0">
+                <a:solidFill>
+                  <a:schemeClr val="bg1"/>
+                </a:solidFill>
+              </a:rPr>
+              <a:t>Hidden Alliances: </a:t>
+            </a:r>
+          </a:p>
+          <a:p>
+            <a:r>
+              <a:rPr lang="en-GB" sz="8000" b="1" noProof="0" dirty="0">
+                <a:solidFill>
+                  <a:schemeClr val="bg1"/>
+                </a:solidFill>
+              </a:rPr>
+              <a:t>RNA-Dependent Protein Interactions </a:t>
+            </a:r>
+          </a:p>
+          <a:p>
+            <a:r>
+              <a:rPr lang="en-GB" sz="8000" b="1" noProof="0" dirty="0">
+                <a:solidFill>
+                  <a:schemeClr val="bg1"/>
+                </a:solidFill>
+              </a:rPr>
+              <a:t>in </a:t>
+            </a:r>
+            <a:r>
+              <a:rPr lang="en-GB" sz="8000" b="1" dirty="0">
+                <a:solidFill>
+                  <a:schemeClr val="bg1"/>
+                </a:solidFill>
+              </a:rPr>
+              <a:t>non-synchronized HeLa-</a:t>
+            </a:r>
+            <a:r>
+              <a:rPr lang="en-GB" sz="8000" b="1" noProof="0" dirty="0">
+                <a:solidFill>
+                  <a:schemeClr val="bg1"/>
+                </a:solidFill>
+              </a:rPr>
+              <a:t>Cells</a:t>
+            </a:r>
+          </a:p>
+        </p:txBody>
+      </p:sp>
+      <p:sp>
+        <p:nvSpPr>
+          <p:cNvPr id="28" name="Titel 1">
+            <a:extLst>
+              <a:ext uri="{FF2B5EF4-FFF2-40B4-BE49-F238E27FC236}">
+                <a16:creationId xmlns:a16="http://schemas.microsoft.com/office/drawing/2014/main" id="{A985B516-9B69-A801-8685-FC847B7923B6}"/>
+              </a:ext>
+            </a:extLst>
+          </p:cNvPr>
+          <p:cNvSpPr txBox="1">
+            <a:spLocks/>
+          </p:cNvSpPr>
+          <p:nvPr/>
+        </p:nvSpPr>
+        <p:spPr>
+          <a:xfrm>
+            <a:off x="8739451" y="3780826"/>
+            <a:ext cx="12850233" cy="1323687"/>
+          </a:xfrm>
+          <a:prstGeom prst="rect">
+            <a:avLst/>
+          </a:prstGeom>
+        </p:spPr>
+        <p:txBody>
+          <a:bodyPr vert="horz" lIns="45681" tIns="22840" rIns="45681" bIns="22840" rtlCol="0" anchor="b">
+            <a:noAutofit/>
+          </a:bodyPr>
+          <a:lstStyle>
+            <a:lvl1pPr algn="ctr" defTabSz="3027487" rtl="0" eaLnBrk="1" latinLnBrk="0" hangingPunct="1">
+              <a:lnSpc>
+                <a:spcPct val="90000"/>
+              </a:lnSpc>
+              <a:spcBef>
+                <a:spcPct val="0"/>
+              </a:spcBef>
+              <a:buNone/>
+              <a:defRPr sz="19865" kern="1200">
+                <a:solidFill>
+                  <a:schemeClr val="tx1"/>
+                </a:solidFill>
+                <a:latin typeface="+mj-lt"/>
+                <a:ea typeface="+mj-ea"/>
+                <a:cs typeface="+mj-cs"/>
+              </a:defRPr>
+            </a:lvl1pPr>
+          </a:lstStyle>
+          <a:p>
+            <a:r>
+              <a:rPr lang="en-GB" sz="2800" noProof="0" dirty="0">
+                <a:solidFill>
+                  <a:schemeClr val="bg1"/>
+                </a:solidFill>
+              </a:rPr>
+              <a:t>Baureis, J., Ferdin, J., Nicklas, B., Wintel, L.</a:t>
+            </a:r>
+          </a:p>
+          <a:p>
+            <a:r>
+              <a:rPr lang="en-GB" sz="2800" noProof="0" dirty="0">
+                <a:solidFill>
+                  <a:schemeClr val="bg1"/>
+                </a:solidFill>
+              </a:rPr>
+              <a:t>Data Analysis Project Molecular Biotechnology SS2025</a:t>
+            </a:r>
+          </a:p>
+        </p:txBody>
+      </p:sp>
+      <p:sp>
+        <p:nvSpPr>
+          <p:cNvPr id="29" name="Flowchart: Connector 28">
+            <a:extLst>
+              <a:ext uri="{FF2B5EF4-FFF2-40B4-BE49-F238E27FC236}">
+                <a16:creationId xmlns:a16="http://schemas.microsoft.com/office/drawing/2014/main" id="{26161B18-9734-5285-AD86-8D60608CF9FC}"/>
+              </a:ext>
+            </a:extLst>
+          </p:cNvPr>
+          <p:cNvSpPr/>
+          <p:nvPr/>
+        </p:nvSpPr>
+        <p:spPr>
+          <a:xfrm>
+            <a:off x="1194289" y="5986115"/>
+            <a:ext cx="2006111" cy="1960592"/>
+          </a:xfrm>
+          <a:prstGeom prst="flowChartConnector">
+            <a:avLst/>
+          </a:prstGeom>
+          <a:solidFill>
+            <a:schemeClr val="bg1"/>
+          </a:solidFill>
+          <a:ln w="254000">
+            <a:solidFill>
+              <a:srgbClr val="842332"/>
+            </a:solidFill>
+          </a:ln>
+        </p:spPr>
+        <p:style>
+          <a:lnRef idx="2">
+            <a:schemeClr val="accent1">
+              <a:shade val="15000"/>
+            </a:schemeClr>
+          </a:lnRef>
+          <a:fillRef idx="1">
+            <a:schemeClr val="accent1"/>
+          </a:fillRef>
+          <a:effectRef idx="0">
+            <a:schemeClr val="accent1"/>
+          </a:effectRef>
+          <a:fontRef idx="minor">
+            <a:schemeClr val="lt1"/>
+          </a:fontRef>
+        </p:style>
+        <p:txBody>
+          <a:bodyPr rtlCol="0" anchor="ctr"/>
+          <a:lstStyle/>
+          <a:p>
+            <a:pPr algn="ctr"/>
+            <a:r>
+              <a:rPr lang="en-GB" sz="7000" b="1" noProof="0" dirty="0">
+                <a:solidFill>
+                  <a:srgbClr val="87081B"/>
+                </a:solidFill>
+              </a:rPr>
+              <a:t>1</a:t>
+            </a:r>
+          </a:p>
+        </p:txBody>
+      </p:sp>
+      <p:sp>
+        <p:nvSpPr>
+          <p:cNvPr id="31" name="Flowchart: Connector 30">
+            <a:extLst>
+              <a:ext uri="{FF2B5EF4-FFF2-40B4-BE49-F238E27FC236}">
+                <a16:creationId xmlns:a16="http://schemas.microsoft.com/office/drawing/2014/main" id="{D0D147AE-3111-67D2-0D06-B2CB3F7277CF}"/>
+              </a:ext>
+            </a:extLst>
+          </p:cNvPr>
+          <p:cNvSpPr/>
+          <p:nvPr/>
+        </p:nvSpPr>
+        <p:spPr>
+          <a:xfrm>
+            <a:off x="1194288" y="13584696"/>
+            <a:ext cx="2006111" cy="1960592"/>
+          </a:xfrm>
+          <a:prstGeom prst="flowChartConnector">
+            <a:avLst/>
+          </a:prstGeom>
+          <a:solidFill>
+            <a:schemeClr val="bg1"/>
+          </a:solidFill>
+          <a:ln w="254000">
+            <a:solidFill>
+              <a:srgbClr val="141F4C"/>
+            </a:solidFill>
+          </a:ln>
+        </p:spPr>
+        <p:style>
+          <a:lnRef idx="2">
+            <a:schemeClr val="accent1">
+              <a:shade val="15000"/>
+            </a:schemeClr>
+          </a:lnRef>
+          <a:fillRef idx="1">
+            <a:schemeClr val="accent1"/>
+          </a:fillRef>
+          <a:effectRef idx="0">
+            <a:schemeClr val="accent1"/>
+          </a:effectRef>
+          <a:fontRef idx="minor">
+            <a:schemeClr val="lt1"/>
+          </a:fontRef>
+        </p:style>
+        <p:txBody>
+          <a:bodyPr rtlCol="0" anchor="ctr"/>
+          <a:lstStyle/>
+          <a:p>
+            <a:pPr algn="ctr"/>
+            <a:r>
+              <a:rPr lang="en-GB" sz="7000" b="1" noProof="0" dirty="0">
+                <a:solidFill>
+                  <a:srgbClr val="120D31"/>
+                </a:solidFill>
+              </a:rPr>
+              <a:t>2</a:t>
+            </a:r>
+          </a:p>
+        </p:txBody>
+      </p:sp>
+      <p:sp>
+        <p:nvSpPr>
+          <p:cNvPr id="32" name="Flowchart: Connector 31">
+            <a:extLst>
+              <a:ext uri="{FF2B5EF4-FFF2-40B4-BE49-F238E27FC236}">
+                <a16:creationId xmlns:a16="http://schemas.microsoft.com/office/drawing/2014/main" id="{66C14411-35DC-3642-D835-CEC343073827}"/>
+              </a:ext>
+            </a:extLst>
+          </p:cNvPr>
+          <p:cNvSpPr/>
+          <p:nvPr/>
+        </p:nvSpPr>
+        <p:spPr>
+          <a:xfrm>
+            <a:off x="1194287" y="27398826"/>
+            <a:ext cx="2006111" cy="1960592"/>
+          </a:xfrm>
+          <a:prstGeom prst="flowChartConnector">
+            <a:avLst/>
+          </a:prstGeom>
+          <a:solidFill>
+            <a:schemeClr val="bg1"/>
+          </a:solidFill>
+          <a:ln w="254000">
+            <a:solidFill>
+              <a:srgbClr val="141F4C"/>
+            </a:solidFill>
+          </a:ln>
+        </p:spPr>
+        <p:style>
+          <a:lnRef idx="2">
+            <a:schemeClr val="accent1">
+              <a:shade val="15000"/>
+            </a:schemeClr>
+          </a:lnRef>
+          <a:fillRef idx="1">
+            <a:schemeClr val="accent1"/>
+          </a:fillRef>
+          <a:effectRef idx="0">
+            <a:schemeClr val="accent1"/>
+          </a:effectRef>
+          <a:fontRef idx="minor">
+            <a:schemeClr val="lt1"/>
+          </a:fontRef>
+        </p:style>
+        <p:txBody>
+          <a:bodyPr rtlCol="0" anchor="ctr"/>
+          <a:lstStyle/>
+          <a:p>
+            <a:pPr algn="ctr"/>
+            <a:r>
+              <a:rPr lang="en-GB" sz="7000" b="1" noProof="0" dirty="0">
+                <a:solidFill>
+                  <a:srgbClr val="120D31"/>
+                </a:solidFill>
+              </a:rPr>
+              <a:t>3</a:t>
+            </a:r>
+          </a:p>
+        </p:txBody>
+      </p:sp>
+      <p:sp>
+        <p:nvSpPr>
+          <p:cNvPr id="33" name="Flowchart: Connector 32">
+            <a:extLst>
+              <a:ext uri="{FF2B5EF4-FFF2-40B4-BE49-F238E27FC236}">
+                <a16:creationId xmlns:a16="http://schemas.microsoft.com/office/drawing/2014/main" id="{021F0E63-FF49-A744-BE4C-2E889DB3394D}"/>
+              </a:ext>
+            </a:extLst>
+          </p:cNvPr>
+          <p:cNvSpPr/>
+          <p:nvPr/>
+        </p:nvSpPr>
+        <p:spPr>
+          <a:xfrm>
+            <a:off x="16242587" y="27394687"/>
+            <a:ext cx="2006111" cy="1960592"/>
+          </a:xfrm>
+          <a:prstGeom prst="flowChartConnector">
+            <a:avLst/>
+          </a:prstGeom>
+          <a:solidFill>
+            <a:schemeClr val="bg1"/>
+          </a:solidFill>
+          <a:ln w="254000">
+            <a:solidFill>
+              <a:srgbClr val="842332"/>
+            </a:solidFill>
+          </a:ln>
+        </p:spPr>
+        <p:style>
+          <a:lnRef idx="2">
+            <a:schemeClr val="accent1">
+              <a:shade val="15000"/>
+            </a:schemeClr>
+          </a:lnRef>
+          <a:fillRef idx="1">
+            <a:schemeClr val="accent1"/>
+          </a:fillRef>
+          <a:effectRef idx="0">
+            <a:schemeClr val="accent1"/>
+          </a:effectRef>
+          <a:fontRef idx="minor">
+            <a:schemeClr val="lt1"/>
+          </a:fontRef>
+        </p:style>
+        <p:txBody>
+          <a:bodyPr rtlCol="0" anchor="ctr"/>
+          <a:lstStyle/>
+          <a:p>
+            <a:pPr algn="ctr"/>
+            <a:r>
+              <a:rPr lang="en-GB" sz="7000" b="1" noProof="0" dirty="0">
+                <a:solidFill>
+                  <a:srgbClr val="87081B"/>
+                </a:solidFill>
+              </a:rPr>
+              <a:t>4</a:t>
+            </a:r>
+          </a:p>
+        </p:txBody>
+      </p:sp>
+      <p:sp>
+        <p:nvSpPr>
+          <p:cNvPr id="37" name="Flowchart: Connector 36">
+            <a:extLst>
+              <a:ext uri="{FF2B5EF4-FFF2-40B4-BE49-F238E27FC236}">
+                <a16:creationId xmlns:a16="http://schemas.microsoft.com/office/drawing/2014/main" id="{05E440DF-ABE6-29D7-5340-6C634269EC5A}"/>
+              </a:ext>
+            </a:extLst>
+          </p:cNvPr>
+          <p:cNvSpPr/>
+          <p:nvPr/>
+        </p:nvSpPr>
+        <p:spPr>
+          <a:xfrm>
+            <a:off x="16285627" y="35586126"/>
+            <a:ext cx="2006111" cy="1960592"/>
+          </a:xfrm>
+          <a:prstGeom prst="flowChartConnector">
+            <a:avLst/>
+          </a:prstGeom>
+          <a:solidFill>
+            <a:schemeClr val="bg1"/>
+          </a:solidFill>
+          <a:ln w="254000">
+            <a:solidFill>
+              <a:srgbClr val="413D59"/>
+            </a:solidFill>
+          </a:ln>
+        </p:spPr>
+        <p:style>
+          <a:lnRef idx="2">
+            <a:schemeClr val="accent1">
+              <a:shade val="15000"/>
+            </a:schemeClr>
+          </a:lnRef>
+          <a:fillRef idx="1">
+            <a:schemeClr val="accent1"/>
+          </a:fillRef>
+          <a:effectRef idx="0">
+            <a:schemeClr val="accent1"/>
+          </a:effectRef>
+          <a:fontRef idx="minor">
+            <a:schemeClr val="lt1"/>
+          </a:fontRef>
+        </p:style>
+        <p:txBody>
+          <a:bodyPr rtlCol="0" anchor="ctr"/>
+          <a:lstStyle/>
+          <a:p>
+            <a:pPr algn="ctr"/>
+            <a:r>
+              <a:rPr lang="en-GB" sz="7000" b="1" noProof="0" dirty="0">
+                <a:solidFill>
+                  <a:srgbClr val="302F4D"/>
+                </a:solidFill>
+              </a:rPr>
+              <a:t>5</a:t>
+            </a:r>
+          </a:p>
+        </p:txBody>
+      </p:sp>
+      <p:pic>
+        <p:nvPicPr>
+          <p:cNvPr id="39" name="Picture 38">
+            <a:extLst>
+              <a:ext uri="{FF2B5EF4-FFF2-40B4-BE49-F238E27FC236}">
+                <a16:creationId xmlns:a16="http://schemas.microsoft.com/office/drawing/2014/main" id="{2D5FFC4F-5749-FA80-CE2C-64023D23C012}"/>
+              </a:ext>
+            </a:extLst>
+          </p:cNvPr>
+          <p:cNvPicPr>
+            <a:picLocks noChangeAspect="1"/>
+          </p:cNvPicPr>
+          <p:nvPr/>
+        </p:nvPicPr>
+        <p:blipFill>
+          <a:blip r:embed="rId7"/>
+          <a:stretch>
+            <a:fillRect/>
+          </a:stretch>
+        </p:blipFill>
+        <p:spPr>
+          <a:xfrm>
+            <a:off x="24763588" y="39631299"/>
+            <a:ext cx="4636493" cy="2608026"/>
+          </a:xfrm>
+          <a:prstGeom prst="rect">
+            <a:avLst/>
+          </a:prstGeom>
+        </p:spPr>
+      </p:pic>
+      <p:grpSp>
+        <p:nvGrpSpPr>
+          <p:cNvPr id="77" name="Group 76">
+            <a:extLst>
+              <a:ext uri="{FF2B5EF4-FFF2-40B4-BE49-F238E27FC236}">
+                <a16:creationId xmlns:a16="http://schemas.microsoft.com/office/drawing/2014/main" id="{B16A092C-1364-780A-AA1E-E53999D3DA43}"/>
+              </a:ext>
+            </a:extLst>
+          </p:cNvPr>
+          <p:cNvGrpSpPr/>
+          <p:nvPr/>
+        </p:nvGrpSpPr>
+        <p:grpSpPr>
+          <a:xfrm>
+            <a:off x="985116" y="38511320"/>
+            <a:ext cx="13893977" cy="3357855"/>
+            <a:chOff x="1377910" y="38191229"/>
+            <a:chExt cx="11026618" cy="2530059"/>
+          </a:xfrm>
+        </p:grpSpPr>
+        <p:pic>
+          <p:nvPicPr>
+            <p:cNvPr id="75" name="Picture 74" descr="A screenshot of a computer code&#10;&#10;AI-generated content may be incorrect.">
+              <a:extLst>
+                <a:ext uri="{FF2B5EF4-FFF2-40B4-BE49-F238E27FC236}">
+                  <a16:creationId xmlns:a16="http://schemas.microsoft.com/office/drawing/2014/main" id="{96FA7E16-2CCA-8527-B731-E075F69E0922}"/>
+                </a:ext>
+              </a:extLst>
+            </p:cNvPr>
+            <p:cNvPicPr>
+              <a:picLocks noChangeAspect="1"/>
+            </p:cNvPicPr>
+            <p:nvPr/>
+          </p:nvPicPr>
+          <p:blipFill>
+            <a:blip r:embed="rId8"/>
+            <a:stretch>
+              <a:fillRect/>
+            </a:stretch>
+          </p:blipFill>
+          <p:spPr>
+            <a:xfrm>
+              <a:off x="6635688" y="38206469"/>
+              <a:ext cx="5768840" cy="2499577"/>
+            </a:xfrm>
+            <a:prstGeom prst="rect">
+              <a:avLst/>
+            </a:prstGeom>
+          </p:spPr>
+        </p:pic>
+        <p:pic>
+          <p:nvPicPr>
+            <p:cNvPr id="76" name="Picture 75" descr="A screenshot of a computer code&#10;&#10;AI-generated content may be incorrect.">
+              <a:extLst>
+                <a:ext uri="{FF2B5EF4-FFF2-40B4-BE49-F238E27FC236}">
+                  <a16:creationId xmlns:a16="http://schemas.microsoft.com/office/drawing/2014/main" id="{16ACC121-8DE5-B42E-8F65-27BBE296D00F}"/>
+                </a:ext>
+              </a:extLst>
+            </p:cNvPr>
+            <p:cNvPicPr>
+              <a:picLocks noChangeAspect="1"/>
+            </p:cNvPicPr>
+            <p:nvPr/>
+          </p:nvPicPr>
+          <p:blipFill>
+            <a:blip r:embed="rId9"/>
+            <a:stretch>
+              <a:fillRect/>
+            </a:stretch>
+          </p:blipFill>
+          <p:spPr>
+            <a:xfrm>
+              <a:off x="1377910" y="38191229"/>
+              <a:ext cx="5067739" cy="2530059"/>
+            </a:xfrm>
+            <a:prstGeom prst="rect">
+              <a:avLst/>
+            </a:prstGeom>
+          </p:spPr>
+        </p:pic>
+      </p:grpSp>
+      <p:grpSp>
+        <p:nvGrpSpPr>
+          <p:cNvPr id="102" name="Group 101">
+            <a:extLst>
+              <a:ext uri="{FF2B5EF4-FFF2-40B4-BE49-F238E27FC236}">
+                <a16:creationId xmlns:a16="http://schemas.microsoft.com/office/drawing/2014/main" id="{C99980D5-27D5-1B7D-E7A0-1A567824AF06}"/>
+              </a:ext>
+            </a:extLst>
+          </p:cNvPr>
+          <p:cNvGrpSpPr/>
+          <p:nvPr/>
+        </p:nvGrpSpPr>
+        <p:grpSpPr>
+          <a:xfrm>
+            <a:off x="18659378" y="7834298"/>
+            <a:ext cx="11005390" cy="5190957"/>
+            <a:chOff x="17953486" y="7860815"/>
+            <a:chExt cx="11005390" cy="5190957"/>
+          </a:xfrm>
+        </p:grpSpPr>
+        <p:sp>
+          <p:nvSpPr>
+            <p:cNvPr id="99" name="TextBox 98">
+              <a:extLst>
+                <a:ext uri="{FF2B5EF4-FFF2-40B4-BE49-F238E27FC236}">
+                  <a16:creationId xmlns:a16="http://schemas.microsoft.com/office/drawing/2014/main" id="{B1BEF744-BA9E-D30A-593C-00715AF3D0C6}"/>
+                </a:ext>
+              </a:extLst>
+            </p:cNvPr>
+            <p:cNvSpPr txBox="1"/>
+            <p:nvPr/>
+          </p:nvSpPr>
+          <p:spPr>
+            <a:xfrm>
+              <a:off x="18346399" y="7860815"/>
+              <a:ext cx="625063" cy="461665"/>
+            </a:xfrm>
+            <a:prstGeom prst="rect">
+              <a:avLst/>
+            </a:prstGeom>
+            <a:noFill/>
+          </p:spPr>
+          <p:txBody>
+            <a:bodyPr wrap="square" rtlCol="0">
+              <a:spAutoFit/>
+            </a:bodyPr>
+            <a:lstStyle/>
+            <a:p>
+              <a:r>
+                <a:rPr lang="en-GB" sz="2400" b="1" dirty="0"/>
+                <a:t>2</a:t>
+              </a:r>
+              <a:r>
+                <a:rPr lang="en-GB" sz="2400" b="1" noProof="0" dirty="0"/>
+                <a:t>A</a:t>
+              </a:r>
+            </a:p>
+          </p:txBody>
+        </p:sp>
+        <p:sp>
+          <p:nvSpPr>
+            <p:cNvPr id="101" name="TextBox 100">
+              <a:extLst>
+                <a:ext uri="{FF2B5EF4-FFF2-40B4-BE49-F238E27FC236}">
+                  <a16:creationId xmlns:a16="http://schemas.microsoft.com/office/drawing/2014/main" id="{8E63968E-4CFD-17D2-5181-A624A6E5CD59}"/>
+                </a:ext>
+              </a:extLst>
+            </p:cNvPr>
+            <p:cNvSpPr txBox="1"/>
+            <p:nvPr/>
+          </p:nvSpPr>
+          <p:spPr>
+            <a:xfrm>
+              <a:off x="17953486" y="11728333"/>
+              <a:ext cx="11005390" cy="1323439"/>
+            </a:xfrm>
+            <a:prstGeom prst="rect">
+              <a:avLst/>
+            </a:prstGeom>
+            <a:noFill/>
+          </p:spPr>
+          <p:txBody>
+            <a:bodyPr wrap="square" rtlCol="0">
+              <a:spAutoFit/>
+            </a:bodyPr>
+            <a:lstStyle/>
+            <a:p>
+              <a:r>
+                <a:rPr lang="en-GB" sz="2000" b="1" noProof="0" dirty="0"/>
+                <a:t>Fig. 2 </a:t>
+              </a:r>
+              <a:r>
+                <a:rPr lang="en-GB" sz="2000" noProof="0" dirty="0"/>
+                <a:t>Plot of protein in data set. The data </a:t>
+              </a:r>
+              <a:r>
+                <a:rPr lang="en-GB" sz="2000" dirty="0"/>
+                <a:t>has been </a:t>
+              </a:r>
+              <a:r>
+                <a:rPr lang="en-GB" sz="2000" noProof="0" dirty="0"/>
+                <a:t>cleaned and normalized beforehand.</a:t>
+              </a:r>
+            </a:p>
+            <a:p>
+              <a:endParaRPr lang="en-GB" sz="2000" noProof="0" dirty="0"/>
+            </a:p>
+            <a:p>
+              <a:r>
+                <a:rPr lang="en-GB" sz="2000" b="1" noProof="0" dirty="0"/>
+                <a:t>A) </a:t>
+              </a:r>
+              <a:r>
+                <a:rPr lang="en-GB" sz="2000" noProof="0" dirty="0"/>
+                <a:t>An </a:t>
+              </a:r>
+              <a:r>
+                <a:rPr lang="en-GB" sz="2000" noProof="0" dirty="0" err="1"/>
+                <a:t>RNA.dependent</a:t>
+              </a:r>
+              <a:r>
+                <a:rPr lang="en-GB" sz="2000" noProof="0" dirty="0"/>
+                <a:t> protein </a:t>
+              </a:r>
+              <a:r>
+                <a:rPr lang="en-GB" sz="2000" dirty="0"/>
+                <a:t>e</a:t>
+              </a:r>
+              <a:r>
+                <a:rPr lang="en-GB" sz="2000" noProof="0" dirty="0" err="1"/>
+                <a:t>xhibits</a:t>
+              </a:r>
+              <a:r>
+                <a:rPr lang="en-GB" sz="2000" noProof="0" dirty="0"/>
+                <a:t> a shift </a:t>
+              </a:r>
+              <a:r>
+                <a:rPr lang="en-GB" sz="2000" dirty="0"/>
+                <a:t>for its intensity values between control and </a:t>
+              </a:r>
+              <a:r>
+                <a:rPr lang="en-GB" sz="2000" dirty="0" err="1"/>
+                <a:t>rnase</a:t>
+              </a:r>
+              <a:r>
+                <a:rPr lang="en-GB" sz="2000" dirty="0"/>
+                <a:t> group.</a:t>
+              </a:r>
+              <a:r>
+                <a:rPr lang="en-GB" sz="2000" noProof="0" dirty="0"/>
+                <a:t> </a:t>
+              </a:r>
+            </a:p>
+            <a:p>
+              <a:r>
+                <a:rPr lang="en-GB" sz="2000" b="1" noProof="0" dirty="0"/>
+                <a:t>B)</a:t>
+              </a:r>
+              <a:r>
+                <a:rPr lang="en-GB" sz="2000" b="1" dirty="0"/>
+                <a:t> </a:t>
+              </a:r>
+              <a:r>
+                <a:rPr lang="en-GB" sz="2000" dirty="0"/>
+                <a:t>A nor RNA-dependent protein exhibits no such shift</a:t>
+              </a:r>
+              <a:endParaRPr lang="en-GB" sz="2000" noProof="0" dirty="0"/>
+            </a:p>
+          </p:txBody>
+        </p:sp>
+      </p:grpSp>
+      <p:sp>
+        <p:nvSpPr>
+          <p:cNvPr id="4" name="TextBox 3">
+            <a:extLst>
+              <a:ext uri="{FF2B5EF4-FFF2-40B4-BE49-F238E27FC236}">
+                <a16:creationId xmlns:a16="http://schemas.microsoft.com/office/drawing/2014/main" id="{5DCE0018-9FDC-A174-22C4-A966C06B4EBE}"/>
+              </a:ext>
+            </a:extLst>
+          </p:cNvPr>
+          <p:cNvSpPr txBox="1"/>
+          <p:nvPr/>
+        </p:nvSpPr>
+        <p:spPr>
+          <a:xfrm>
+            <a:off x="940780" y="8181621"/>
+            <a:ext cx="8971597" cy="2352952"/>
+          </a:xfrm>
+          <a:prstGeom prst="rect">
+            <a:avLst/>
+          </a:prstGeom>
+          <a:noFill/>
+        </p:spPr>
+        <p:txBody>
+          <a:bodyPr wrap="square" rtlCol="0">
+            <a:spAutoFit/>
+          </a:bodyPr>
+          <a:lstStyle/>
+          <a:p>
+            <a:pPr>
+              <a:lnSpc>
+                <a:spcPct val="150000"/>
+              </a:lnSpc>
+            </a:pPr>
+            <a:r>
+              <a:rPr lang="en-GB" sz="2000" b="1" dirty="0"/>
+              <a:t>Why should we observe RNA-dependent proteins?</a:t>
+            </a:r>
+          </a:p>
+          <a:p>
+            <a:pPr marL="342900" indent="-342900">
+              <a:lnSpc>
+                <a:spcPct val="150000"/>
+              </a:lnSpc>
+              <a:buFont typeface="Arial" panose="020B0604020202020204" pitchFamily="34" charset="0"/>
+              <a:buChar char="•"/>
+            </a:pPr>
+            <a:r>
+              <a:rPr lang="en-GB" sz="2000" b="1" dirty="0"/>
+              <a:t>Key Regulators:</a:t>
+            </a:r>
+            <a:r>
+              <a:rPr lang="en-GB" sz="2000" dirty="0"/>
+              <a:t> RBPs control RNA metabolism &amp; gene expression.</a:t>
+            </a:r>
+          </a:p>
+          <a:p>
+            <a:pPr marL="342900" indent="-342900">
+              <a:lnSpc>
+                <a:spcPct val="150000"/>
+              </a:lnSpc>
+              <a:buFont typeface="Arial" panose="020B0604020202020204" pitchFamily="34" charset="0"/>
+              <a:buChar char="•"/>
+            </a:pPr>
+            <a:r>
+              <a:rPr lang="en-GB" sz="2000" b="1" dirty="0"/>
+              <a:t>Disease Links:</a:t>
+            </a:r>
+            <a:r>
+              <a:rPr lang="en-GB" sz="2000" dirty="0"/>
+              <a:t> </a:t>
+            </a:r>
+            <a:r>
+              <a:rPr lang="en-GB" sz="2000" dirty="0" err="1"/>
+              <a:t>Misregulation</a:t>
+            </a:r>
+            <a:r>
+              <a:rPr lang="en-GB" sz="2000" dirty="0"/>
+              <a:t> is tied to cancer &amp; neurodegeneration.</a:t>
+            </a:r>
+          </a:p>
+          <a:p>
+            <a:pPr marL="342900" indent="-342900">
+              <a:lnSpc>
+                <a:spcPct val="150000"/>
+              </a:lnSpc>
+              <a:buFont typeface="Arial" panose="020B0604020202020204" pitchFamily="34" charset="0"/>
+              <a:buChar char="•"/>
+            </a:pPr>
+            <a:r>
+              <a:rPr lang="en-GB" sz="2000" b="1" dirty="0"/>
+              <a:t>Functional Clues:</a:t>
+            </a:r>
+            <a:r>
+              <a:rPr lang="en-GB" sz="2000" dirty="0"/>
+              <a:t> New RBPs hint at RNA’s role in specific pathways.</a:t>
+            </a:r>
+          </a:p>
+          <a:p>
+            <a:pPr marL="342900" indent="-342900">
+              <a:lnSpc>
+                <a:spcPct val="150000"/>
+              </a:lnSpc>
+              <a:buFont typeface="Arial" panose="020B0604020202020204" pitchFamily="34" charset="0"/>
+              <a:buChar char="•"/>
+            </a:pPr>
+            <a:r>
+              <a:rPr lang="en-GB" sz="2000" b="1" dirty="0"/>
+              <a:t>Molecular Insights:</a:t>
+            </a:r>
+            <a:r>
+              <a:rPr lang="en-GB" sz="2000" dirty="0"/>
+              <a:t> Deepens the understanding of cell cycle and cellular </a:t>
+            </a:r>
+            <a:r>
+              <a:rPr lang="en-GB" sz="2000" dirty="0" err="1"/>
+              <a:t>behavior</a:t>
+            </a:r>
+            <a:endParaRPr lang="en-GB" sz="2000" b="1" dirty="0"/>
+          </a:p>
+        </p:txBody>
+      </p:sp>
+      <p:grpSp>
+        <p:nvGrpSpPr>
+          <p:cNvPr id="17" name="Group 16">
+            <a:extLst>
+              <a:ext uri="{FF2B5EF4-FFF2-40B4-BE49-F238E27FC236}">
+                <a16:creationId xmlns:a16="http://schemas.microsoft.com/office/drawing/2014/main" id="{8E5482DE-AEF0-1228-26AC-5DB54DB02E27}"/>
+              </a:ext>
+            </a:extLst>
+          </p:cNvPr>
+          <p:cNvGrpSpPr/>
+          <p:nvPr/>
+        </p:nvGrpSpPr>
+        <p:grpSpPr>
+          <a:xfrm>
+            <a:off x="851766" y="29654145"/>
+            <a:ext cx="14159634" cy="8554153"/>
+            <a:chOff x="851766" y="29318865"/>
+            <a:chExt cx="14159634" cy="8554153"/>
+          </a:xfrm>
+        </p:grpSpPr>
+        <p:grpSp>
+          <p:nvGrpSpPr>
+            <p:cNvPr id="91" name="Group 90">
+              <a:extLst>
+                <a:ext uri="{FF2B5EF4-FFF2-40B4-BE49-F238E27FC236}">
+                  <a16:creationId xmlns:a16="http://schemas.microsoft.com/office/drawing/2014/main" id="{166F40FE-C925-3ACA-6254-644E38B9C757}"/>
+                </a:ext>
+              </a:extLst>
+            </p:cNvPr>
+            <p:cNvGrpSpPr/>
+            <p:nvPr/>
+          </p:nvGrpSpPr>
+          <p:grpSpPr>
+            <a:xfrm>
+              <a:off x="851766" y="29318865"/>
+              <a:ext cx="14159634" cy="7969168"/>
+              <a:chOff x="851766" y="29318865"/>
+              <a:chExt cx="14159634" cy="7969168"/>
+            </a:xfrm>
+          </p:grpSpPr>
+          <p:grpSp>
+            <p:nvGrpSpPr>
+              <p:cNvPr id="79" name="Group 78">
+                <a:extLst>
+                  <a:ext uri="{FF2B5EF4-FFF2-40B4-BE49-F238E27FC236}">
+                    <a16:creationId xmlns:a16="http://schemas.microsoft.com/office/drawing/2014/main" id="{87982164-A01E-8CDD-4294-008F8D3C4391}"/>
+                  </a:ext>
+                </a:extLst>
+              </p:cNvPr>
+              <p:cNvGrpSpPr/>
+              <p:nvPr/>
+            </p:nvGrpSpPr>
+            <p:grpSpPr>
+              <a:xfrm>
+                <a:off x="851766" y="29318865"/>
+                <a:ext cx="14159634" cy="7969168"/>
+                <a:chOff x="851766" y="29318865"/>
+                <a:chExt cx="14159634" cy="7969168"/>
+              </a:xfrm>
+            </p:grpSpPr>
+            <p:grpSp>
+              <p:nvGrpSpPr>
+                <p:cNvPr id="70" name="Group 69">
+                  <a:extLst>
+                    <a:ext uri="{FF2B5EF4-FFF2-40B4-BE49-F238E27FC236}">
+                      <a16:creationId xmlns:a16="http://schemas.microsoft.com/office/drawing/2014/main" id="{C5069539-0B89-E536-6562-793A62356A61}"/>
+                    </a:ext>
+                  </a:extLst>
+                </p:cNvPr>
+                <p:cNvGrpSpPr/>
+                <p:nvPr/>
+              </p:nvGrpSpPr>
+              <p:grpSpPr>
+                <a:xfrm>
+                  <a:off x="851766" y="29664767"/>
+                  <a:ext cx="9603526" cy="7623266"/>
+                  <a:chOff x="6487605" y="34375433"/>
+                  <a:chExt cx="8062777" cy="6047084"/>
+                </a:xfrm>
+              </p:grpSpPr>
+              <p:pic>
+                <p:nvPicPr>
+                  <p:cNvPr id="71" name="Picture 70" descr="A diagram of different colored circles&#10;&#10;AI-generated content may be incorrect.">
+                    <a:extLst>
+                      <a:ext uri="{FF2B5EF4-FFF2-40B4-BE49-F238E27FC236}">
+                        <a16:creationId xmlns:a16="http://schemas.microsoft.com/office/drawing/2014/main" id="{C6460AC3-C218-761B-038B-104C45983826}"/>
+                      </a:ext>
+                    </a:extLst>
+                  </p:cNvPr>
+                  <p:cNvPicPr>
+                    <a:picLocks noChangeAspect="1"/>
+                  </p:cNvPicPr>
+                  <p:nvPr/>
+                </p:nvPicPr>
+                <p:blipFill>
+                  <a:blip r:embed="rId10"/>
+                  <a:stretch>
+                    <a:fillRect/>
+                  </a:stretch>
+                </p:blipFill>
+                <p:spPr>
+                  <a:xfrm>
+                    <a:off x="6519450" y="37398975"/>
+                    <a:ext cx="4031389" cy="3023542"/>
+                  </a:xfrm>
+                  <a:prstGeom prst="rect">
+                    <a:avLst/>
+                  </a:prstGeom>
+                </p:spPr>
+              </p:pic>
+              <p:pic>
+                <p:nvPicPr>
+                  <p:cNvPr id="72" name="Picture 71" descr="A diagram of a diagram showing different colored circles&#10;&#10;AI-generated content may be incorrect.">
+                    <a:extLst>
+                      <a:ext uri="{FF2B5EF4-FFF2-40B4-BE49-F238E27FC236}">
+                        <a16:creationId xmlns:a16="http://schemas.microsoft.com/office/drawing/2014/main" id="{415CD5F1-8F9E-500A-5556-8945870412A9}"/>
+                      </a:ext>
+                    </a:extLst>
+                  </p:cNvPr>
+                  <p:cNvPicPr>
+                    <a:picLocks noChangeAspect="1"/>
+                  </p:cNvPicPr>
+                  <p:nvPr/>
+                </p:nvPicPr>
+                <p:blipFill>
+                  <a:blip r:embed="rId11"/>
+                  <a:stretch>
+                    <a:fillRect/>
+                  </a:stretch>
+                </p:blipFill>
+                <p:spPr>
+                  <a:xfrm>
+                    <a:off x="6487605" y="34375433"/>
+                    <a:ext cx="4031389" cy="3023542"/>
+                  </a:xfrm>
+                  <a:prstGeom prst="rect">
+                    <a:avLst/>
+                  </a:prstGeom>
+                </p:spPr>
+              </p:pic>
+              <p:pic>
+                <p:nvPicPr>
+                  <p:cNvPr id="73" name="Picture 72" descr="A diagram of a graph&#10;&#10;AI-generated content may be incorrect.">
+                    <a:extLst>
+                      <a:ext uri="{FF2B5EF4-FFF2-40B4-BE49-F238E27FC236}">
+                        <a16:creationId xmlns:a16="http://schemas.microsoft.com/office/drawing/2014/main" id="{21C15B5F-B609-118A-C994-3804E4AC667A}"/>
+                      </a:ext>
+                    </a:extLst>
+                  </p:cNvPr>
+                  <p:cNvPicPr>
+                    <a:picLocks noChangeAspect="1"/>
+                  </p:cNvPicPr>
+                  <p:nvPr/>
+                </p:nvPicPr>
+                <p:blipFill>
+                  <a:blip r:embed="rId12"/>
+                  <a:stretch>
+                    <a:fillRect/>
+                  </a:stretch>
+                </p:blipFill>
+                <p:spPr>
+                  <a:xfrm>
+                    <a:off x="10518992" y="37398976"/>
+                    <a:ext cx="4031388" cy="3023541"/>
+                  </a:xfrm>
+                  <a:prstGeom prst="rect">
+                    <a:avLst/>
+                  </a:prstGeom>
+                </p:spPr>
+              </p:pic>
+              <p:pic>
+                <p:nvPicPr>
+                  <p:cNvPr id="74" name="Picture 73" descr="A diagram of different colored circles&#10;&#10;AI-generated content may be incorrect.">
+                    <a:extLst>
+                      <a:ext uri="{FF2B5EF4-FFF2-40B4-BE49-F238E27FC236}">
+                        <a16:creationId xmlns:a16="http://schemas.microsoft.com/office/drawing/2014/main" id="{DDE36B41-C80F-1C08-E5FC-7F95076DC447}"/>
+                      </a:ext>
+                    </a:extLst>
+                  </p:cNvPr>
+                  <p:cNvPicPr>
+                    <a:picLocks noChangeAspect="1"/>
+                  </p:cNvPicPr>
+                  <p:nvPr/>
+                </p:nvPicPr>
+                <p:blipFill>
+                  <a:blip r:embed="rId13"/>
+                  <a:stretch>
+                    <a:fillRect/>
+                  </a:stretch>
+                </p:blipFill>
+                <p:spPr>
+                  <a:xfrm>
+                    <a:off x="10518993" y="34375433"/>
+                    <a:ext cx="4031389" cy="3023542"/>
+                  </a:xfrm>
+                  <a:prstGeom prst="rect">
+                    <a:avLst/>
+                  </a:prstGeom>
+                </p:spPr>
+              </p:pic>
+            </p:grpSp>
+            <p:sp>
+              <p:nvSpPr>
+                <p:cNvPr id="78" name="TextBox 77">
+                  <a:extLst>
+                    <a:ext uri="{FF2B5EF4-FFF2-40B4-BE49-F238E27FC236}">
+                      <a16:creationId xmlns:a16="http://schemas.microsoft.com/office/drawing/2014/main" id="{9C8CE86A-7B36-57C3-3567-E9BD5C58EE29}"/>
+                    </a:ext>
+                  </a:extLst>
+                </p:cNvPr>
+                <p:cNvSpPr txBox="1"/>
+                <p:nvPr/>
+              </p:nvSpPr>
+              <p:spPr>
+                <a:xfrm>
+                  <a:off x="10475862" y="29318865"/>
+                  <a:ext cx="4535538" cy="3785652"/>
+                </a:xfrm>
+                <a:prstGeom prst="rect">
+                  <a:avLst/>
+                </a:prstGeom>
+                <a:noFill/>
+              </p:spPr>
+              <p:txBody>
+                <a:bodyPr wrap="square" rtlCol="0">
+                  <a:spAutoFit/>
+                </a:bodyPr>
+                <a:lstStyle/>
+                <a:p>
+                  <a:r>
+                    <a:rPr lang="en-GB" sz="2000" b="1" noProof="0" dirty="0"/>
+                    <a:t>Fig. 7 </a:t>
+                  </a:r>
+                  <a:r>
+                    <a:rPr lang="en-GB" sz="2000" noProof="0" dirty="0" err="1"/>
+                    <a:t>kmeans</a:t>
+                  </a:r>
+                  <a:r>
+                    <a:rPr lang="en-GB" sz="2000" noProof="0" dirty="0"/>
+                    <a:t> clustering of the selected and not-selected proteins</a:t>
+                  </a:r>
+                </a:p>
+                <a:p>
+                  <a:endParaRPr lang="en-GB" sz="2000" dirty="0"/>
+                </a:p>
+                <a:p>
+                  <a:r>
+                    <a:rPr lang="en-GB" sz="2000" b="1" noProof="0" dirty="0"/>
+                    <a:t>A) </a:t>
+                  </a:r>
+                  <a:r>
+                    <a:rPr lang="en-GB" sz="2000" noProof="0" dirty="0"/>
+                    <a:t>Shows the 3 clusters of the CTRL of the selected proteins. </a:t>
+                  </a:r>
+                  <a:r>
+                    <a:rPr lang="en-GB" sz="2000" b="1" noProof="0" dirty="0"/>
+                    <a:t>B</a:t>
+                  </a:r>
+                  <a:r>
+                    <a:rPr lang="en-GB" sz="2000" b="1" dirty="0"/>
+                    <a:t>) </a:t>
+                  </a:r>
+                  <a:r>
+                    <a:rPr lang="en-GB" sz="2000" dirty="0"/>
+                    <a:t>Shows the 3 clusters of the RNASE of the selected proteins. A significant shift in form and location of the clusters is noticeable. </a:t>
+                  </a:r>
+                  <a:r>
+                    <a:rPr lang="en-GB" sz="2000" b="1" dirty="0"/>
+                    <a:t>C) </a:t>
+                  </a:r>
+                  <a:r>
+                    <a:rPr lang="en-GB" sz="2000" dirty="0"/>
+                    <a:t>Shows the 3 clusters of the CTRL of the not-selected proteins. </a:t>
+                  </a:r>
+                  <a:r>
+                    <a:rPr lang="en-GB" sz="2000" b="1" dirty="0"/>
+                    <a:t>D) </a:t>
+                  </a:r>
+                  <a:r>
+                    <a:rPr lang="en-GB" sz="2000" dirty="0"/>
+                    <a:t>Shows the 3 clusters of the RNASE of the not-selected proteins. No shift in form and location is noticeable.</a:t>
+                  </a:r>
+                  <a:endParaRPr lang="en-GB" sz="2000" noProof="0" dirty="0"/>
+                </a:p>
+              </p:txBody>
+            </p:sp>
+          </p:grpSp>
+          <p:sp>
+            <p:nvSpPr>
+              <p:cNvPr id="87" name="TextBox 86">
+                <a:extLst>
+                  <a:ext uri="{FF2B5EF4-FFF2-40B4-BE49-F238E27FC236}">
+                    <a16:creationId xmlns:a16="http://schemas.microsoft.com/office/drawing/2014/main" id="{62897110-4AAA-BEA4-F290-D044A5F6BACE}"/>
+                  </a:ext>
+                </a:extLst>
+              </p:cNvPr>
+              <p:cNvSpPr txBox="1"/>
+              <p:nvPr/>
+            </p:nvSpPr>
+            <p:spPr>
+              <a:xfrm>
+                <a:off x="889695" y="29318865"/>
+                <a:ext cx="678461" cy="461665"/>
+              </a:xfrm>
+              <a:prstGeom prst="rect">
+                <a:avLst/>
+              </a:prstGeom>
+              <a:noFill/>
+            </p:spPr>
+            <p:txBody>
+              <a:bodyPr wrap="square" rtlCol="0">
+                <a:spAutoFit/>
+              </a:bodyPr>
+              <a:lstStyle/>
+              <a:p>
+                <a:r>
+                  <a:rPr lang="en-GB" sz="2400" b="1" noProof="0" dirty="0"/>
+                  <a:t>7A</a:t>
+                </a:r>
+              </a:p>
+            </p:txBody>
+          </p:sp>
+          <p:sp>
+            <p:nvSpPr>
+              <p:cNvPr id="88" name="TextBox 87">
+                <a:extLst>
+                  <a:ext uri="{FF2B5EF4-FFF2-40B4-BE49-F238E27FC236}">
+                    <a16:creationId xmlns:a16="http://schemas.microsoft.com/office/drawing/2014/main" id="{9CE5C8E3-DFC8-EF90-2AE0-DF17552E161D}"/>
+                  </a:ext>
+                </a:extLst>
+              </p:cNvPr>
+              <p:cNvSpPr txBox="1"/>
+              <p:nvPr/>
+            </p:nvSpPr>
+            <p:spPr>
+              <a:xfrm>
+                <a:off x="5674100" y="29318865"/>
+                <a:ext cx="390625" cy="461665"/>
+              </a:xfrm>
+              <a:prstGeom prst="rect">
+                <a:avLst/>
+              </a:prstGeom>
+              <a:noFill/>
+            </p:spPr>
+            <p:txBody>
+              <a:bodyPr wrap="square" rtlCol="0">
+                <a:spAutoFit/>
+              </a:bodyPr>
+              <a:lstStyle/>
+              <a:p>
+                <a:r>
+                  <a:rPr lang="en-GB" sz="2400" b="1" noProof="0" dirty="0"/>
+                  <a:t>B</a:t>
+                </a:r>
+              </a:p>
+            </p:txBody>
+          </p:sp>
+          <p:sp>
+            <p:nvSpPr>
+              <p:cNvPr id="89" name="TextBox 88">
+                <a:extLst>
+                  <a:ext uri="{FF2B5EF4-FFF2-40B4-BE49-F238E27FC236}">
+                    <a16:creationId xmlns:a16="http://schemas.microsoft.com/office/drawing/2014/main" id="{066034F3-9635-5E89-5520-4C7728B02937}"/>
+                  </a:ext>
+                </a:extLst>
+              </p:cNvPr>
+              <p:cNvSpPr txBox="1"/>
+              <p:nvPr/>
+            </p:nvSpPr>
+            <p:spPr>
+              <a:xfrm>
+                <a:off x="5691460" y="33146513"/>
+                <a:ext cx="390625" cy="461665"/>
+              </a:xfrm>
+              <a:prstGeom prst="rect">
+                <a:avLst/>
+              </a:prstGeom>
+              <a:noFill/>
+            </p:spPr>
+            <p:txBody>
+              <a:bodyPr wrap="square" rtlCol="0">
+                <a:spAutoFit/>
+              </a:bodyPr>
+              <a:lstStyle/>
+              <a:p>
+                <a:r>
+                  <a:rPr lang="en-GB" sz="2400" b="1" noProof="0" dirty="0"/>
+                  <a:t>D</a:t>
+                </a:r>
+              </a:p>
+            </p:txBody>
+          </p:sp>
+          <p:sp>
+            <p:nvSpPr>
+              <p:cNvPr id="90" name="TextBox 89">
+                <a:extLst>
+                  <a:ext uri="{FF2B5EF4-FFF2-40B4-BE49-F238E27FC236}">
+                    <a16:creationId xmlns:a16="http://schemas.microsoft.com/office/drawing/2014/main" id="{5037DAB0-C266-E539-68CB-472541869189}"/>
+                  </a:ext>
+                </a:extLst>
+              </p:cNvPr>
+              <p:cNvSpPr txBox="1"/>
+              <p:nvPr/>
+            </p:nvSpPr>
+            <p:spPr>
+              <a:xfrm>
+                <a:off x="851766" y="33130498"/>
+                <a:ext cx="390625" cy="461665"/>
+              </a:xfrm>
+              <a:prstGeom prst="rect">
+                <a:avLst/>
+              </a:prstGeom>
+              <a:noFill/>
+            </p:spPr>
+            <p:txBody>
+              <a:bodyPr wrap="square" rtlCol="0">
+                <a:spAutoFit/>
+              </a:bodyPr>
+              <a:lstStyle/>
+              <a:p>
+                <a:r>
+                  <a:rPr lang="en-GB" sz="2400" b="1" noProof="0" dirty="0"/>
+                  <a:t>C</a:t>
+                </a:r>
+              </a:p>
+            </p:txBody>
+          </p:sp>
+        </p:grpSp>
+        <p:sp>
+          <p:nvSpPr>
+            <p:cNvPr id="9" name="TextBox 8">
+              <a:extLst>
+                <a:ext uri="{FF2B5EF4-FFF2-40B4-BE49-F238E27FC236}">
+                  <a16:creationId xmlns:a16="http://schemas.microsoft.com/office/drawing/2014/main" id="{99CE0904-0487-B5AB-DC63-D6DB05F5B994}"/>
+                </a:ext>
+              </a:extLst>
+            </p:cNvPr>
+            <p:cNvSpPr txBox="1"/>
+            <p:nvPr/>
+          </p:nvSpPr>
+          <p:spPr>
+            <a:xfrm>
+              <a:off x="10609843" y="33471813"/>
+              <a:ext cx="4373206" cy="4401205"/>
+            </a:xfrm>
+            <a:prstGeom prst="rect">
+              <a:avLst/>
+            </a:prstGeom>
+            <a:noFill/>
+          </p:spPr>
+          <p:txBody>
+            <a:bodyPr wrap="square" rtlCol="0">
+              <a:spAutoFit/>
+            </a:bodyPr>
+            <a:lstStyle/>
+            <a:p>
+              <a:r>
+                <a:rPr lang="en-US" sz="2000" b="1" dirty="0"/>
+                <a:t>Fig. 8 </a:t>
+              </a:r>
+              <a:r>
+                <a:rPr lang="en-US" sz="2000" dirty="0"/>
+                <a:t>Linear regression analyses between the selected proteins and the not-selected proteins each, with global maxima of the selected CTRL proteins as target variable</a:t>
+              </a:r>
+            </a:p>
+            <a:p>
+              <a:endParaRPr lang="en-US" sz="2000" dirty="0"/>
+            </a:p>
+            <a:p>
+              <a:r>
+                <a:rPr lang="en-US" sz="2000" b="1" dirty="0"/>
+                <a:t>A) </a:t>
+              </a:r>
+              <a:r>
+                <a:rPr lang="en-US" sz="2000" dirty="0"/>
+                <a:t>The left regression analysis for the selected proteins describes the target variable well, the right analysis of the not-selected proteins does not. This proves, that there is a difference between the selected and not-selected proteins, and therefore, that the selection criteria worked.</a:t>
+              </a:r>
+              <a:endParaRPr lang="de-DE" sz="2000" dirty="0"/>
+            </a:p>
+          </p:txBody>
+        </p:sp>
+      </p:grpSp>
+      <p:sp>
+        <p:nvSpPr>
+          <p:cNvPr id="11" name="TextBox 10">
+            <a:extLst>
+              <a:ext uri="{FF2B5EF4-FFF2-40B4-BE49-F238E27FC236}">
+                <a16:creationId xmlns:a16="http://schemas.microsoft.com/office/drawing/2014/main" id="{8BF4F80D-1676-544E-67B7-7846FEFB13FC}"/>
+              </a:ext>
+            </a:extLst>
+          </p:cNvPr>
+          <p:cNvSpPr txBox="1"/>
+          <p:nvPr/>
+        </p:nvSpPr>
+        <p:spPr>
+          <a:xfrm>
+            <a:off x="889695" y="38087755"/>
+            <a:ext cx="539898" cy="461665"/>
+          </a:xfrm>
+          <a:prstGeom prst="rect">
+            <a:avLst/>
+          </a:prstGeom>
+          <a:noFill/>
+        </p:spPr>
+        <p:txBody>
+          <a:bodyPr wrap="square" rtlCol="0">
+            <a:spAutoFit/>
+          </a:bodyPr>
+          <a:lstStyle/>
+          <a:p>
+            <a:r>
+              <a:rPr lang="en-GB" sz="2400" b="1" dirty="0"/>
+              <a:t>8A</a:t>
+            </a:r>
+            <a:endParaRPr lang="en-GB" sz="2400" b="1" noProof="0" dirty="0"/>
+          </a:p>
+        </p:txBody>
+      </p:sp>
+      <p:pic>
+        <p:nvPicPr>
+          <p:cNvPr id="50" name="Picture 49">
+            <a:extLst>
+              <a:ext uri="{FF2B5EF4-FFF2-40B4-BE49-F238E27FC236}">
+                <a16:creationId xmlns:a16="http://schemas.microsoft.com/office/drawing/2014/main" id="{00B6F21E-768B-B677-BA3F-15C27FA4DA6C}"/>
+              </a:ext>
+            </a:extLst>
+          </p:cNvPr>
+          <p:cNvPicPr>
+            <a:picLocks noChangeAspect="1"/>
+          </p:cNvPicPr>
+          <p:nvPr/>
+        </p:nvPicPr>
+        <p:blipFill>
+          <a:blip r:embed="rId14"/>
+          <a:stretch>
+            <a:fillRect/>
+          </a:stretch>
+        </p:blipFill>
+        <p:spPr>
+          <a:xfrm>
+            <a:off x="24080962" y="7895646"/>
+            <a:ext cx="5210902" cy="3934374"/>
+          </a:xfrm>
+          <a:prstGeom prst="rect">
+            <a:avLst/>
+          </a:prstGeom>
+        </p:spPr>
+      </p:pic>
+      <p:sp>
+        <p:nvSpPr>
+          <p:cNvPr id="53" name="TextBox 52">
+            <a:extLst>
+              <a:ext uri="{FF2B5EF4-FFF2-40B4-BE49-F238E27FC236}">
+                <a16:creationId xmlns:a16="http://schemas.microsoft.com/office/drawing/2014/main" id="{49945A37-4C84-B8DB-0887-72307982F33E}"/>
+              </a:ext>
+            </a:extLst>
+          </p:cNvPr>
+          <p:cNvSpPr txBox="1"/>
+          <p:nvPr/>
+        </p:nvSpPr>
+        <p:spPr>
+          <a:xfrm>
+            <a:off x="24345027" y="7863916"/>
+            <a:ext cx="390625" cy="461665"/>
+          </a:xfrm>
+          <a:prstGeom prst="rect">
+            <a:avLst/>
+          </a:prstGeom>
+          <a:noFill/>
+        </p:spPr>
+        <p:txBody>
+          <a:bodyPr wrap="square" rtlCol="0">
+            <a:spAutoFit/>
+          </a:bodyPr>
+          <a:lstStyle/>
+          <a:p>
+            <a:r>
+              <a:rPr lang="en-GB" sz="2400" b="1" noProof="0" dirty="0"/>
+              <a:t>B</a:t>
+            </a:r>
+          </a:p>
+        </p:txBody>
+      </p:sp>
+      <p:grpSp>
+        <p:nvGrpSpPr>
+          <p:cNvPr id="85" name="Gruppieren 84">
+            <a:extLst>
+              <a:ext uri="{FF2B5EF4-FFF2-40B4-BE49-F238E27FC236}">
+                <a16:creationId xmlns:a16="http://schemas.microsoft.com/office/drawing/2014/main" id="{707B83BC-C96B-0EF1-FDF0-90EA73B0ADBC}"/>
+              </a:ext>
+            </a:extLst>
+          </p:cNvPr>
+          <p:cNvGrpSpPr/>
+          <p:nvPr/>
+        </p:nvGrpSpPr>
+        <p:grpSpPr>
+          <a:xfrm>
+            <a:off x="747819" y="15655559"/>
+            <a:ext cx="7840124" cy="9723619"/>
+            <a:chOff x="1429593" y="16606125"/>
+            <a:chExt cx="8748063" cy="10992152"/>
+          </a:xfrm>
+        </p:grpSpPr>
+        <p:sp>
+          <p:nvSpPr>
+            <p:cNvPr id="2" name="Textfeld 1">
+              <a:extLst>
+                <a:ext uri="{FF2B5EF4-FFF2-40B4-BE49-F238E27FC236}">
+                  <a16:creationId xmlns:a16="http://schemas.microsoft.com/office/drawing/2014/main" id="{002F6548-8D92-C755-018F-1E50DA196084}"/>
+                </a:ext>
+              </a:extLst>
+            </p:cNvPr>
+            <p:cNvSpPr txBox="1"/>
+            <p:nvPr/>
+          </p:nvSpPr>
+          <p:spPr>
+            <a:xfrm>
+              <a:off x="1429593" y="23666682"/>
+              <a:ext cx="8748063" cy="3931595"/>
+            </a:xfrm>
+            <a:prstGeom prst="rect">
+              <a:avLst/>
+            </a:prstGeom>
+            <a:noFill/>
+          </p:spPr>
+          <p:txBody>
+            <a:bodyPr wrap="square" rtlCol="0">
+              <a:spAutoFit/>
+            </a:bodyPr>
+            <a:lstStyle/>
+            <a:p>
+              <a:r>
+                <a:rPr lang="de-DE" sz="2000" b="1" dirty="0"/>
+                <a:t>Fig. 3 </a:t>
+              </a:r>
+              <a:r>
+                <a:rPr lang="de-DE" sz="2000" dirty="0" err="1"/>
+                <a:t>Criteria</a:t>
+              </a:r>
+              <a:r>
+                <a:rPr lang="de-DE" sz="2000" dirty="0"/>
+                <a:t> </a:t>
+              </a:r>
+              <a:r>
+                <a:rPr lang="de-DE" sz="2000" dirty="0" err="1"/>
+                <a:t>for</a:t>
+              </a:r>
+              <a:r>
+                <a:rPr lang="de-DE" sz="2000" dirty="0"/>
+                <a:t> </a:t>
+              </a:r>
+              <a:r>
+                <a:rPr lang="de-DE" sz="2000" dirty="0" err="1"/>
+                <a:t>the</a:t>
+              </a:r>
+              <a:r>
+                <a:rPr lang="de-DE" sz="2000" dirty="0"/>
+                <a:t> </a:t>
+              </a:r>
+              <a:r>
+                <a:rPr lang="de-DE" sz="2000" dirty="0" err="1"/>
+                <a:t>classification</a:t>
+              </a:r>
+              <a:r>
+                <a:rPr lang="de-DE" sz="2000" dirty="0"/>
+                <a:t> </a:t>
+              </a:r>
+              <a:r>
+                <a:rPr lang="de-DE" sz="2000" dirty="0" err="1"/>
+                <a:t>of</a:t>
+              </a:r>
+              <a:r>
+                <a:rPr lang="de-DE" sz="2000" dirty="0"/>
+                <a:t> </a:t>
+              </a:r>
+              <a:r>
+                <a:rPr lang="de-DE" sz="2000" dirty="0" err="1"/>
+                <a:t>proteins</a:t>
+              </a:r>
+              <a:r>
+                <a:rPr lang="de-DE" sz="2000" dirty="0"/>
+                <a:t> </a:t>
+              </a:r>
+              <a:r>
+                <a:rPr lang="de-DE" sz="2000" dirty="0" err="1"/>
+                <a:t>regarding</a:t>
+              </a:r>
+              <a:r>
+                <a:rPr lang="de-DE" sz="2000" dirty="0"/>
+                <a:t> RNA-</a:t>
+              </a:r>
+              <a:r>
+                <a:rPr lang="de-DE" sz="2000" dirty="0" err="1"/>
+                <a:t>dependency</a:t>
+              </a:r>
+              <a:endParaRPr lang="de-DE" sz="2000" dirty="0"/>
+            </a:p>
+            <a:p>
+              <a:endParaRPr lang="de-DE" sz="2000" dirty="0"/>
+            </a:p>
+            <a:p>
+              <a:r>
+                <a:rPr lang="de-DE" sz="2000" b="1" dirty="0"/>
+                <a:t>Selected (RNA-</a:t>
+              </a:r>
+              <a:r>
+                <a:rPr lang="de-DE" sz="2000" b="1" dirty="0" err="1"/>
+                <a:t>dependent</a:t>
+              </a:r>
+              <a:r>
+                <a:rPr lang="de-DE" sz="2000" b="1" dirty="0"/>
+                <a:t>):</a:t>
+              </a:r>
+            </a:p>
+            <a:p>
+              <a:pPr marL="342900" indent="-342900">
+                <a:buFont typeface="Arial" panose="020B0604020202020204" pitchFamily="34" charset="0"/>
+                <a:buChar char="•"/>
+              </a:pPr>
+              <a:r>
+                <a:rPr lang="en-US" sz="2000" dirty="0"/>
+                <a:t>COM shift ≥ 2 fractions </a:t>
+              </a:r>
+              <a:r>
+                <a:rPr lang="en-US" sz="2000" i="1" dirty="0"/>
+                <a:t>(orange)</a:t>
+              </a:r>
+              <a:endParaRPr lang="en-US" sz="2000" dirty="0"/>
+            </a:p>
+            <a:p>
+              <a:pPr marL="342900" indent="-342900">
+                <a:buFont typeface="Arial" panose="020B0604020202020204" pitchFamily="34" charset="0"/>
+                <a:buChar char="•"/>
+              </a:pPr>
+              <a:r>
+                <a:rPr lang="en-US" sz="2000" dirty="0"/>
+                <a:t>or: no COM shift, but main peak shift ≥ 3 fractions and correlation &lt; 0.7 </a:t>
+              </a:r>
+              <a:r>
+                <a:rPr lang="en-US" sz="2000" i="1" dirty="0"/>
+                <a:t>(red)</a:t>
+              </a:r>
+            </a:p>
+            <a:p>
+              <a:endParaRPr lang="en-US" sz="2000" dirty="0"/>
+            </a:p>
+            <a:p>
+              <a:r>
+                <a:rPr lang="en-US" sz="2000" b="1" dirty="0"/>
+                <a:t>Not selected (not RNA-dependent):</a:t>
+              </a:r>
+            </a:p>
+            <a:p>
+              <a:pPr marL="342900" indent="-342900">
+                <a:buFont typeface="Arial" panose="020B0604020202020204" pitchFamily="34" charset="0"/>
+                <a:buChar char="•"/>
+              </a:pPr>
+              <a:r>
+                <a:rPr lang="en-US" sz="2000" dirty="0"/>
+                <a:t>No COM shift ≥ 2 and no peak shift ≥ 3 </a:t>
+              </a:r>
+              <a:r>
+                <a:rPr lang="en-US" sz="2000" i="1" dirty="0"/>
+                <a:t>(purple)</a:t>
+              </a:r>
+              <a:endParaRPr lang="en-US" sz="2000" dirty="0"/>
+            </a:p>
+            <a:p>
+              <a:pPr marL="342900" indent="-342900">
+                <a:buFont typeface="Arial" panose="020B0604020202020204" pitchFamily="34" charset="0"/>
+                <a:buChar char="•"/>
+              </a:pPr>
+              <a:r>
+                <a:rPr lang="en-US" sz="2000" dirty="0"/>
+                <a:t>or: peak shift without COM shift </a:t>
+              </a:r>
+              <a:r>
+                <a:rPr lang="en-US" sz="2000" b="1" dirty="0"/>
+                <a:t>and</a:t>
+              </a:r>
+              <a:r>
+                <a:rPr lang="en-US" sz="2000" dirty="0"/>
+                <a:t> correlation ≥ 0.7 </a:t>
+              </a:r>
+              <a:r>
+                <a:rPr lang="en-US" sz="2000" i="1" dirty="0"/>
+                <a:t>(dark blue)</a:t>
+              </a:r>
+              <a:endParaRPr lang="en-US" sz="2000" dirty="0"/>
+            </a:p>
+            <a:p>
+              <a:endParaRPr lang="de-DE" sz="2000" dirty="0"/>
+            </a:p>
+          </p:txBody>
+        </p:sp>
+        <p:pic>
+          <p:nvPicPr>
+            <p:cNvPr id="60" name="Grafik 59">
+              <a:extLst>
+                <a:ext uri="{FF2B5EF4-FFF2-40B4-BE49-F238E27FC236}">
+                  <a16:creationId xmlns:a16="http://schemas.microsoft.com/office/drawing/2014/main" id="{963F1382-0DBC-3FD8-6DA5-3D88F773039D}"/>
+                </a:ext>
+              </a:extLst>
+            </p:cNvPr>
+            <p:cNvPicPr>
+              <a:picLocks noChangeAspect="1"/>
+            </p:cNvPicPr>
+            <p:nvPr/>
+          </p:nvPicPr>
+          <p:blipFill>
+            <a:blip r:embed="rId15"/>
+            <a:stretch>
+              <a:fillRect/>
+            </a:stretch>
+          </p:blipFill>
+          <p:spPr>
+            <a:xfrm>
+              <a:off x="1568156" y="16621751"/>
+              <a:ext cx="8275902" cy="6698123"/>
+            </a:xfrm>
+            <a:prstGeom prst="rect">
+              <a:avLst/>
+            </a:prstGeom>
+          </p:spPr>
+        </p:pic>
+        <p:sp>
+          <p:nvSpPr>
+            <p:cNvPr id="61" name="Textfeld 60">
+              <a:extLst>
+                <a:ext uri="{FF2B5EF4-FFF2-40B4-BE49-F238E27FC236}">
+                  <a16:creationId xmlns:a16="http://schemas.microsoft.com/office/drawing/2014/main" id="{01896766-33B8-1218-665C-8402047C5AE2}"/>
+                </a:ext>
+              </a:extLst>
+            </p:cNvPr>
+            <p:cNvSpPr txBox="1"/>
+            <p:nvPr/>
+          </p:nvSpPr>
+          <p:spPr>
+            <a:xfrm>
+              <a:off x="1726192" y="16606125"/>
+              <a:ext cx="560060" cy="461665"/>
+            </a:xfrm>
+            <a:prstGeom prst="rect">
+              <a:avLst/>
+            </a:prstGeom>
+            <a:noFill/>
+          </p:spPr>
+          <p:txBody>
+            <a:bodyPr wrap="square" rtlCol="0">
+              <a:spAutoFit/>
+            </a:bodyPr>
+            <a:lstStyle/>
+            <a:p>
+              <a:r>
+                <a:rPr lang="de-DE" sz="2400" b="1" dirty="0"/>
+                <a:t>3</a:t>
+              </a:r>
+            </a:p>
+          </p:txBody>
+        </p:sp>
+      </p:grpSp>
+      <p:grpSp>
+        <p:nvGrpSpPr>
+          <p:cNvPr id="5" name="Gruppieren 4">
+            <a:extLst>
+              <a:ext uri="{FF2B5EF4-FFF2-40B4-BE49-F238E27FC236}">
+                <a16:creationId xmlns:a16="http://schemas.microsoft.com/office/drawing/2014/main" id="{0A62461E-7D49-D7EA-DF78-D32CBFC583BB}"/>
+              </a:ext>
+            </a:extLst>
+          </p:cNvPr>
+          <p:cNvGrpSpPr/>
+          <p:nvPr/>
+        </p:nvGrpSpPr>
+        <p:grpSpPr>
+          <a:xfrm>
+            <a:off x="9341538" y="15543138"/>
+            <a:ext cx="13076502" cy="4677883"/>
+            <a:chOff x="11526370" y="15734215"/>
+            <a:chExt cx="12399909" cy="4677883"/>
+          </a:xfrm>
+        </p:grpSpPr>
+        <p:grpSp>
+          <p:nvGrpSpPr>
+            <p:cNvPr id="111" name="Gruppieren 110">
+              <a:extLst>
+                <a:ext uri="{FF2B5EF4-FFF2-40B4-BE49-F238E27FC236}">
+                  <a16:creationId xmlns:a16="http://schemas.microsoft.com/office/drawing/2014/main" id="{9C9CBD95-5602-5446-4D28-C330E2CDC2E5}"/>
+                </a:ext>
+              </a:extLst>
+            </p:cNvPr>
+            <p:cNvGrpSpPr/>
+            <p:nvPr/>
+          </p:nvGrpSpPr>
+          <p:grpSpPr>
+            <a:xfrm>
+              <a:off x="11526370" y="15747702"/>
+              <a:ext cx="12399909" cy="4664396"/>
+              <a:chOff x="15902258" y="19196409"/>
+              <a:chExt cx="12399909" cy="4664396"/>
+            </a:xfrm>
+          </p:grpSpPr>
+          <p:grpSp>
+            <p:nvGrpSpPr>
+              <p:cNvPr id="107" name="Gruppieren 106">
+                <a:extLst>
+                  <a:ext uri="{FF2B5EF4-FFF2-40B4-BE49-F238E27FC236}">
+                    <a16:creationId xmlns:a16="http://schemas.microsoft.com/office/drawing/2014/main" id="{23C62F07-7DE6-4BE2-833A-3997C63B4C72}"/>
+                  </a:ext>
+                </a:extLst>
+              </p:cNvPr>
+              <p:cNvGrpSpPr/>
+              <p:nvPr/>
+            </p:nvGrpSpPr>
+            <p:grpSpPr>
+              <a:xfrm>
+                <a:off x="15902258" y="19196409"/>
+                <a:ext cx="12399909" cy="4366798"/>
+                <a:chOff x="15902258" y="19582067"/>
+                <a:chExt cx="12399909" cy="4366798"/>
+              </a:xfrm>
+            </p:grpSpPr>
+            <p:grpSp>
+              <p:nvGrpSpPr>
+                <p:cNvPr id="58" name="Gruppieren 57">
+                  <a:extLst>
+                    <a:ext uri="{FF2B5EF4-FFF2-40B4-BE49-F238E27FC236}">
+                      <a16:creationId xmlns:a16="http://schemas.microsoft.com/office/drawing/2014/main" id="{C9DAA528-66BB-4FAA-43DD-8EB3808217E5}"/>
+                    </a:ext>
+                  </a:extLst>
+                </p:cNvPr>
+                <p:cNvGrpSpPr/>
+                <p:nvPr/>
+              </p:nvGrpSpPr>
+              <p:grpSpPr>
+                <a:xfrm>
+                  <a:off x="15902258" y="19582067"/>
+                  <a:ext cx="12399909" cy="4366798"/>
+                  <a:chOff x="11844917" y="20574623"/>
+                  <a:chExt cx="11960427" cy="4366798"/>
+                </a:xfrm>
+              </p:grpSpPr>
+              <p:sp>
+                <p:nvSpPr>
+                  <p:cNvPr id="16" name="Textfeld 15">
+                    <a:extLst>
+                      <a:ext uri="{FF2B5EF4-FFF2-40B4-BE49-F238E27FC236}">
+                        <a16:creationId xmlns:a16="http://schemas.microsoft.com/office/drawing/2014/main" id="{447642A8-D5C5-97E6-FC45-3440DC69F80C}"/>
+                      </a:ext>
+                    </a:extLst>
+                  </p:cNvPr>
+                  <p:cNvSpPr txBox="1"/>
+                  <p:nvPr/>
+                </p:nvSpPr>
+                <p:spPr>
+                  <a:xfrm>
+                    <a:off x="19991854" y="20574623"/>
+                    <a:ext cx="3813490" cy="3477875"/>
+                  </a:xfrm>
+                  <a:prstGeom prst="rect">
+                    <a:avLst/>
+                  </a:prstGeom>
+                  <a:noFill/>
+                </p:spPr>
+                <p:txBody>
+                  <a:bodyPr wrap="square" rtlCol="0">
+                    <a:spAutoFit/>
+                  </a:bodyPr>
+                  <a:lstStyle/>
+                  <a:p>
+                    <a:r>
+                      <a:rPr lang="en-US" sz="2000" b="1" dirty="0"/>
+                      <a:t>Fig. 4 – COM shifts between control and RNase conditions for selected and not selected proteins</a:t>
+                    </a:r>
+                  </a:p>
+                  <a:p>
+                    <a:endParaRPr lang="en-US" sz="2000" dirty="0"/>
+                  </a:p>
+                  <a:p>
+                    <a:r>
+                      <a:rPr lang="en-US" sz="2000" dirty="0"/>
+                      <a:t>Each dot represents a protein. X-axis: COM in control, Y-axis: COM in RNase.</a:t>
+                    </a:r>
+                    <a:br>
+                      <a:rPr lang="en-US" sz="2000" dirty="0"/>
+                    </a:br>
+                    <a:r>
+                      <a:rPr lang="en-US" sz="2000" dirty="0"/>
+                      <a:t>Colors match Fig. 3 and indicate subsets of selected or not selected proteins.</a:t>
+                    </a:r>
+                    <a:br>
+                      <a:rPr lang="en-US" sz="2000" dirty="0"/>
+                    </a:br>
+                    <a:r>
+                      <a:rPr lang="en-US" sz="2000" b="1" dirty="0"/>
+                      <a:t>A)</a:t>
+                    </a:r>
+                    <a:r>
+                      <a:rPr lang="en-US" sz="2000" dirty="0"/>
+                      <a:t> Selected proteins </a:t>
+                    </a:r>
+                  </a:p>
+                  <a:p>
+                    <a:r>
+                      <a:rPr lang="en-US" sz="2000" b="1" dirty="0"/>
+                      <a:t>B)</a:t>
+                    </a:r>
+                    <a:r>
+                      <a:rPr lang="en-US" sz="2000" dirty="0"/>
+                      <a:t> Not selected proteins</a:t>
+                    </a:r>
+                  </a:p>
+                </p:txBody>
+              </p:sp>
+              <p:pic>
+                <p:nvPicPr>
+                  <p:cNvPr id="3" name="Grafik 2">
+                    <a:extLst>
+                      <a:ext uri="{FF2B5EF4-FFF2-40B4-BE49-F238E27FC236}">
+                        <a16:creationId xmlns:a16="http://schemas.microsoft.com/office/drawing/2014/main" id="{E350437B-ED1C-6C1F-B7B5-D62894857DEB}"/>
+                      </a:ext>
+                    </a:extLst>
+                  </p:cNvPr>
+                  <p:cNvPicPr>
+                    <a:picLocks noChangeAspect="1"/>
+                  </p:cNvPicPr>
+                  <p:nvPr/>
+                </p:nvPicPr>
+                <p:blipFill>
+                  <a:blip r:embed="rId16"/>
+                  <a:stretch>
+                    <a:fillRect/>
+                  </a:stretch>
+                </p:blipFill>
+                <p:spPr>
+                  <a:xfrm>
+                    <a:off x="12223017" y="21360021"/>
+                    <a:ext cx="7532838" cy="3581400"/>
+                  </a:xfrm>
+                  <a:prstGeom prst="rect">
+                    <a:avLst/>
+                  </a:prstGeom>
+                </p:spPr>
+              </p:pic>
+              <p:sp>
+                <p:nvSpPr>
+                  <p:cNvPr id="13" name="Textfeld 12">
+                    <a:extLst>
+                      <a:ext uri="{FF2B5EF4-FFF2-40B4-BE49-F238E27FC236}">
+                        <a16:creationId xmlns:a16="http://schemas.microsoft.com/office/drawing/2014/main" id="{F73536A9-0711-76AB-2150-D8D633ED16E4}"/>
+                      </a:ext>
+                    </a:extLst>
+                  </p:cNvPr>
+                  <p:cNvSpPr txBox="1"/>
+                  <p:nvPr/>
+                </p:nvSpPr>
+                <p:spPr>
+                  <a:xfrm>
+                    <a:off x="11844917" y="20640668"/>
+                    <a:ext cx="562670" cy="461665"/>
+                  </a:xfrm>
+                  <a:prstGeom prst="rect">
+                    <a:avLst/>
+                  </a:prstGeom>
+                  <a:noFill/>
+                </p:spPr>
+                <p:txBody>
+                  <a:bodyPr wrap="square" rtlCol="0">
+                    <a:spAutoFit/>
+                  </a:bodyPr>
+                  <a:lstStyle/>
+                  <a:p>
+                    <a:r>
+                      <a:rPr lang="de-DE" sz="2400" b="1" dirty="0"/>
+                      <a:t>4A</a:t>
+                    </a:r>
+                  </a:p>
+                </p:txBody>
+              </p:sp>
+            </p:grpSp>
+            <p:sp>
+              <p:nvSpPr>
+                <p:cNvPr id="86" name="Textfeld 85">
+                  <a:extLst>
+                    <a:ext uri="{FF2B5EF4-FFF2-40B4-BE49-F238E27FC236}">
+                      <a16:creationId xmlns:a16="http://schemas.microsoft.com/office/drawing/2014/main" id="{8F383064-90E6-5A65-5B94-9D70E31CEB09}"/>
+                    </a:ext>
+                  </a:extLst>
+                </p:cNvPr>
+                <p:cNvSpPr txBox="1"/>
+                <p:nvPr/>
+              </p:nvSpPr>
+              <p:spPr>
+                <a:xfrm>
+                  <a:off x="16652542" y="19659579"/>
+                  <a:ext cx="3192312" cy="707886"/>
+                </a:xfrm>
+                <a:prstGeom prst="rect">
+                  <a:avLst/>
+                </a:prstGeom>
+                <a:noFill/>
+              </p:spPr>
+              <p:txBody>
+                <a:bodyPr wrap="square" rtlCol="0">
+                  <a:spAutoFit/>
+                </a:bodyPr>
+                <a:lstStyle/>
+                <a:p>
+                  <a:pPr algn="ctr"/>
+                  <a:r>
+                    <a:rPr lang="de-DE" sz="2000" dirty="0" err="1"/>
+                    <a:t>Comparison</a:t>
+                  </a:r>
+                  <a:r>
+                    <a:rPr lang="de-DE" sz="2000" dirty="0"/>
+                    <a:t> </a:t>
+                  </a:r>
+                  <a:r>
+                    <a:rPr lang="de-DE" sz="2000" dirty="0" err="1"/>
+                    <a:t>of</a:t>
+                  </a:r>
+                  <a:r>
+                    <a:rPr lang="de-DE" sz="2000" dirty="0"/>
+                    <a:t> COM </a:t>
+                  </a:r>
+                  <a:r>
+                    <a:rPr lang="de-DE" sz="2000" dirty="0" err="1"/>
+                    <a:t>values</a:t>
+                  </a:r>
+                  <a:r>
+                    <a:rPr lang="de-DE" sz="2000" dirty="0"/>
+                    <a:t> </a:t>
+                  </a:r>
+                  <a:r>
+                    <a:rPr lang="de-DE" sz="2000" dirty="0" err="1"/>
+                    <a:t>among</a:t>
+                  </a:r>
+                  <a:r>
+                    <a:rPr lang="de-DE" sz="2000" dirty="0"/>
+                    <a:t> </a:t>
+                  </a:r>
+                  <a:r>
+                    <a:rPr lang="de-DE" sz="2000" b="1" dirty="0" err="1"/>
+                    <a:t>selected</a:t>
+                  </a:r>
+                  <a:r>
+                    <a:rPr lang="de-DE" sz="2000" b="1" dirty="0"/>
+                    <a:t> </a:t>
+                  </a:r>
+                  <a:r>
+                    <a:rPr lang="de-DE" sz="2000" b="1" dirty="0" err="1"/>
+                    <a:t>proteins</a:t>
+                  </a:r>
+                  <a:endParaRPr lang="de-DE" sz="2000" b="1" dirty="0"/>
+                </a:p>
+              </p:txBody>
+            </p:sp>
+            <p:sp>
+              <p:nvSpPr>
+                <p:cNvPr id="103" name="Textfeld 102">
+                  <a:extLst>
+                    <a:ext uri="{FF2B5EF4-FFF2-40B4-BE49-F238E27FC236}">
+                      <a16:creationId xmlns:a16="http://schemas.microsoft.com/office/drawing/2014/main" id="{AB4E7CB8-A598-13F0-B9B2-D78BEC70F685}"/>
+                    </a:ext>
+                  </a:extLst>
+                </p:cNvPr>
+                <p:cNvSpPr txBox="1"/>
+                <p:nvPr/>
+              </p:nvSpPr>
+              <p:spPr>
+                <a:xfrm>
+                  <a:off x="20852867" y="19622701"/>
+                  <a:ext cx="3251015" cy="707886"/>
+                </a:xfrm>
+                <a:prstGeom prst="rect">
+                  <a:avLst/>
+                </a:prstGeom>
+                <a:noFill/>
+              </p:spPr>
+              <p:txBody>
+                <a:bodyPr wrap="square" rtlCol="0">
+                  <a:spAutoFit/>
+                </a:bodyPr>
+                <a:lstStyle/>
+                <a:p>
+                  <a:pPr algn="ctr"/>
+                  <a:r>
+                    <a:rPr lang="de-DE" sz="2000" dirty="0" err="1"/>
+                    <a:t>Comparison</a:t>
+                  </a:r>
+                  <a:r>
+                    <a:rPr lang="de-DE" sz="2000" dirty="0"/>
+                    <a:t> </a:t>
+                  </a:r>
+                  <a:r>
+                    <a:rPr lang="de-DE" sz="2000" dirty="0" err="1"/>
+                    <a:t>of</a:t>
+                  </a:r>
+                  <a:r>
+                    <a:rPr lang="de-DE" sz="2000" dirty="0"/>
+                    <a:t> COM </a:t>
+                  </a:r>
+                  <a:r>
+                    <a:rPr lang="de-DE" sz="2000" dirty="0" err="1"/>
+                    <a:t>values</a:t>
+                  </a:r>
+                  <a:r>
+                    <a:rPr lang="de-DE" sz="2000" dirty="0"/>
+                    <a:t> </a:t>
+                  </a:r>
+                  <a:r>
+                    <a:rPr lang="de-DE" sz="2000" dirty="0" err="1"/>
+                    <a:t>among</a:t>
+                  </a:r>
+                  <a:r>
+                    <a:rPr lang="de-DE" sz="2000" dirty="0"/>
+                    <a:t> </a:t>
+                  </a:r>
+                  <a:r>
+                    <a:rPr lang="de-DE" sz="2000" b="1" dirty="0"/>
+                    <a:t>not </a:t>
+                  </a:r>
+                  <a:r>
+                    <a:rPr lang="de-DE" sz="2000" b="1" dirty="0" err="1"/>
+                    <a:t>selected</a:t>
+                  </a:r>
+                  <a:r>
+                    <a:rPr lang="de-DE" sz="2000" b="1" dirty="0"/>
+                    <a:t> </a:t>
+                  </a:r>
+                  <a:r>
+                    <a:rPr lang="de-DE" sz="2000" b="1" dirty="0" err="1"/>
+                    <a:t>proteins</a:t>
+                  </a:r>
+                  <a:r>
+                    <a:rPr lang="de-DE" sz="2000" b="1" dirty="0"/>
+                    <a:t> </a:t>
+                  </a:r>
+                </a:p>
+              </p:txBody>
+            </p:sp>
+          </p:grpSp>
+          <p:sp>
+            <p:nvSpPr>
+              <p:cNvPr id="105" name="Textfeld 104">
+                <a:extLst>
+                  <a:ext uri="{FF2B5EF4-FFF2-40B4-BE49-F238E27FC236}">
+                    <a16:creationId xmlns:a16="http://schemas.microsoft.com/office/drawing/2014/main" id="{5F9ED2BC-0A0F-C483-4F5D-F873DE275C76}"/>
+                  </a:ext>
+                </a:extLst>
+              </p:cNvPr>
+              <p:cNvSpPr txBox="1"/>
+              <p:nvPr/>
+            </p:nvSpPr>
+            <p:spPr>
+              <a:xfrm rot="16200000">
+                <a:off x="14651364" y="21422911"/>
+                <a:ext cx="2935032" cy="369332"/>
+              </a:xfrm>
+              <a:prstGeom prst="rect">
+                <a:avLst/>
+              </a:prstGeom>
+              <a:noFill/>
+            </p:spPr>
+            <p:txBody>
+              <a:bodyPr wrap="square" rtlCol="0">
+                <a:spAutoFit/>
+              </a:bodyPr>
+              <a:lstStyle/>
+              <a:p>
+                <a:r>
+                  <a:rPr lang="de-DE" dirty="0"/>
+                  <a:t>COM </a:t>
+                </a:r>
+                <a:r>
+                  <a:rPr lang="de-DE" dirty="0" err="1"/>
+                  <a:t>values</a:t>
+                </a:r>
+                <a:r>
+                  <a:rPr lang="de-DE" dirty="0"/>
+                  <a:t> </a:t>
+                </a:r>
+                <a:r>
+                  <a:rPr lang="de-DE" dirty="0" err="1"/>
+                  <a:t>for</a:t>
+                </a:r>
+                <a:r>
+                  <a:rPr lang="de-DE" dirty="0"/>
+                  <a:t> </a:t>
+                </a:r>
+                <a:r>
+                  <a:rPr lang="de-DE" dirty="0" err="1"/>
+                  <a:t>rnase</a:t>
+                </a:r>
+                <a:r>
+                  <a:rPr lang="de-DE" dirty="0"/>
+                  <a:t> </a:t>
+                </a:r>
+                <a:r>
+                  <a:rPr lang="de-DE" dirty="0" err="1"/>
+                  <a:t>subset</a:t>
+                </a:r>
+                <a:r>
+                  <a:rPr lang="de-DE" dirty="0"/>
+                  <a:t> </a:t>
+                </a:r>
+              </a:p>
+            </p:txBody>
+          </p:sp>
+          <p:sp>
+            <p:nvSpPr>
+              <p:cNvPr id="106" name="Textfeld 105">
+                <a:extLst>
+                  <a:ext uri="{FF2B5EF4-FFF2-40B4-BE49-F238E27FC236}">
+                    <a16:creationId xmlns:a16="http://schemas.microsoft.com/office/drawing/2014/main" id="{8D1B04E8-EAF5-ECB8-5E63-D5FF547E5ADE}"/>
+                  </a:ext>
+                </a:extLst>
+              </p:cNvPr>
+              <p:cNvSpPr txBox="1"/>
+              <p:nvPr/>
+            </p:nvSpPr>
+            <p:spPr>
+              <a:xfrm>
+                <a:off x="16610403" y="23466005"/>
+                <a:ext cx="3362669" cy="369332"/>
+              </a:xfrm>
+              <a:prstGeom prst="rect">
+                <a:avLst/>
+              </a:prstGeom>
+              <a:noFill/>
+            </p:spPr>
+            <p:txBody>
+              <a:bodyPr wrap="square" rtlCol="0">
+                <a:spAutoFit/>
+              </a:bodyPr>
+              <a:lstStyle/>
+              <a:p>
+                <a:r>
+                  <a:rPr lang="de-DE" dirty="0"/>
+                  <a:t>COM </a:t>
+                </a:r>
+                <a:r>
+                  <a:rPr lang="de-DE" dirty="0" err="1"/>
+                  <a:t>values</a:t>
+                </a:r>
+                <a:r>
+                  <a:rPr lang="de-DE" dirty="0"/>
+                  <a:t> </a:t>
+                </a:r>
+                <a:r>
+                  <a:rPr lang="de-DE" dirty="0" err="1"/>
+                  <a:t>for</a:t>
+                </a:r>
+                <a:r>
+                  <a:rPr lang="de-DE" dirty="0"/>
+                  <a:t> </a:t>
+                </a:r>
+                <a:r>
+                  <a:rPr lang="de-DE" dirty="0" err="1"/>
+                  <a:t>control</a:t>
+                </a:r>
+                <a:r>
+                  <a:rPr lang="de-DE" dirty="0"/>
+                  <a:t> </a:t>
+                </a:r>
+                <a:r>
+                  <a:rPr lang="de-DE" dirty="0" err="1"/>
+                  <a:t>subset</a:t>
+                </a:r>
+                <a:r>
+                  <a:rPr lang="de-DE" dirty="0"/>
+                  <a:t> </a:t>
+                </a:r>
+              </a:p>
+            </p:txBody>
+          </p:sp>
+          <p:sp>
+            <p:nvSpPr>
+              <p:cNvPr id="108" name="Textfeld 107">
+                <a:extLst>
+                  <a:ext uri="{FF2B5EF4-FFF2-40B4-BE49-F238E27FC236}">
+                    <a16:creationId xmlns:a16="http://schemas.microsoft.com/office/drawing/2014/main" id="{AD7C890B-D8D5-6293-7F59-08EE74FCE78B}"/>
+                  </a:ext>
+                </a:extLst>
+              </p:cNvPr>
+              <p:cNvSpPr txBox="1"/>
+              <p:nvPr/>
+            </p:nvSpPr>
+            <p:spPr>
+              <a:xfrm>
+                <a:off x="20950227" y="23491473"/>
+                <a:ext cx="3362669" cy="369332"/>
+              </a:xfrm>
+              <a:prstGeom prst="rect">
+                <a:avLst/>
+              </a:prstGeom>
+              <a:noFill/>
+            </p:spPr>
+            <p:txBody>
+              <a:bodyPr wrap="square" rtlCol="0">
+                <a:spAutoFit/>
+              </a:bodyPr>
+              <a:lstStyle/>
+              <a:p>
+                <a:r>
+                  <a:rPr lang="de-DE" dirty="0"/>
+                  <a:t>COM </a:t>
+                </a:r>
+                <a:r>
+                  <a:rPr lang="de-DE" dirty="0" err="1"/>
+                  <a:t>values</a:t>
+                </a:r>
+                <a:r>
+                  <a:rPr lang="de-DE" dirty="0"/>
+                  <a:t> </a:t>
+                </a:r>
+                <a:r>
+                  <a:rPr lang="de-DE" dirty="0" err="1"/>
+                  <a:t>for</a:t>
+                </a:r>
+                <a:r>
+                  <a:rPr lang="de-DE" dirty="0"/>
+                  <a:t> </a:t>
+                </a:r>
+                <a:r>
+                  <a:rPr lang="de-DE" dirty="0" err="1"/>
+                  <a:t>control</a:t>
+                </a:r>
+                <a:r>
+                  <a:rPr lang="de-DE" dirty="0"/>
+                  <a:t> </a:t>
+                </a:r>
+                <a:r>
+                  <a:rPr lang="de-DE" dirty="0" err="1"/>
+                  <a:t>subset</a:t>
+                </a:r>
+                <a:r>
+                  <a:rPr lang="de-DE" dirty="0"/>
+                  <a:t> </a:t>
+                </a:r>
+              </a:p>
+            </p:txBody>
+          </p:sp>
+          <p:sp>
+            <p:nvSpPr>
+              <p:cNvPr id="109" name="Textfeld 108">
+                <a:extLst>
+                  <a:ext uri="{FF2B5EF4-FFF2-40B4-BE49-F238E27FC236}">
+                    <a16:creationId xmlns:a16="http://schemas.microsoft.com/office/drawing/2014/main" id="{ACCC85E4-8390-BE42-D396-7298C1ADDA18}"/>
+                  </a:ext>
+                </a:extLst>
+              </p:cNvPr>
+              <p:cNvSpPr txBox="1"/>
+              <p:nvPr/>
+            </p:nvSpPr>
+            <p:spPr>
+              <a:xfrm rot="16200000">
+                <a:off x="18968097" y="21354922"/>
+                <a:ext cx="2935032" cy="369332"/>
+              </a:xfrm>
+              <a:prstGeom prst="rect">
+                <a:avLst/>
+              </a:prstGeom>
+              <a:noFill/>
+            </p:spPr>
+            <p:txBody>
+              <a:bodyPr wrap="square" rtlCol="0">
+                <a:spAutoFit/>
+              </a:bodyPr>
+              <a:lstStyle/>
+              <a:p>
+                <a:r>
+                  <a:rPr lang="de-DE" dirty="0"/>
+                  <a:t>COM </a:t>
+                </a:r>
+                <a:r>
+                  <a:rPr lang="de-DE" dirty="0" err="1"/>
+                  <a:t>values</a:t>
+                </a:r>
+                <a:r>
+                  <a:rPr lang="de-DE" dirty="0"/>
+                  <a:t> </a:t>
+                </a:r>
+                <a:r>
+                  <a:rPr lang="de-DE" dirty="0" err="1"/>
+                  <a:t>for</a:t>
+                </a:r>
+                <a:r>
+                  <a:rPr lang="de-DE" dirty="0"/>
+                  <a:t> </a:t>
+                </a:r>
+                <a:r>
+                  <a:rPr lang="de-DE" dirty="0" err="1"/>
+                  <a:t>rnase</a:t>
+                </a:r>
+                <a:r>
+                  <a:rPr lang="de-DE" dirty="0"/>
+                  <a:t> </a:t>
+                </a:r>
+                <a:r>
+                  <a:rPr lang="de-DE" dirty="0" err="1"/>
+                  <a:t>subset</a:t>
+                </a:r>
+                <a:r>
+                  <a:rPr lang="de-DE" dirty="0"/>
+                  <a:t> </a:t>
+                </a:r>
+              </a:p>
+            </p:txBody>
+          </p:sp>
+        </p:grpSp>
+        <p:sp>
+          <p:nvSpPr>
+            <p:cNvPr id="112" name="Textfeld 111">
+              <a:extLst>
+                <a:ext uri="{FF2B5EF4-FFF2-40B4-BE49-F238E27FC236}">
+                  <a16:creationId xmlns:a16="http://schemas.microsoft.com/office/drawing/2014/main" id="{15B72768-09D0-DD00-EC13-1575C27200AE}"/>
+                </a:ext>
+              </a:extLst>
+            </p:cNvPr>
+            <p:cNvSpPr txBox="1"/>
+            <p:nvPr/>
+          </p:nvSpPr>
+          <p:spPr>
+            <a:xfrm>
+              <a:off x="15987214" y="15734215"/>
+              <a:ext cx="369333" cy="461665"/>
+            </a:xfrm>
+            <a:prstGeom prst="rect">
+              <a:avLst/>
+            </a:prstGeom>
+            <a:noFill/>
+          </p:spPr>
+          <p:txBody>
+            <a:bodyPr wrap="square" rtlCol="0">
+              <a:spAutoFit/>
+            </a:bodyPr>
+            <a:lstStyle/>
+            <a:p>
+              <a:r>
+                <a:rPr lang="de-DE" sz="2400" b="1" dirty="0"/>
+                <a:t>B</a:t>
+              </a:r>
+            </a:p>
+          </p:txBody>
+        </p:sp>
+      </p:grpSp>
+      <p:grpSp>
+        <p:nvGrpSpPr>
+          <p:cNvPr id="65" name="Gruppieren 64">
+            <a:extLst>
+              <a:ext uri="{FF2B5EF4-FFF2-40B4-BE49-F238E27FC236}">
+                <a16:creationId xmlns:a16="http://schemas.microsoft.com/office/drawing/2014/main" id="{885998D2-F722-FB70-60D1-28A16771B1EA}"/>
+              </a:ext>
+            </a:extLst>
+          </p:cNvPr>
+          <p:cNvGrpSpPr/>
+          <p:nvPr/>
+        </p:nvGrpSpPr>
+        <p:grpSpPr>
+          <a:xfrm>
+            <a:off x="10957242" y="7853349"/>
+            <a:ext cx="7053033" cy="5049893"/>
+            <a:chOff x="10957242" y="7853349"/>
+            <a:chExt cx="7053033" cy="5049893"/>
+          </a:xfrm>
+        </p:grpSpPr>
+        <p:pic>
+          <p:nvPicPr>
+            <p:cNvPr id="113" name="Grafik 112">
+              <a:extLst>
+                <a:ext uri="{FF2B5EF4-FFF2-40B4-BE49-F238E27FC236}">
+                  <a16:creationId xmlns:a16="http://schemas.microsoft.com/office/drawing/2014/main" id="{BBC23134-B231-171D-9286-617A45D01EB0}"/>
+                </a:ext>
+              </a:extLst>
+            </p:cNvPr>
+            <p:cNvPicPr>
+              <a:picLocks noChangeAspect="1"/>
+            </p:cNvPicPr>
+            <p:nvPr/>
+          </p:nvPicPr>
+          <p:blipFill>
+            <a:blip r:embed="rId17"/>
+            <a:stretch>
+              <a:fillRect/>
+            </a:stretch>
+          </p:blipFill>
+          <p:spPr>
+            <a:xfrm>
+              <a:off x="10989388" y="8065466"/>
+              <a:ext cx="6501979" cy="3150834"/>
+            </a:xfrm>
+            <a:prstGeom prst="rect">
+              <a:avLst/>
+            </a:prstGeom>
+          </p:spPr>
+        </p:pic>
+        <p:sp>
+          <p:nvSpPr>
+            <p:cNvPr id="114" name="Textfeld 113">
+              <a:extLst>
+                <a:ext uri="{FF2B5EF4-FFF2-40B4-BE49-F238E27FC236}">
+                  <a16:creationId xmlns:a16="http://schemas.microsoft.com/office/drawing/2014/main" id="{9602B440-6D5E-1C7B-F677-70B9F3C3BD9C}"/>
+                </a:ext>
+              </a:extLst>
+            </p:cNvPr>
+            <p:cNvSpPr txBox="1"/>
+            <p:nvPr/>
+          </p:nvSpPr>
+          <p:spPr>
+            <a:xfrm>
+              <a:off x="10957242" y="11272026"/>
+              <a:ext cx="7053033" cy="1631216"/>
+            </a:xfrm>
+            <a:prstGeom prst="rect">
+              <a:avLst/>
+            </a:prstGeom>
+            <a:noFill/>
+          </p:spPr>
+          <p:txBody>
+            <a:bodyPr wrap="square" rtlCol="0">
+              <a:spAutoFit/>
+            </a:bodyPr>
+            <a:lstStyle/>
+            <a:p>
+              <a:r>
+                <a:rPr lang="de-DE" sz="2000" b="1" dirty="0"/>
+                <a:t>Fig 1 </a:t>
+              </a:r>
+              <a:r>
+                <a:rPr lang="de-DE" sz="2000" dirty="0" err="1"/>
+                <a:t>Schematic</a:t>
+              </a:r>
+              <a:r>
+                <a:rPr lang="de-DE" sz="2000" dirty="0"/>
+                <a:t> Illustration </a:t>
+              </a:r>
+              <a:r>
+                <a:rPr lang="de-DE" sz="2000" dirty="0" err="1"/>
+                <a:t>of</a:t>
+              </a:r>
+              <a:r>
+                <a:rPr lang="de-DE" sz="2000" dirty="0"/>
+                <a:t> RNA-</a:t>
+              </a:r>
+              <a:r>
+                <a:rPr lang="de-DE" sz="2000" dirty="0" err="1"/>
+                <a:t>dependency</a:t>
+              </a:r>
+              <a:r>
+                <a:rPr lang="de-DE" sz="2000" dirty="0"/>
+                <a:t>.</a:t>
+              </a:r>
+            </a:p>
+            <a:p>
+              <a:endParaRPr lang="de-DE" sz="2000" dirty="0"/>
+            </a:p>
+            <a:p>
+              <a:r>
+                <a:rPr lang="de-DE" sz="2000" dirty="0"/>
+                <a:t>A </a:t>
+              </a:r>
+              <a:r>
+                <a:rPr lang="de-DE" sz="2000" dirty="0" err="1"/>
+                <a:t>protein</a:t>
+              </a:r>
+              <a:r>
+                <a:rPr lang="de-DE" sz="2000" dirty="0"/>
+                <a:t> </a:t>
+              </a:r>
+              <a:r>
+                <a:rPr lang="de-DE" sz="2000" dirty="0" err="1"/>
+                <a:t>is</a:t>
+              </a:r>
+              <a:r>
+                <a:rPr lang="de-DE" sz="2000" dirty="0"/>
+                <a:t> </a:t>
+              </a:r>
+              <a:r>
+                <a:rPr lang="de-DE" sz="2000" dirty="0" err="1"/>
+                <a:t>considered</a:t>
+              </a:r>
+              <a:r>
+                <a:rPr lang="de-DE" sz="2000" dirty="0"/>
+                <a:t> RNA-</a:t>
+              </a:r>
+              <a:r>
+                <a:rPr lang="de-DE" sz="2000" dirty="0" err="1"/>
+                <a:t>dependent</a:t>
+              </a:r>
+              <a:r>
+                <a:rPr lang="de-DE" sz="2000" dirty="0"/>
+                <a:t> </a:t>
+              </a:r>
+              <a:r>
+                <a:rPr lang="de-DE" sz="2000" dirty="0" err="1"/>
+                <a:t>if</a:t>
+              </a:r>
+              <a:r>
+                <a:rPr lang="de-DE" sz="2000" dirty="0"/>
+                <a:t> </a:t>
+              </a:r>
+              <a:r>
+                <a:rPr lang="de-DE" sz="2000" dirty="0" err="1"/>
+                <a:t>its</a:t>
+              </a:r>
+              <a:r>
+                <a:rPr lang="de-DE" sz="2000" dirty="0"/>
+                <a:t> </a:t>
+              </a:r>
+              <a:r>
+                <a:rPr lang="de-DE" sz="2000" dirty="0" err="1"/>
+                <a:t>interactome</a:t>
+              </a:r>
+              <a:r>
+                <a:rPr lang="de-DE" sz="2000" dirty="0"/>
+                <a:t> </a:t>
+              </a:r>
+              <a:r>
+                <a:rPr lang="de-DE" sz="2000" dirty="0" err="1"/>
+                <a:t>is</a:t>
+              </a:r>
+              <a:r>
+                <a:rPr lang="de-DE" sz="2000" dirty="0"/>
+                <a:t> </a:t>
+              </a:r>
+              <a:r>
+                <a:rPr lang="de-DE" sz="2000" dirty="0" err="1"/>
+                <a:t>dependent</a:t>
+              </a:r>
+              <a:r>
+                <a:rPr lang="de-DE" sz="2000" dirty="0"/>
+                <a:t> on RNA. </a:t>
+              </a:r>
+              <a:r>
+                <a:rPr lang="de-DE" sz="2000" dirty="0" err="1"/>
+                <a:t>It</a:t>
+              </a:r>
+              <a:r>
+                <a:rPr lang="de-DE" sz="2000" dirty="0"/>
+                <a:t> </a:t>
+              </a:r>
+              <a:r>
+                <a:rPr lang="de-DE" sz="2000" dirty="0" err="1"/>
+                <a:t>is</a:t>
+              </a:r>
+              <a:r>
+                <a:rPr lang="de-DE" sz="2000" dirty="0"/>
+                <a:t> </a:t>
+              </a:r>
+              <a:r>
+                <a:rPr lang="de-DE" sz="2000" dirty="0" err="1"/>
+                <a:t>either</a:t>
+              </a:r>
+              <a:r>
+                <a:rPr lang="de-DE" sz="2000" dirty="0"/>
+                <a:t> </a:t>
+              </a:r>
+              <a:r>
+                <a:rPr lang="de-DE" sz="2000" dirty="0" err="1"/>
+                <a:t>is</a:t>
+              </a:r>
+              <a:r>
+                <a:rPr lang="de-DE" sz="2000" dirty="0"/>
+                <a:t> </a:t>
+              </a:r>
+              <a:r>
+                <a:rPr lang="de-DE" sz="2000" dirty="0" err="1"/>
+                <a:t>directly</a:t>
+              </a:r>
+              <a:r>
+                <a:rPr lang="de-DE" sz="2000" dirty="0"/>
+                <a:t> </a:t>
+              </a:r>
+              <a:r>
+                <a:rPr lang="de-DE" sz="2000" dirty="0" err="1"/>
+                <a:t>or</a:t>
+              </a:r>
+              <a:r>
+                <a:rPr lang="de-DE" sz="2000" dirty="0"/>
+                <a:t> </a:t>
+              </a:r>
+              <a:r>
+                <a:rPr lang="de-DE" sz="2000" dirty="0" err="1"/>
+                <a:t>indirectly</a:t>
+              </a:r>
+              <a:r>
+                <a:rPr lang="de-DE" sz="2000" dirty="0"/>
+                <a:t> </a:t>
+              </a:r>
+              <a:r>
+                <a:rPr lang="de-DE" sz="2000" dirty="0" err="1"/>
+                <a:t>attached</a:t>
+              </a:r>
+              <a:r>
+                <a:rPr lang="de-DE" sz="2000" dirty="0"/>
+                <a:t> </a:t>
+              </a:r>
+              <a:r>
+                <a:rPr lang="de-DE" sz="2000" dirty="0" err="1"/>
+                <a:t>to</a:t>
+              </a:r>
+              <a:r>
+                <a:rPr lang="de-DE" sz="2000" dirty="0"/>
+                <a:t> RNA, ist </a:t>
+              </a:r>
+              <a:r>
+                <a:rPr lang="de-DE" sz="2000" dirty="0" err="1"/>
+                <a:t>functionality</a:t>
+              </a:r>
+              <a:r>
+                <a:rPr lang="de-DE" sz="2000" dirty="0"/>
+                <a:t> in </a:t>
+              </a:r>
+              <a:r>
+                <a:rPr lang="de-DE" sz="2000" dirty="0" err="1"/>
+                <a:t>biological</a:t>
+              </a:r>
+              <a:r>
+                <a:rPr lang="de-DE" sz="2000" dirty="0"/>
+                <a:t> </a:t>
+              </a:r>
+              <a:r>
+                <a:rPr lang="de-DE" sz="2000" dirty="0" err="1"/>
+                <a:t>context</a:t>
+              </a:r>
+              <a:r>
+                <a:rPr lang="de-DE" sz="2000" dirty="0"/>
+                <a:t> </a:t>
+              </a:r>
+              <a:r>
+                <a:rPr lang="de-DE" sz="2000" dirty="0" err="1"/>
+                <a:t>is</a:t>
+              </a:r>
+              <a:r>
+                <a:rPr lang="de-DE" sz="2000" dirty="0"/>
+                <a:t> </a:t>
+              </a:r>
+              <a:r>
+                <a:rPr lang="de-DE" sz="2000" dirty="0" err="1"/>
+                <a:t>associated</a:t>
+              </a:r>
+              <a:r>
+                <a:rPr lang="de-DE" sz="2000" dirty="0"/>
+                <a:t> </a:t>
+              </a:r>
+              <a:r>
+                <a:rPr lang="de-DE" sz="2000" dirty="0" err="1"/>
+                <a:t>with</a:t>
+              </a:r>
+              <a:r>
+                <a:rPr lang="de-DE" sz="2000" dirty="0"/>
+                <a:t> RNA</a:t>
+              </a:r>
+            </a:p>
+          </p:txBody>
+        </p:sp>
+        <p:sp>
+          <p:nvSpPr>
+            <p:cNvPr id="115" name="Textfeld 114">
+              <a:extLst>
+                <a:ext uri="{FF2B5EF4-FFF2-40B4-BE49-F238E27FC236}">
+                  <a16:creationId xmlns:a16="http://schemas.microsoft.com/office/drawing/2014/main" id="{99212C4C-1E85-02E2-ED7B-9C6C2240AFA2}"/>
+                </a:ext>
+              </a:extLst>
+            </p:cNvPr>
+            <p:cNvSpPr txBox="1"/>
+            <p:nvPr/>
+          </p:nvSpPr>
+          <p:spPr>
+            <a:xfrm>
+              <a:off x="10989388" y="7853349"/>
+              <a:ext cx="648470" cy="461665"/>
+            </a:xfrm>
+            <a:prstGeom prst="rect">
+              <a:avLst/>
+            </a:prstGeom>
+            <a:noFill/>
+          </p:spPr>
+          <p:txBody>
+            <a:bodyPr wrap="square" rtlCol="0">
+              <a:spAutoFit/>
+            </a:bodyPr>
+            <a:lstStyle/>
+            <a:p>
+              <a:r>
+                <a:rPr lang="de-DE" sz="2400" b="1" dirty="0"/>
+                <a:t>1</a:t>
+              </a:r>
+            </a:p>
+          </p:txBody>
+        </p:sp>
+      </p:grpSp>
+      <p:grpSp>
+        <p:nvGrpSpPr>
+          <p:cNvPr id="30" name="Group 109">
+            <a:extLst>
+              <a:ext uri="{FF2B5EF4-FFF2-40B4-BE49-F238E27FC236}">
+                <a16:creationId xmlns:a16="http://schemas.microsoft.com/office/drawing/2014/main" id="{F2D5F26A-63E2-0772-0CF8-488F160AC957}"/>
+              </a:ext>
+            </a:extLst>
+          </p:cNvPr>
+          <p:cNvGrpSpPr/>
+          <p:nvPr/>
+        </p:nvGrpSpPr>
+        <p:grpSpPr>
+          <a:xfrm>
+            <a:off x="9347369" y="20854063"/>
+            <a:ext cx="12020642" cy="5746172"/>
+            <a:chOff x="6343061" y="15742343"/>
+            <a:chExt cx="12020642" cy="5746172"/>
+          </a:xfrm>
+        </p:grpSpPr>
+        <p:grpSp>
+          <p:nvGrpSpPr>
+            <p:cNvPr id="44" name="Group 104">
+              <a:extLst>
+                <a:ext uri="{FF2B5EF4-FFF2-40B4-BE49-F238E27FC236}">
+                  <a16:creationId xmlns:a16="http://schemas.microsoft.com/office/drawing/2014/main" id="{5AAC7284-41A1-8794-3E39-02CAE7C04C0A}"/>
+                </a:ext>
+              </a:extLst>
+            </p:cNvPr>
+            <p:cNvGrpSpPr/>
+            <p:nvPr/>
+          </p:nvGrpSpPr>
+          <p:grpSpPr>
+            <a:xfrm>
+              <a:off x="6343061" y="15969640"/>
+              <a:ext cx="12020642" cy="5518875"/>
+              <a:chOff x="6343061" y="15969640"/>
+              <a:chExt cx="12020642" cy="5518875"/>
+            </a:xfrm>
+          </p:grpSpPr>
+          <p:pic>
+            <p:nvPicPr>
+              <p:cNvPr id="51" name="Picture 52" descr="A diagram of a graph&#10;&#10;AI-generated content may be incorrect.">
+                <a:extLst>
+                  <a:ext uri="{FF2B5EF4-FFF2-40B4-BE49-F238E27FC236}">
+                    <a16:creationId xmlns:a16="http://schemas.microsoft.com/office/drawing/2014/main" id="{701228F5-93D1-B50B-F6F4-72BFCF724B5E}"/>
+                  </a:ext>
+                </a:extLst>
+              </p:cNvPr>
+              <p:cNvPicPr>
+                <a:picLocks noChangeAspect="1"/>
+              </p:cNvPicPr>
+              <p:nvPr/>
+            </p:nvPicPr>
+            <p:blipFill>
+              <a:blip r:embed="rId18"/>
+              <a:stretch>
+                <a:fillRect/>
+              </a:stretch>
+            </p:blipFill>
+            <p:spPr>
+              <a:xfrm>
+                <a:off x="6343061" y="15969640"/>
+                <a:ext cx="3814597" cy="2860948"/>
+              </a:xfrm>
+              <a:prstGeom prst="rect">
+                <a:avLst/>
+              </a:prstGeom>
+            </p:spPr>
+          </p:pic>
+          <p:pic>
+            <p:nvPicPr>
+              <p:cNvPr id="54" name="Picture 54" descr="A diagram of a graph showing a number of blue dots&#10;&#10;AI-generated content may be incorrect.">
+                <a:extLst>
+                  <a:ext uri="{FF2B5EF4-FFF2-40B4-BE49-F238E27FC236}">
+                    <a16:creationId xmlns:a16="http://schemas.microsoft.com/office/drawing/2014/main" id="{12A65194-3EE6-DCF3-6E48-2C58E0C180BD}"/>
+                  </a:ext>
+                </a:extLst>
+              </p:cNvPr>
+              <p:cNvPicPr>
+                <a:picLocks noChangeAspect="1"/>
+              </p:cNvPicPr>
+              <p:nvPr/>
+            </p:nvPicPr>
+            <p:blipFill>
+              <a:blip r:embed="rId19"/>
+              <a:stretch>
+                <a:fillRect/>
+              </a:stretch>
+            </p:blipFill>
+            <p:spPr>
+              <a:xfrm>
+                <a:off x="6344438" y="18628600"/>
+                <a:ext cx="3813219" cy="2859915"/>
+              </a:xfrm>
+              <a:prstGeom prst="rect">
+                <a:avLst/>
+              </a:prstGeom>
+            </p:spPr>
+          </p:pic>
+          <p:pic>
+            <p:nvPicPr>
+              <p:cNvPr id="55" name="Picture 57" descr="A graph showing a curve of dots&#10;&#10;AI-generated content may be incorrect.">
+                <a:extLst>
+                  <a:ext uri="{FF2B5EF4-FFF2-40B4-BE49-F238E27FC236}">
+                    <a16:creationId xmlns:a16="http://schemas.microsoft.com/office/drawing/2014/main" id="{8BF8143B-DFA0-33B5-4F17-7A5B3C6A788F}"/>
+                  </a:ext>
+                </a:extLst>
+              </p:cNvPr>
+              <p:cNvPicPr>
+                <a:picLocks noChangeAspect="1"/>
+              </p:cNvPicPr>
+              <p:nvPr/>
+            </p:nvPicPr>
+            <p:blipFill>
+              <a:blip r:embed="rId20"/>
+              <a:stretch>
+                <a:fillRect/>
+              </a:stretch>
+            </p:blipFill>
+            <p:spPr>
+              <a:xfrm>
+                <a:off x="10448382" y="15969640"/>
+                <a:ext cx="3814597" cy="2860948"/>
+              </a:xfrm>
+              <a:prstGeom prst="rect">
+                <a:avLst/>
+              </a:prstGeom>
+            </p:spPr>
+          </p:pic>
+          <p:pic>
+            <p:nvPicPr>
+              <p:cNvPr id="56" name="Picture 60" descr="A graph showing a curve of a line&#10;&#10;AI-generated content may be incorrect.">
+                <a:extLst>
+                  <a:ext uri="{FF2B5EF4-FFF2-40B4-BE49-F238E27FC236}">
+                    <a16:creationId xmlns:a16="http://schemas.microsoft.com/office/drawing/2014/main" id="{833F0B54-27C1-FB21-6FE9-F005BE5D36E8}"/>
+                  </a:ext>
+                </a:extLst>
+              </p:cNvPr>
+              <p:cNvPicPr>
+                <a:picLocks noChangeAspect="1"/>
+              </p:cNvPicPr>
+              <p:nvPr/>
+            </p:nvPicPr>
+            <p:blipFill>
+              <a:blip r:embed="rId21"/>
+              <a:stretch>
+                <a:fillRect/>
+              </a:stretch>
+            </p:blipFill>
+            <p:spPr>
+              <a:xfrm>
+                <a:off x="10445325" y="18631015"/>
+                <a:ext cx="3810000" cy="2857500"/>
+              </a:xfrm>
+              <a:prstGeom prst="rect">
+                <a:avLst/>
+              </a:prstGeom>
+            </p:spPr>
+          </p:pic>
+          <p:pic>
+            <p:nvPicPr>
+              <p:cNvPr id="62" name="Picture 85" descr="A graph of a patient's elbow&#10;&#10;AI-generated content may be incorrect.">
+                <a:extLst>
+                  <a:ext uri="{FF2B5EF4-FFF2-40B4-BE49-F238E27FC236}">
+                    <a16:creationId xmlns:a16="http://schemas.microsoft.com/office/drawing/2014/main" id="{1E6C2B18-3112-6D3A-9901-627B79276187}"/>
+                  </a:ext>
+                </a:extLst>
+              </p:cNvPr>
+              <p:cNvPicPr>
+                <a:picLocks noChangeAspect="1"/>
+              </p:cNvPicPr>
+              <p:nvPr/>
+            </p:nvPicPr>
+            <p:blipFill>
+              <a:blip r:embed="rId22"/>
+              <a:stretch>
+                <a:fillRect/>
+              </a:stretch>
+            </p:blipFill>
+            <p:spPr>
+              <a:xfrm>
+                <a:off x="14553703" y="16057584"/>
+                <a:ext cx="3810000" cy="2857500"/>
+              </a:xfrm>
+              <a:prstGeom prst="rect">
+                <a:avLst/>
+              </a:prstGeom>
+            </p:spPr>
+          </p:pic>
+          <p:pic>
+            <p:nvPicPr>
+              <p:cNvPr id="63" name="Picture 103" descr="A graph of a line graph&#10;&#10;AI-generated content may be incorrect.">
+                <a:extLst>
+                  <a:ext uri="{FF2B5EF4-FFF2-40B4-BE49-F238E27FC236}">
+                    <a16:creationId xmlns:a16="http://schemas.microsoft.com/office/drawing/2014/main" id="{87D4E590-2CE4-E83D-5378-A12AB6C70C59}"/>
+                  </a:ext>
+                </a:extLst>
+              </p:cNvPr>
+              <p:cNvPicPr>
+                <a:picLocks noChangeAspect="1"/>
+              </p:cNvPicPr>
+              <p:nvPr/>
+            </p:nvPicPr>
+            <p:blipFill>
+              <a:blip r:embed="rId23"/>
+              <a:stretch>
+                <a:fillRect/>
+              </a:stretch>
+            </p:blipFill>
+            <p:spPr>
+              <a:xfrm>
+                <a:off x="14556002" y="18599432"/>
+                <a:ext cx="3807701" cy="2855776"/>
+              </a:xfrm>
+              <a:prstGeom prst="rect">
+                <a:avLst/>
+              </a:prstGeom>
+            </p:spPr>
+          </p:pic>
+        </p:grpSp>
+        <p:sp>
+          <p:nvSpPr>
+            <p:cNvPr id="47" name="TextBox 106">
+              <a:extLst>
+                <a:ext uri="{FF2B5EF4-FFF2-40B4-BE49-F238E27FC236}">
+                  <a16:creationId xmlns:a16="http://schemas.microsoft.com/office/drawing/2014/main" id="{3AD17291-EDBC-55D9-13EA-4A251032C501}"/>
+                </a:ext>
+              </a:extLst>
+            </p:cNvPr>
+            <p:cNvSpPr txBox="1"/>
+            <p:nvPr/>
+          </p:nvSpPr>
+          <p:spPr>
+            <a:xfrm>
+              <a:off x="10856694" y="15742343"/>
+              <a:ext cx="390625" cy="461665"/>
+            </a:xfrm>
+            <a:prstGeom prst="rect">
+              <a:avLst/>
+            </a:prstGeom>
+            <a:noFill/>
+          </p:spPr>
+          <p:txBody>
+            <a:bodyPr wrap="square" rtlCol="0">
+              <a:spAutoFit/>
+            </a:bodyPr>
+            <a:lstStyle/>
+            <a:p>
+              <a:r>
+                <a:rPr lang="en-GB" sz="2400" b="1" noProof="0" dirty="0"/>
+                <a:t>B</a:t>
+              </a:r>
+            </a:p>
+          </p:txBody>
+        </p:sp>
+        <p:sp>
+          <p:nvSpPr>
+            <p:cNvPr id="48" name="TextBox 107">
+              <a:extLst>
+                <a:ext uri="{FF2B5EF4-FFF2-40B4-BE49-F238E27FC236}">
+                  <a16:creationId xmlns:a16="http://schemas.microsoft.com/office/drawing/2014/main" id="{94152693-56B7-C10A-EB74-4E3F1CFC6B49}"/>
+                </a:ext>
+              </a:extLst>
+            </p:cNvPr>
+            <p:cNvSpPr txBox="1"/>
+            <p:nvPr/>
+          </p:nvSpPr>
+          <p:spPr>
+            <a:xfrm>
+              <a:off x="14993991" y="15763772"/>
+              <a:ext cx="390625" cy="461665"/>
+            </a:xfrm>
+            <a:prstGeom prst="rect">
+              <a:avLst/>
+            </a:prstGeom>
+            <a:noFill/>
+          </p:spPr>
+          <p:txBody>
+            <a:bodyPr wrap="square" rtlCol="0">
+              <a:spAutoFit/>
+            </a:bodyPr>
+            <a:lstStyle/>
+            <a:p>
+              <a:r>
+                <a:rPr lang="en-GB" sz="2400" b="1" noProof="0" dirty="0"/>
+                <a:t>C</a:t>
+              </a:r>
+            </a:p>
+          </p:txBody>
+        </p:sp>
+      </p:grpSp>
+      <p:sp>
+        <p:nvSpPr>
+          <p:cNvPr id="64" name="Textfeld 63">
+            <a:extLst>
+              <a:ext uri="{FF2B5EF4-FFF2-40B4-BE49-F238E27FC236}">
+                <a16:creationId xmlns:a16="http://schemas.microsoft.com/office/drawing/2014/main" id="{1288FC3D-AD3C-8F05-DCCF-298CE79300CE}"/>
+              </a:ext>
+            </a:extLst>
+          </p:cNvPr>
+          <p:cNvSpPr txBox="1"/>
+          <p:nvPr/>
+        </p:nvSpPr>
+        <p:spPr>
+          <a:xfrm>
+            <a:off x="21368011" y="23636030"/>
+            <a:ext cx="7923853" cy="2862322"/>
+          </a:xfrm>
+          <a:prstGeom prst="rect">
+            <a:avLst/>
+          </a:prstGeom>
+          <a:noFill/>
+        </p:spPr>
+        <p:txBody>
+          <a:bodyPr wrap="square" rtlCol="0">
+            <a:spAutoFit/>
+          </a:bodyPr>
+          <a:lstStyle/>
+          <a:p>
+            <a:pPr algn="just"/>
+            <a:r>
+              <a:rPr lang="en-GB" b="1" dirty="0"/>
+              <a:t>Fig. 5 </a:t>
+            </a:r>
+            <a:r>
+              <a:rPr lang="en-GB" dirty="0"/>
+              <a:t>Principle Component Analyses and </a:t>
+            </a:r>
+            <a:r>
+              <a:rPr lang="en-GB" dirty="0" err="1"/>
+              <a:t>Elbowplots</a:t>
+            </a:r>
+            <a:r>
+              <a:rPr lang="en-GB" dirty="0"/>
+              <a:t> of the selected and the non-selected proteins. RNASE and CTRL are plotted separately for comparison in the PCA. The </a:t>
+            </a:r>
+            <a:r>
+              <a:rPr lang="en-GB" dirty="0" err="1"/>
+              <a:t>Elbowplots</a:t>
+            </a:r>
+            <a:r>
+              <a:rPr lang="en-GB" dirty="0"/>
+              <a:t> shows only RNASE.</a:t>
+            </a:r>
+          </a:p>
+          <a:p>
+            <a:pPr algn="just"/>
+            <a:endParaRPr lang="en-GB" dirty="0"/>
+          </a:p>
+          <a:p>
+            <a:pPr algn="just"/>
+            <a:r>
+              <a:rPr lang="en-GB" b="1" dirty="0"/>
+              <a:t>A) </a:t>
+            </a:r>
+            <a:r>
+              <a:rPr lang="en-GB" dirty="0"/>
+              <a:t>PCA of the selected proteins. The data points of the RNASE compared to the CTRL make up an overall similar shape, but a shift is visible in the density of the points. </a:t>
+            </a:r>
+            <a:r>
+              <a:rPr lang="en-GB" b="1" dirty="0"/>
+              <a:t>B) </a:t>
+            </a:r>
+            <a:r>
+              <a:rPr lang="en-GB" dirty="0"/>
+              <a:t>PCA</a:t>
+            </a:r>
+            <a:r>
+              <a:rPr lang="en-GB" b="1" dirty="0"/>
+              <a:t> </a:t>
+            </a:r>
+            <a:r>
+              <a:rPr lang="en-GB" dirty="0"/>
+              <a:t>of the non-selected proteins. The points of the RNASE and CTRL form mostly the same structure. </a:t>
+            </a:r>
+            <a:r>
+              <a:rPr lang="en-GB" b="1" dirty="0"/>
+              <a:t>C) </a:t>
+            </a:r>
+            <a:r>
+              <a:rPr lang="en-GB" dirty="0"/>
+              <a:t>Elbow-Plot of the RNASE. The </a:t>
+            </a:r>
+            <a:r>
+              <a:rPr lang="en-GB" dirty="0" err="1"/>
+              <a:t>knick</a:t>
+            </a:r>
+            <a:r>
+              <a:rPr lang="en-GB" dirty="0"/>
+              <a:t> of the elbow is between 3 and 4. To compare selected and non-selected proteins, we decided to use 3 clusters in the </a:t>
+            </a:r>
+            <a:r>
+              <a:rPr lang="en-GB" dirty="0" err="1"/>
+              <a:t>kmeans</a:t>
+            </a:r>
+            <a:r>
+              <a:rPr lang="en-GB" dirty="0"/>
+              <a:t> clustering.</a:t>
+            </a:r>
+          </a:p>
+        </p:txBody>
+      </p:sp>
+      <p:pic>
+        <p:nvPicPr>
+          <p:cNvPr id="80" name="Grafik 79">
+            <a:extLst>
+              <a:ext uri="{FF2B5EF4-FFF2-40B4-BE49-F238E27FC236}">
+                <a16:creationId xmlns:a16="http://schemas.microsoft.com/office/drawing/2014/main" id="{E35800D6-F7B5-B0EB-F3B9-A4DE3EF55A87}"/>
+              </a:ext>
+            </a:extLst>
+          </p:cNvPr>
+          <p:cNvPicPr>
+            <a:picLocks noChangeAspect="1"/>
+          </p:cNvPicPr>
+          <p:nvPr/>
+        </p:nvPicPr>
+        <p:blipFill>
+          <a:blip r:embed="rId24"/>
+          <a:stretch>
+            <a:fillRect/>
+          </a:stretch>
+        </p:blipFill>
+        <p:spPr>
+          <a:xfrm>
+            <a:off x="23626554" y="16191664"/>
+            <a:ext cx="3913718" cy="3609975"/>
+          </a:xfrm>
+          <a:prstGeom prst="rect">
+            <a:avLst/>
+          </a:prstGeom>
+        </p:spPr>
+      </p:pic>
+      <p:sp>
+        <p:nvSpPr>
+          <p:cNvPr id="81" name="Textfeld 80">
+            <a:extLst>
+              <a:ext uri="{FF2B5EF4-FFF2-40B4-BE49-F238E27FC236}">
+                <a16:creationId xmlns:a16="http://schemas.microsoft.com/office/drawing/2014/main" id="{0BC393B5-C78B-2BB8-FD41-73042A3CEA4A}"/>
+              </a:ext>
+            </a:extLst>
+          </p:cNvPr>
+          <p:cNvSpPr txBox="1"/>
+          <p:nvPr/>
+        </p:nvSpPr>
+        <p:spPr>
+          <a:xfrm rot="16200000">
+            <a:off x="22630645" y="17417692"/>
+            <a:ext cx="1559562" cy="369332"/>
+          </a:xfrm>
+          <a:prstGeom prst="rect">
+            <a:avLst/>
+          </a:prstGeom>
+          <a:noFill/>
+        </p:spPr>
+        <p:txBody>
+          <a:bodyPr wrap="square" rtlCol="0">
+            <a:spAutoFit/>
+          </a:bodyPr>
+          <a:lstStyle/>
+          <a:p>
+            <a:r>
+              <a:rPr lang="de-DE" dirty="0" err="1"/>
+              <a:t>Frequency</a:t>
+            </a:r>
+            <a:endParaRPr lang="de-DE" dirty="0"/>
+          </a:p>
+        </p:txBody>
+      </p:sp>
+      <p:sp>
+        <p:nvSpPr>
+          <p:cNvPr id="82" name="Textfeld 81">
+            <a:extLst>
+              <a:ext uri="{FF2B5EF4-FFF2-40B4-BE49-F238E27FC236}">
+                <a16:creationId xmlns:a16="http://schemas.microsoft.com/office/drawing/2014/main" id="{A8793E91-1DE6-7627-C829-6D993305B2B0}"/>
+              </a:ext>
+            </a:extLst>
+          </p:cNvPr>
+          <p:cNvSpPr txBox="1"/>
+          <p:nvPr/>
+        </p:nvSpPr>
+        <p:spPr>
+          <a:xfrm>
+            <a:off x="25008263" y="19759448"/>
+            <a:ext cx="1817047" cy="369332"/>
+          </a:xfrm>
+          <a:prstGeom prst="rect">
+            <a:avLst/>
+          </a:prstGeom>
+          <a:noFill/>
+        </p:spPr>
+        <p:txBody>
+          <a:bodyPr wrap="square" rtlCol="0">
+            <a:spAutoFit/>
+          </a:bodyPr>
+          <a:lstStyle/>
+          <a:p>
+            <a:r>
+              <a:rPr lang="de-DE" dirty="0" err="1"/>
+              <a:t>Isoelectric</a:t>
+            </a:r>
+            <a:r>
+              <a:rPr lang="de-DE" dirty="0"/>
+              <a:t> </a:t>
+            </a:r>
+            <a:r>
+              <a:rPr lang="de-DE" dirty="0" err="1"/>
+              <a:t>point</a:t>
+            </a:r>
+            <a:endParaRPr lang="de-DE" dirty="0"/>
+          </a:p>
+        </p:txBody>
+      </p:sp>
+      <p:sp>
+        <p:nvSpPr>
+          <p:cNvPr id="83" name="Textfeld 82">
+            <a:extLst>
+              <a:ext uri="{FF2B5EF4-FFF2-40B4-BE49-F238E27FC236}">
+                <a16:creationId xmlns:a16="http://schemas.microsoft.com/office/drawing/2014/main" id="{61CA8564-A72D-88F5-3A0E-4E566DA38655}"/>
+              </a:ext>
+            </a:extLst>
+          </p:cNvPr>
+          <p:cNvSpPr txBox="1"/>
+          <p:nvPr/>
+        </p:nvSpPr>
+        <p:spPr>
+          <a:xfrm>
+            <a:off x="23476949" y="20330887"/>
+            <a:ext cx="4998758" cy="1754326"/>
+          </a:xfrm>
+          <a:prstGeom prst="rect">
+            <a:avLst/>
+          </a:prstGeom>
+          <a:noFill/>
+        </p:spPr>
+        <p:txBody>
+          <a:bodyPr wrap="square" rtlCol="0">
+            <a:spAutoFit/>
+          </a:bodyPr>
+          <a:lstStyle/>
+          <a:p>
+            <a:r>
+              <a:rPr lang="en-US" b="1" dirty="0"/>
+              <a:t>Fig. 6 – Histogram of isoelectric points (</a:t>
+            </a:r>
+            <a:r>
+              <a:rPr lang="en-US" b="1" dirty="0" err="1"/>
+              <a:t>pI</a:t>
+            </a:r>
+            <a:r>
+              <a:rPr lang="en-US" b="1" dirty="0"/>
+              <a:t>) for selected proteins</a:t>
+            </a:r>
+            <a:br>
+              <a:rPr lang="en-US" dirty="0"/>
+            </a:br>
+            <a:r>
+              <a:rPr lang="en-US" dirty="0"/>
+              <a:t>The mean </a:t>
+            </a:r>
+            <a:r>
+              <a:rPr lang="en-US" dirty="0" err="1"/>
+              <a:t>pI</a:t>
+            </a:r>
+            <a:r>
+              <a:rPr lang="en-US" dirty="0"/>
+              <a:t> (8.16) is marked by a black line. A right-sided t-test against </a:t>
+            </a:r>
+            <a:r>
+              <a:rPr lang="en-US" dirty="0" err="1"/>
+              <a:t>pI</a:t>
+            </a:r>
+            <a:r>
+              <a:rPr lang="en-US" dirty="0"/>
+              <a:t> = 7.0 yielded a p-value of 2.2e-16, indicating that selected proteins have significantly higher isoelectric points.</a:t>
+            </a:r>
+            <a:endParaRPr lang="de-DE" dirty="0"/>
+          </a:p>
+        </p:txBody>
+      </p:sp>
+      <p:sp>
+        <p:nvSpPr>
+          <p:cNvPr id="84" name="Textfeld 83">
+            <a:extLst>
+              <a:ext uri="{FF2B5EF4-FFF2-40B4-BE49-F238E27FC236}">
+                <a16:creationId xmlns:a16="http://schemas.microsoft.com/office/drawing/2014/main" id="{E74BD1D1-81E5-0201-78E1-46E88BAC7B37}"/>
+              </a:ext>
+            </a:extLst>
+          </p:cNvPr>
+          <p:cNvSpPr txBox="1"/>
+          <p:nvPr/>
+        </p:nvSpPr>
+        <p:spPr>
+          <a:xfrm>
+            <a:off x="23225760" y="15669382"/>
+            <a:ext cx="400794" cy="522282"/>
+          </a:xfrm>
+          <a:prstGeom prst="rect">
+            <a:avLst/>
+          </a:prstGeom>
+          <a:noFill/>
+        </p:spPr>
+        <p:txBody>
+          <a:bodyPr wrap="square" rtlCol="0">
+            <a:spAutoFit/>
+          </a:bodyPr>
+          <a:lstStyle/>
+          <a:p>
+            <a:endParaRPr lang="de-DE" dirty="0"/>
+          </a:p>
+        </p:txBody>
+      </p:sp>
+      <p:sp>
+        <p:nvSpPr>
+          <p:cNvPr id="98" name="Textfeld 97">
+            <a:extLst>
+              <a:ext uri="{FF2B5EF4-FFF2-40B4-BE49-F238E27FC236}">
+                <a16:creationId xmlns:a16="http://schemas.microsoft.com/office/drawing/2014/main" id="{D70C59C4-30AB-EA5B-8DE4-B9E34DA2D83C}"/>
+              </a:ext>
+            </a:extLst>
+          </p:cNvPr>
+          <p:cNvSpPr txBox="1"/>
+          <p:nvPr/>
+        </p:nvSpPr>
+        <p:spPr>
+          <a:xfrm>
+            <a:off x="23220072" y="16003537"/>
+            <a:ext cx="518851" cy="461665"/>
+          </a:xfrm>
+          <a:prstGeom prst="rect">
+            <a:avLst/>
+          </a:prstGeom>
+          <a:noFill/>
+        </p:spPr>
+        <p:txBody>
+          <a:bodyPr wrap="square" rtlCol="0">
+            <a:spAutoFit/>
+          </a:bodyPr>
+          <a:lstStyle/>
+          <a:p>
+            <a:r>
+              <a:rPr lang="de-DE" sz="2400" b="1" dirty="0"/>
+              <a:t>6</a:t>
+            </a:r>
+          </a:p>
+        </p:txBody>
+      </p:sp>
+      <p:sp>
+        <p:nvSpPr>
+          <p:cNvPr id="92" name="TextBox 105">
+            <a:extLst>
+              <a:ext uri="{FF2B5EF4-FFF2-40B4-BE49-F238E27FC236}">
+                <a16:creationId xmlns:a16="http://schemas.microsoft.com/office/drawing/2014/main" id="{3512043F-66F8-EC1E-F88E-65A71874D70F}"/>
+              </a:ext>
+            </a:extLst>
+          </p:cNvPr>
+          <p:cNvSpPr txBox="1"/>
+          <p:nvPr/>
+        </p:nvSpPr>
+        <p:spPr>
+          <a:xfrm>
+            <a:off x="16224648" y="29590688"/>
+            <a:ext cx="558327" cy="461665"/>
+          </a:xfrm>
+          <a:prstGeom prst="rect">
+            <a:avLst/>
+          </a:prstGeom>
+          <a:noFill/>
+        </p:spPr>
+        <p:txBody>
+          <a:bodyPr wrap="square" rtlCol="0">
+            <a:spAutoFit/>
+          </a:bodyPr>
+          <a:lstStyle/>
+          <a:p>
+            <a:r>
+              <a:rPr lang="en-GB" sz="2400" b="1" noProof="0" dirty="0"/>
+              <a:t>9A</a:t>
+            </a:r>
+          </a:p>
+        </p:txBody>
+      </p:sp>
+      <p:sp>
+        <p:nvSpPr>
+          <p:cNvPr id="93" name="TextBox 105">
+            <a:extLst>
+              <a:ext uri="{FF2B5EF4-FFF2-40B4-BE49-F238E27FC236}">
+                <a16:creationId xmlns:a16="http://schemas.microsoft.com/office/drawing/2014/main" id="{F3460A3E-6286-4102-ABE0-1FEB8D7BB611}"/>
+              </a:ext>
+            </a:extLst>
+          </p:cNvPr>
+          <p:cNvSpPr txBox="1"/>
+          <p:nvPr/>
+        </p:nvSpPr>
+        <p:spPr>
+          <a:xfrm>
+            <a:off x="21466559" y="29582680"/>
+            <a:ext cx="558327" cy="461665"/>
+          </a:xfrm>
+          <a:prstGeom prst="rect">
+            <a:avLst/>
+          </a:prstGeom>
+          <a:noFill/>
+        </p:spPr>
+        <p:txBody>
+          <a:bodyPr wrap="square" rtlCol="0">
+            <a:spAutoFit/>
+          </a:bodyPr>
+          <a:lstStyle/>
+          <a:p>
+            <a:r>
+              <a:rPr lang="en-GB" sz="2400" b="1" noProof="0" dirty="0"/>
+              <a:t>9</a:t>
+            </a:r>
+            <a:r>
+              <a:rPr lang="en-GB" sz="2400" b="1" dirty="0"/>
+              <a:t>B</a:t>
+            </a:r>
+            <a:endParaRPr lang="en-GB" sz="2400" b="1" noProof="0" dirty="0"/>
+          </a:p>
+        </p:txBody>
+      </p:sp>
+      <p:sp>
+        <p:nvSpPr>
+          <p:cNvPr id="19" name="TextBox 18">
+            <a:extLst>
+              <a:ext uri="{FF2B5EF4-FFF2-40B4-BE49-F238E27FC236}">
+                <a16:creationId xmlns:a16="http://schemas.microsoft.com/office/drawing/2014/main" id="{4E3C2313-EAE3-F59D-9502-9654E29EA4BA}"/>
+              </a:ext>
+            </a:extLst>
+          </p:cNvPr>
+          <p:cNvSpPr txBox="1"/>
+          <p:nvPr/>
+        </p:nvSpPr>
+        <p:spPr>
+          <a:xfrm>
+            <a:off x="19451259" y="32454171"/>
+            <a:ext cx="2103727" cy="400110"/>
+          </a:xfrm>
+          <a:prstGeom prst="rect">
+            <a:avLst/>
+          </a:prstGeom>
+          <a:noFill/>
+          <a:ln>
+            <a:noFill/>
+          </a:ln>
+        </p:spPr>
+        <p:txBody>
+          <a:bodyPr wrap="square">
+            <a:spAutoFit/>
+          </a:bodyPr>
+          <a:lstStyle/>
+          <a:p>
+            <a:r>
+              <a:rPr lang="en-GB" sz="2000" dirty="0"/>
+              <a:t>Not Selected RBP</a:t>
+            </a:r>
+          </a:p>
+        </p:txBody>
+      </p:sp>
+      <p:sp>
+        <p:nvSpPr>
+          <p:cNvPr id="95" name="TextBox 94">
+            <a:extLst>
+              <a:ext uri="{FF2B5EF4-FFF2-40B4-BE49-F238E27FC236}">
+                <a16:creationId xmlns:a16="http://schemas.microsoft.com/office/drawing/2014/main" id="{AFBE04CA-3D6F-4AB3-A9C6-944F478B400F}"/>
+              </a:ext>
+            </a:extLst>
+          </p:cNvPr>
+          <p:cNvSpPr txBox="1"/>
+          <p:nvPr/>
+        </p:nvSpPr>
+        <p:spPr>
+          <a:xfrm>
+            <a:off x="19451259" y="32709847"/>
+            <a:ext cx="2103727" cy="400110"/>
+          </a:xfrm>
+          <a:prstGeom prst="rect">
+            <a:avLst/>
+          </a:prstGeom>
+          <a:noFill/>
+          <a:ln>
+            <a:noFill/>
+          </a:ln>
+        </p:spPr>
+        <p:txBody>
+          <a:bodyPr wrap="square">
+            <a:spAutoFit/>
+          </a:bodyPr>
+          <a:lstStyle/>
+          <a:p>
+            <a:r>
+              <a:rPr lang="en-GB" sz="2000" dirty="0"/>
+              <a:t>Selected RBP</a:t>
+            </a:r>
+          </a:p>
+        </p:txBody>
+      </p:sp>
+      <p:pic>
+        <p:nvPicPr>
+          <p:cNvPr id="118" name="Picture 117">
+            <a:extLst>
+              <a:ext uri="{FF2B5EF4-FFF2-40B4-BE49-F238E27FC236}">
+                <a16:creationId xmlns:a16="http://schemas.microsoft.com/office/drawing/2014/main" id="{B87F2FC9-C719-8C08-F02A-9BCDE0075EA2}"/>
+              </a:ext>
+            </a:extLst>
+          </p:cNvPr>
+          <p:cNvPicPr>
+            <a:picLocks noChangeAspect="1"/>
+          </p:cNvPicPr>
+          <p:nvPr/>
+        </p:nvPicPr>
+        <p:blipFill>
+          <a:blip r:embed="rId25"/>
+          <a:stretch>
+            <a:fillRect/>
+          </a:stretch>
+        </p:blipFill>
+        <p:spPr>
+          <a:xfrm>
+            <a:off x="19202785" y="32475914"/>
+            <a:ext cx="314369" cy="581106"/>
+          </a:xfrm>
+          <a:prstGeom prst="rect">
+            <a:avLst/>
+          </a:prstGeom>
+        </p:spPr>
+      </p:pic>
+      <p:pic>
+        <p:nvPicPr>
+          <p:cNvPr id="121" name="Picture 120">
+            <a:extLst>
+              <a:ext uri="{FF2B5EF4-FFF2-40B4-BE49-F238E27FC236}">
+                <a16:creationId xmlns:a16="http://schemas.microsoft.com/office/drawing/2014/main" id="{D9B44A5B-2966-C82F-7BF3-F655E083869D}"/>
+              </a:ext>
+            </a:extLst>
+          </p:cNvPr>
+          <p:cNvPicPr>
+            <a:picLocks noChangeAspect="1"/>
+          </p:cNvPicPr>
+          <p:nvPr/>
+        </p:nvPicPr>
+        <p:blipFill>
+          <a:blip r:embed="rId26"/>
+          <a:stretch>
+            <a:fillRect/>
+          </a:stretch>
+        </p:blipFill>
+        <p:spPr>
+          <a:xfrm>
+            <a:off x="24408250" y="32475914"/>
+            <a:ext cx="323895" cy="581106"/>
+          </a:xfrm>
+          <a:prstGeom prst="rect">
+            <a:avLst/>
+          </a:prstGeom>
+        </p:spPr>
+      </p:pic>
+      <p:sp>
+        <p:nvSpPr>
+          <p:cNvPr id="122" name="TextBox 121">
+            <a:extLst>
+              <a:ext uri="{FF2B5EF4-FFF2-40B4-BE49-F238E27FC236}">
+                <a16:creationId xmlns:a16="http://schemas.microsoft.com/office/drawing/2014/main" id="{D7381C19-CAB8-F952-9C60-0A0306783515}"/>
+              </a:ext>
+            </a:extLst>
+          </p:cNvPr>
+          <p:cNvSpPr txBox="1"/>
+          <p:nvPr/>
+        </p:nvSpPr>
+        <p:spPr>
+          <a:xfrm>
+            <a:off x="24651297" y="32474703"/>
+            <a:ext cx="2103727" cy="400110"/>
+          </a:xfrm>
+          <a:prstGeom prst="rect">
+            <a:avLst/>
+          </a:prstGeom>
+          <a:noFill/>
+          <a:ln>
+            <a:noFill/>
+          </a:ln>
+        </p:spPr>
+        <p:txBody>
+          <a:bodyPr wrap="square">
+            <a:spAutoFit/>
+          </a:bodyPr>
+          <a:lstStyle/>
+          <a:p>
+            <a:r>
+              <a:rPr lang="en-GB" sz="2000" dirty="0"/>
+              <a:t>Not Selected RBP</a:t>
+            </a:r>
+          </a:p>
+        </p:txBody>
+      </p:sp>
+      <p:sp>
+        <p:nvSpPr>
+          <p:cNvPr id="123" name="TextBox 122">
+            <a:extLst>
+              <a:ext uri="{FF2B5EF4-FFF2-40B4-BE49-F238E27FC236}">
+                <a16:creationId xmlns:a16="http://schemas.microsoft.com/office/drawing/2014/main" id="{7CE07B3A-9A57-D138-5135-97117CA6A654}"/>
+              </a:ext>
+            </a:extLst>
+          </p:cNvPr>
+          <p:cNvSpPr txBox="1"/>
+          <p:nvPr/>
+        </p:nvSpPr>
+        <p:spPr>
+          <a:xfrm>
+            <a:off x="24651297" y="32730379"/>
+            <a:ext cx="2103727" cy="400110"/>
+          </a:xfrm>
+          <a:prstGeom prst="rect">
+            <a:avLst/>
+          </a:prstGeom>
+          <a:noFill/>
+          <a:ln>
+            <a:noFill/>
+          </a:ln>
+        </p:spPr>
+        <p:txBody>
+          <a:bodyPr wrap="square">
+            <a:spAutoFit/>
+          </a:bodyPr>
+          <a:lstStyle/>
+          <a:p>
+            <a:r>
+              <a:rPr lang="en-GB" sz="2000" dirty="0"/>
+              <a:t>Selected RBP</a:t>
+            </a:r>
+          </a:p>
+        </p:txBody>
+      </p:sp>
+      <p:sp>
+        <p:nvSpPr>
+          <p:cNvPr id="124" name="Textfeld 102">
+            <a:extLst>
+              <a:ext uri="{FF2B5EF4-FFF2-40B4-BE49-F238E27FC236}">
+                <a16:creationId xmlns:a16="http://schemas.microsoft.com/office/drawing/2014/main" id="{63908110-83F5-4AFC-FED4-C66074DDBCDB}"/>
+              </a:ext>
+            </a:extLst>
+          </p:cNvPr>
+          <p:cNvSpPr txBox="1"/>
+          <p:nvPr/>
+        </p:nvSpPr>
+        <p:spPr>
+          <a:xfrm>
+            <a:off x="16151120" y="29640840"/>
+            <a:ext cx="3428405" cy="400110"/>
+          </a:xfrm>
+          <a:prstGeom prst="rect">
+            <a:avLst/>
+          </a:prstGeom>
+          <a:noFill/>
+        </p:spPr>
+        <p:txBody>
+          <a:bodyPr wrap="square" rtlCol="0">
+            <a:spAutoFit/>
+          </a:bodyPr>
+          <a:lstStyle/>
+          <a:p>
+            <a:pPr algn="ctr"/>
+            <a:r>
+              <a:rPr lang="de-DE" sz="2000" dirty="0"/>
+              <a:t>RBP2GO-known RBPs</a:t>
+            </a:r>
+            <a:endParaRPr lang="de-DE" sz="2000" b="1" dirty="0"/>
+          </a:p>
+        </p:txBody>
+      </p:sp>
+      <p:sp>
+        <p:nvSpPr>
+          <p:cNvPr id="125" name="Textfeld 102">
+            <a:extLst>
+              <a:ext uri="{FF2B5EF4-FFF2-40B4-BE49-F238E27FC236}">
+                <a16:creationId xmlns:a16="http://schemas.microsoft.com/office/drawing/2014/main" id="{898E2FD0-FE50-5C5B-2730-EB43C52695BD}"/>
+              </a:ext>
+            </a:extLst>
+          </p:cNvPr>
+          <p:cNvSpPr txBox="1"/>
+          <p:nvPr/>
+        </p:nvSpPr>
+        <p:spPr>
+          <a:xfrm>
+            <a:off x="21615720" y="29619824"/>
+            <a:ext cx="3428405" cy="400110"/>
+          </a:xfrm>
+          <a:prstGeom prst="rect">
+            <a:avLst/>
+          </a:prstGeom>
+          <a:noFill/>
+        </p:spPr>
+        <p:txBody>
+          <a:bodyPr wrap="square" rtlCol="0">
+            <a:spAutoFit/>
+          </a:bodyPr>
+          <a:lstStyle/>
+          <a:p>
+            <a:pPr algn="ctr"/>
+            <a:r>
+              <a:rPr lang="de-DE" sz="2000" dirty="0"/>
+              <a:t>RBP2GO-known non-RBPs</a:t>
+            </a:r>
+            <a:endParaRPr lang="de-DE" sz="2000" b="1" dirty="0"/>
+          </a:p>
+        </p:txBody>
+      </p:sp>
+    </p:spTree>
+    <p:extLst>
+      <p:ext uri="{BB962C8B-B14F-4D97-AF65-F5344CB8AC3E}">
+        <p14:creationId xmlns:p14="http://schemas.microsoft.com/office/powerpoint/2010/main" val="1737746499"/>
+      </p:ext>
+    </p:extLst>
+  </p:cSld>
+  <p:clrMapOvr>
+    <a:masterClrMapping/>
+  </p:clrMapOvr>
+</p:sld>
+</file>
+
+<file path=ppt/slides/slide2.xml><?xml version="1.0" encoding="utf-8"?>
 <p:sld xmlns:a="http://schemas.openxmlformats.org/drawingml/2006/main" xmlns:r="http://schemas.openxmlformats.org/officeDocument/2006/relationships" xmlns:p="http://schemas.openxmlformats.org/presentationml/2006/main">
   <p:cSld>
     <p:spTree>

--- a/Poster - Aglasterhausen.pptx
+++ b/Poster - Aglasterhausen.pptx
@@ -3840,43 +3840,12 @@
           <a:p>
             <a:pPr algn="ctr"/>
             <a:r>
-              <a:rPr lang="en-GB" noProof="0"/>
+              <a:rPr lang="en-GB" noProof="0" dirty="0"/>
               <a:t>https://media.discordapp.net/attachments/942220665635880990/1391120974107250830/image.png?ex=686abdde&amp;is=68696c5e&amp;hm=aba124b02f32de4a0951fec1e1f4ec30cc92823908418468efea0b60f3d38706&amp;=&amp;format=webp&amp;quality=lossless</a:t>
             </a:r>
-            <a:endParaRPr lang="en-GB" noProof="0" dirty="0"/>
-          </a:p>
-        </p:txBody>
-      </p:sp>
-      <p:pic>
-        <p:nvPicPr>
-          <p:cNvPr id="52" name="Picture 51">
-            <a:extLst>
-              <a:ext uri="{FF2B5EF4-FFF2-40B4-BE49-F238E27FC236}">
-                <a16:creationId xmlns:a16="http://schemas.microsoft.com/office/drawing/2014/main" id="{3DB712AA-9E89-755A-0829-4C36F321B5FC}"/>
-              </a:ext>
-            </a:extLst>
-          </p:cNvPr>
-          <p:cNvPicPr>
-            <a:picLocks noChangeAspect="1"/>
-          </p:cNvPicPr>
-          <p:nvPr/>
-        </p:nvPicPr>
-        <p:blipFill>
-          <a:blip r:embed="rId5"/>
-          <a:stretch>
-            <a:fillRect/>
-          </a:stretch>
-        </p:blipFill>
-        <p:spPr>
-          <a:xfrm>
-            <a:off x="18854448" y="7766311"/>
-            <a:ext cx="5210902" cy="3934374"/>
-          </a:xfrm>
-          <a:prstGeom prst="rect">
-            <a:avLst/>
-          </a:prstGeom>
-        </p:spPr>
-      </p:pic>
+          </a:p>
+        </p:txBody>
+      </p:sp>
       <p:sp>
         <p:nvSpPr>
           <p:cNvPr id="6" name="Rectangle: Top Corners Rounded 5">
@@ -3947,7 +3916,7 @@
           <p:nvPr/>
         </p:nvPicPr>
         <p:blipFill>
-          <a:blip r:embed="rId6"/>
+          <a:blip r:embed="rId5"/>
           <a:stretch>
             <a:fillRect/>
           </a:stretch>
@@ -5225,7 +5194,7 @@
           <p:nvPr/>
         </p:nvPicPr>
         <p:blipFill>
-          <a:blip r:embed="rId7"/>
+          <a:blip r:embed="rId6"/>
           <a:stretch>
             <a:fillRect/>
           </a:stretch>
@@ -5275,7 +5244,7 @@
             <p:nvPr/>
           </p:nvPicPr>
           <p:blipFill>
-            <a:blip r:embed="rId8"/>
+            <a:blip r:embed="rId7"/>
             <a:stretch>
               <a:fillRect/>
             </a:stretch>
@@ -5305,7 +5274,7 @@
             <p:nvPr/>
           </p:nvPicPr>
           <p:blipFill>
-            <a:blip r:embed="rId9"/>
+            <a:blip r:embed="rId8"/>
             <a:stretch>
               <a:fillRect/>
             </a:stretch>
@@ -5335,10 +5304,10 @@
         </p:nvGrpSpPr>
         <p:grpSpPr>
           <a:xfrm>
-            <a:off x="18659378" y="7834298"/>
-            <a:ext cx="11005390" cy="5190957"/>
-            <a:chOff x="17953486" y="7860815"/>
-            <a:chExt cx="11005390" cy="5190957"/>
+            <a:off x="18659378" y="7821598"/>
+            <a:ext cx="11005390" cy="5127457"/>
+            <a:chOff x="17953486" y="7848115"/>
+            <a:chExt cx="11005390" cy="5127457"/>
           </a:xfrm>
         </p:grpSpPr>
         <p:sp>
@@ -5355,8 +5324,8 @@
           </p:nvSpPr>
           <p:spPr>
             <a:xfrm>
-              <a:off x="18346399" y="7860815"/>
-              <a:ext cx="625063" cy="461665"/>
+              <a:off x="18346399" y="7848115"/>
+              <a:ext cx="4776465" cy="461665"/>
             </a:xfrm>
             <a:prstGeom prst="rect">
               <a:avLst/>
@@ -5375,7 +5344,19 @@
               </a:r>
               <a:r>
                 <a:rPr lang="en-GB" sz="2400" b="1" noProof="0" dirty="0"/>
-                <a:t>A</a:t>
+                <a:t>A             </a:t>
+              </a:r>
+              <a:r>
+                <a:rPr lang="en-GB" sz="2000" b="1" noProof="0" dirty="0"/>
+                <a:t>        </a:t>
+              </a:r>
+              <a:r>
+                <a:rPr lang="en-GB" sz="2000" noProof="0" dirty="0"/>
+                <a:t> Plot for DDX21_HUMAN</a:t>
+              </a:r>
+              <a:r>
+                <a:rPr lang="en-GB" sz="2000" b="1" noProof="0" dirty="0"/>
+                <a:t> </a:t>
               </a:r>
             </a:p>
           </p:txBody>
@@ -5394,7 +5375,7 @@
           </p:nvSpPr>
           <p:spPr>
             <a:xfrm>
-              <a:off x="17953486" y="11728333"/>
+              <a:off x="17953486" y="11652133"/>
               <a:ext cx="11005390" cy="1323439"/>
             </a:xfrm>
             <a:prstGeom prst="rect">
@@ -5708,7 +5689,7 @@
                   <p:nvPr/>
                 </p:nvPicPr>
                 <p:blipFill>
-                  <a:blip r:embed="rId10"/>
+                  <a:blip r:embed="rId9"/>
                   <a:stretch>
                     <a:fillRect/>
                   </a:stretch>
@@ -5738,7 +5719,7 @@
                   <p:nvPr/>
                 </p:nvPicPr>
                 <p:blipFill>
-                  <a:blip r:embed="rId11"/>
+                  <a:blip r:embed="rId10"/>
                   <a:stretch>
                     <a:fillRect/>
                   </a:stretch>
@@ -5768,7 +5749,7 @@
                   <p:nvPr/>
                 </p:nvPicPr>
                 <p:blipFill>
-                  <a:blip r:embed="rId12"/>
+                  <a:blip r:embed="rId11"/>
                   <a:stretch>
                     <a:fillRect/>
                   </a:stretch>
@@ -5798,7 +5779,7 @@
                   <p:nvPr/>
                 </p:nvPicPr>
                 <p:blipFill>
-                  <a:blip r:embed="rId13"/>
+                  <a:blip r:embed="rId12"/>
                   <a:stretch>
                     <a:fillRect/>
                   </a:stretch>
@@ -6131,36 +6112,6 @@
           </a:p>
         </p:txBody>
       </p:sp>
-      <p:pic>
-        <p:nvPicPr>
-          <p:cNvPr id="50" name="Picture 49">
-            <a:extLst>
-              <a:ext uri="{FF2B5EF4-FFF2-40B4-BE49-F238E27FC236}">
-                <a16:creationId xmlns:a16="http://schemas.microsoft.com/office/drawing/2014/main" id="{00B6F21E-768B-B677-BA3F-15C27FA4DA6C}"/>
-              </a:ext>
-            </a:extLst>
-          </p:cNvPr>
-          <p:cNvPicPr>
-            <a:picLocks noChangeAspect="1"/>
-          </p:cNvPicPr>
-          <p:nvPr/>
-        </p:nvPicPr>
-        <p:blipFill>
-          <a:blip r:embed="rId14"/>
-          <a:stretch>
-            <a:fillRect/>
-          </a:stretch>
-        </p:blipFill>
-        <p:spPr>
-          <a:xfrm>
-            <a:off x="24080962" y="7895646"/>
-            <a:ext cx="5210902" cy="3934374"/>
-          </a:xfrm>
-          <a:prstGeom prst="rect">
-            <a:avLst/>
-          </a:prstGeom>
-        </p:spPr>
-      </p:pic>
       <p:sp>
         <p:nvSpPr>
           <p:cNvPr id="53" name="TextBox 52">
@@ -6423,7 +6374,7 @@
             <p:nvPr/>
           </p:nvPicPr>
           <p:blipFill>
-            <a:blip r:embed="rId15"/>
+            <a:blip r:embed="rId13"/>
             <a:stretch>
               <a:fillRect/>
             </a:stretch>
@@ -6641,7 +6592,7 @@
                   <p:nvPr/>
                 </p:nvPicPr>
                 <p:blipFill>
-                  <a:blip r:embed="rId16"/>
+                  <a:blip r:embed="rId14"/>
                   <a:stretch>
                     <a:fillRect/>
                   </a:stretch>
@@ -7194,7 +7145,7 @@
             <p:nvPr/>
           </p:nvPicPr>
           <p:blipFill>
-            <a:blip r:embed="rId17"/>
+            <a:blip r:embed="rId15"/>
             <a:stretch>
               <a:fillRect/>
             </a:stretch>
@@ -7560,7 +7511,7 @@
               <p:nvPr/>
             </p:nvPicPr>
             <p:blipFill>
-              <a:blip r:embed="rId18"/>
+              <a:blip r:embed="rId16"/>
               <a:stretch>
                 <a:fillRect/>
               </a:stretch>
@@ -7590,7 +7541,7 @@
               <p:nvPr/>
             </p:nvPicPr>
             <p:blipFill>
-              <a:blip r:embed="rId19"/>
+              <a:blip r:embed="rId17"/>
               <a:stretch>
                 <a:fillRect/>
               </a:stretch>
@@ -7620,7 +7571,7 @@
               <p:nvPr/>
             </p:nvPicPr>
             <p:blipFill>
-              <a:blip r:embed="rId20"/>
+              <a:blip r:embed="rId18"/>
               <a:stretch>
                 <a:fillRect/>
               </a:stretch>
@@ -7650,7 +7601,7 @@
               <p:nvPr/>
             </p:nvPicPr>
             <p:blipFill>
-              <a:blip r:embed="rId21"/>
+              <a:blip r:embed="rId19"/>
               <a:stretch>
                 <a:fillRect/>
               </a:stretch>
@@ -7680,7 +7631,7 @@
               <p:nvPr/>
             </p:nvPicPr>
             <p:blipFill>
-              <a:blip r:embed="rId22"/>
+              <a:blip r:embed="rId20"/>
               <a:stretch>
                 <a:fillRect/>
               </a:stretch>
@@ -7710,7 +7661,7 @@
               <p:nvPr/>
             </p:nvPicPr>
             <p:blipFill>
-              <a:blip r:embed="rId23"/>
+              <a:blip r:embed="rId21"/>
               <a:stretch>
                 <a:fillRect/>
               </a:stretch>
@@ -7923,7 +7874,7 @@
           <p:nvPr/>
         </p:nvPicPr>
         <p:blipFill>
-          <a:blip r:embed="rId24"/>
+          <a:blip r:embed="rId22"/>
           <a:stretch>
             <a:fillRect/>
           </a:stretch>
@@ -8318,7 +8269,7 @@
           <p:nvPr/>
         </p:nvPicPr>
         <p:blipFill>
-          <a:blip r:embed="rId25"/>
+          <a:blip r:embed="rId23"/>
           <a:stretch>
             <a:fillRect/>
           </a:stretch>
@@ -8348,7 +8299,7 @@
           <p:nvPr/>
         </p:nvPicPr>
         <p:blipFill>
-          <a:blip r:embed="rId26"/>
+          <a:blip r:embed="rId24"/>
           <a:stretch>
             <a:fillRect/>
           </a:stretch>
@@ -8510,6 +8461,208 @@
               <a:t>RBP2GO-known non-RBPs</a:t>
             </a:r>
             <a:endParaRPr lang="de-DE" sz="2000" b="1" dirty="0"/>
+          </a:p>
+        </p:txBody>
+      </p:sp>
+      <p:pic>
+        <p:nvPicPr>
+          <p:cNvPr id="35" name="Picture 34">
+            <a:extLst>
+              <a:ext uri="{FF2B5EF4-FFF2-40B4-BE49-F238E27FC236}">
+                <a16:creationId xmlns:a16="http://schemas.microsoft.com/office/drawing/2014/main" id="{6EFE2010-A335-912E-7762-F38CE4A9A7D2}"/>
+              </a:ext>
+            </a:extLst>
+          </p:cNvPr>
+          <p:cNvPicPr>
+            <a:picLocks noChangeAspect="1"/>
+          </p:cNvPicPr>
+          <p:nvPr/>
+        </p:nvPicPr>
+        <p:blipFill>
+          <a:blip r:embed="rId25"/>
+          <a:stretch>
+            <a:fillRect/>
+          </a:stretch>
+        </p:blipFill>
+        <p:spPr>
+          <a:xfrm>
+            <a:off x="19102199" y="8188996"/>
+            <a:ext cx="4726558" cy="2917628"/>
+          </a:xfrm>
+          <a:prstGeom prst="rect">
+            <a:avLst/>
+          </a:prstGeom>
+        </p:spPr>
+      </p:pic>
+      <p:pic>
+        <p:nvPicPr>
+          <p:cNvPr id="38" name="Picture 37">
+            <a:extLst>
+              <a:ext uri="{FF2B5EF4-FFF2-40B4-BE49-F238E27FC236}">
+                <a16:creationId xmlns:a16="http://schemas.microsoft.com/office/drawing/2014/main" id="{F202F377-548B-B9CA-1770-3A87DB853261}"/>
+              </a:ext>
+            </a:extLst>
+          </p:cNvPr>
+          <p:cNvPicPr>
+            <a:picLocks noChangeAspect="1"/>
+          </p:cNvPicPr>
+          <p:nvPr/>
+        </p:nvPicPr>
+        <p:blipFill>
+          <a:blip r:embed="rId26"/>
+          <a:stretch>
+            <a:fillRect/>
+          </a:stretch>
+        </p:blipFill>
+        <p:spPr>
+          <a:xfrm>
+            <a:off x="24510576" y="8188996"/>
+            <a:ext cx="4726558" cy="2917628"/>
+          </a:xfrm>
+          <a:prstGeom prst="rect">
+            <a:avLst/>
+          </a:prstGeom>
+        </p:spPr>
+      </p:pic>
+      <p:sp>
+        <p:nvSpPr>
+          <p:cNvPr id="42" name="Textfeld 104">
+            <a:extLst>
+              <a:ext uri="{FF2B5EF4-FFF2-40B4-BE49-F238E27FC236}">
+                <a16:creationId xmlns:a16="http://schemas.microsoft.com/office/drawing/2014/main" id="{3818F5C5-2AA5-1AD6-3DFE-FD58E010C6DA}"/>
+              </a:ext>
+            </a:extLst>
+          </p:cNvPr>
+          <p:cNvSpPr txBox="1"/>
+          <p:nvPr/>
+        </p:nvSpPr>
+        <p:spPr>
+          <a:xfrm rot="16200000">
+            <a:off x="18519995" y="9309803"/>
+            <a:ext cx="795075" cy="369332"/>
+          </a:xfrm>
+          <a:prstGeom prst="rect">
+            <a:avLst/>
+          </a:prstGeom>
+          <a:noFill/>
+        </p:spPr>
+        <p:txBody>
+          <a:bodyPr wrap="square" rtlCol="0">
+            <a:spAutoFit/>
+          </a:bodyPr>
+          <a:lstStyle/>
+          <a:p>
+            <a:r>
+              <a:rPr lang="de-DE" dirty="0"/>
+              <a:t>Values</a:t>
+            </a:r>
+          </a:p>
+        </p:txBody>
+      </p:sp>
+      <p:sp>
+        <p:nvSpPr>
+          <p:cNvPr id="43" name="Textfeld 104">
+            <a:extLst>
+              <a:ext uri="{FF2B5EF4-FFF2-40B4-BE49-F238E27FC236}">
+                <a16:creationId xmlns:a16="http://schemas.microsoft.com/office/drawing/2014/main" id="{D6F08FB9-54DB-11A9-C1F9-1F55FA808997}"/>
+              </a:ext>
+            </a:extLst>
+          </p:cNvPr>
+          <p:cNvSpPr txBox="1"/>
+          <p:nvPr/>
+        </p:nvSpPr>
+        <p:spPr>
+          <a:xfrm rot="16200000">
+            <a:off x="23899129" y="9309803"/>
+            <a:ext cx="795075" cy="369332"/>
+          </a:xfrm>
+          <a:prstGeom prst="rect">
+            <a:avLst/>
+          </a:prstGeom>
+          <a:noFill/>
+        </p:spPr>
+        <p:txBody>
+          <a:bodyPr wrap="square" rtlCol="0">
+            <a:spAutoFit/>
+          </a:bodyPr>
+          <a:lstStyle/>
+          <a:p>
+            <a:r>
+              <a:rPr lang="de-DE" dirty="0"/>
+              <a:t>Values</a:t>
+            </a:r>
+          </a:p>
+        </p:txBody>
+      </p:sp>
+      <p:sp>
+        <p:nvSpPr>
+          <p:cNvPr id="45" name="Textfeld 105">
+            <a:extLst>
+              <a:ext uri="{FF2B5EF4-FFF2-40B4-BE49-F238E27FC236}">
+                <a16:creationId xmlns:a16="http://schemas.microsoft.com/office/drawing/2014/main" id="{7D505E79-B2EA-786C-F637-D3D0173158B5}"/>
+              </a:ext>
+            </a:extLst>
+          </p:cNvPr>
+          <p:cNvSpPr txBox="1"/>
+          <p:nvPr/>
+        </p:nvSpPr>
+        <p:spPr>
+          <a:xfrm>
+            <a:off x="20114893" y="11102548"/>
+            <a:ext cx="3001654" cy="369332"/>
+          </a:xfrm>
+          <a:prstGeom prst="rect">
+            <a:avLst/>
+          </a:prstGeom>
+          <a:noFill/>
+        </p:spPr>
+        <p:txBody>
+          <a:bodyPr wrap="square" rtlCol="0">
+            <a:spAutoFit/>
+          </a:bodyPr>
+          <a:lstStyle/>
+          <a:p>
+            <a:pPr algn="ctr"/>
+            <a:r>
+              <a:rPr lang="de-DE" dirty="0"/>
+              <a:t>Fractions</a:t>
+            </a:r>
+          </a:p>
+        </p:txBody>
+      </p:sp>
+      <p:sp>
+        <p:nvSpPr>
+          <p:cNvPr id="46" name="Textfeld 105">
+            <a:extLst>
+              <a:ext uri="{FF2B5EF4-FFF2-40B4-BE49-F238E27FC236}">
+                <a16:creationId xmlns:a16="http://schemas.microsoft.com/office/drawing/2014/main" id="{3B496526-3986-57DE-B81C-82BCF78FBCBC}"/>
+              </a:ext>
+            </a:extLst>
+          </p:cNvPr>
+          <p:cNvSpPr txBox="1"/>
+          <p:nvPr/>
+        </p:nvSpPr>
+        <p:spPr>
+          <a:xfrm>
+            <a:off x="25625712" y="11102548"/>
+            <a:ext cx="3001654" cy="369332"/>
+          </a:xfrm>
+          <a:prstGeom prst="rect">
+            <a:avLst/>
+          </a:prstGeom>
+          <a:noFill/>
+        </p:spPr>
+        <p:txBody>
+          <a:bodyPr wrap="square" rtlCol="0">
+            <a:spAutoFit/>
+          </a:bodyPr>
+          <a:lstStyle/>
+          <a:p>
+            <a:pPr algn="ctr"/>
+            <a:r>
+              <a:rPr lang="de-DE" dirty="0"/>
+              <a:t>Fractions</a:t>
+            </a:r>
           </a:p>
         </p:txBody>
       </p:sp>

--- a/Poster - Aglasterhausen.pptx
+++ b/Poster - Aglasterhausen.pptx
@@ -5289,189 +5289,6 @@
             </a:prstGeom>
           </p:spPr>
         </p:pic>
-      </p:grpSp>
-      <p:grpSp>
-        <p:nvGrpSpPr>
-          <p:cNvPr id="102" name="Group 101">
-            <a:extLst>
-              <a:ext uri="{FF2B5EF4-FFF2-40B4-BE49-F238E27FC236}">
-                <a16:creationId xmlns:a16="http://schemas.microsoft.com/office/drawing/2014/main" id="{C99980D5-27D5-1B7D-E7A0-1A567824AF06}"/>
-              </a:ext>
-            </a:extLst>
-          </p:cNvPr>
-          <p:cNvGrpSpPr/>
-          <p:nvPr/>
-        </p:nvGrpSpPr>
-        <p:grpSpPr>
-          <a:xfrm>
-            <a:off x="18659378" y="7821598"/>
-            <a:ext cx="11005390" cy="5127457"/>
-            <a:chOff x="17953486" y="7848115"/>
-            <a:chExt cx="11005390" cy="5127457"/>
-          </a:xfrm>
-        </p:grpSpPr>
-        <p:sp>
-          <p:nvSpPr>
-            <p:cNvPr id="99" name="TextBox 98">
-              <a:extLst>
-                <a:ext uri="{FF2B5EF4-FFF2-40B4-BE49-F238E27FC236}">
-                  <a16:creationId xmlns:a16="http://schemas.microsoft.com/office/drawing/2014/main" id="{B1BEF744-BA9E-D30A-593C-00715AF3D0C6}"/>
-                </a:ext>
-              </a:extLst>
-            </p:cNvPr>
-            <p:cNvSpPr txBox="1"/>
-            <p:nvPr/>
-          </p:nvSpPr>
-          <p:spPr>
-            <a:xfrm>
-              <a:off x="18346399" y="7848115"/>
-              <a:ext cx="4776465" cy="461665"/>
-            </a:xfrm>
-            <a:prstGeom prst="rect">
-              <a:avLst/>
-            </a:prstGeom>
-            <a:noFill/>
-          </p:spPr>
-          <p:txBody>
-            <a:bodyPr wrap="square" rtlCol="0">
-              <a:spAutoFit/>
-            </a:bodyPr>
-            <a:lstStyle/>
-            <a:p>
-              <a:r>
-                <a:rPr lang="en-GB" sz="2400" b="1" dirty="0"/>
-                <a:t>2</a:t>
-              </a:r>
-              <a:r>
-                <a:rPr lang="en-GB" sz="2400" b="1" noProof="0" dirty="0"/>
-                <a:t>A             </a:t>
-              </a:r>
-              <a:r>
-                <a:rPr lang="en-GB" sz="2000" b="1" noProof="0" dirty="0"/>
-                <a:t>        </a:t>
-              </a:r>
-              <a:r>
-                <a:rPr lang="en-GB" sz="2000" noProof="0" dirty="0"/>
-                <a:t> Plot for DDX21_HUMAN</a:t>
-              </a:r>
-              <a:r>
-                <a:rPr lang="en-GB" sz="2000" b="1" noProof="0" dirty="0"/>
-                <a:t> </a:t>
-              </a:r>
-            </a:p>
-          </p:txBody>
-        </p:sp>
-        <p:sp>
-          <p:nvSpPr>
-            <p:cNvPr id="101" name="TextBox 100">
-              <a:extLst>
-                <a:ext uri="{FF2B5EF4-FFF2-40B4-BE49-F238E27FC236}">
-                  <a16:creationId xmlns:a16="http://schemas.microsoft.com/office/drawing/2014/main" id="{8E63968E-4CFD-17D2-5181-A624A6E5CD59}"/>
-                </a:ext>
-              </a:extLst>
-            </p:cNvPr>
-            <p:cNvSpPr txBox="1"/>
-            <p:nvPr/>
-          </p:nvSpPr>
-          <p:spPr>
-            <a:xfrm>
-              <a:off x="17953486" y="11652133"/>
-              <a:ext cx="11005390" cy="1323439"/>
-            </a:xfrm>
-            <a:prstGeom prst="rect">
-              <a:avLst/>
-            </a:prstGeom>
-            <a:noFill/>
-          </p:spPr>
-          <p:txBody>
-            <a:bodyPr wrap="square" rtlCol="0">
-              <a:spAutoFit/>
-            </a:bodyPr>
-            <a:lstStyle/>
-            <a:p>
-              <a:r>
-                <a:rPr lang="en-GB" sz="2000" b="1" noProof="0" dirty="0"/>
-                <a:t>Fig. 2 </a:t>
-              </a:r>
-              <a:r>
-                <a:rPr lang="en-GB" sz="2000" noProof="0" dirty="0"/>
-                <a:t>Plot of protein in data set. The data </a:t>
-              </a:r>
-              <a:r>
-                <a:rPr lang="en-GB" sz="2000" dirty="0"/>
-                <a:t>has been </a:t>
-              </a:r>
-              <a:r>
-                <a:rPr lang="en-GB" sz="2000" noProof="0" dirty="0"/>
-                <a:t>cleaned and normalized beforehand.</a:t>
-              </a:r>
-            </a:p>
-            <a:p>
-              <a:endParaRPr lang="en-GB" sz="2000" noProof="0" dirty="0"/>
-            </a:p>
-            <a:p>
-              <a:r>
-                <a:rPr lang="en-GB" sz="2000" b="1" noProof="0" dirty="0"/>
-                <a:t>A) </a:t>
-              </a:r>
-              <a:r>
-                <a:rPr lang="en-GB" sz="2000" noProof="0" dirty="0"/>
-                <a:t>An </a:t>
-              </a:r>
-              <a:r>
-                <a:rPr lang="en-GB" sz="2000" noProof="0" dirty="0" err="1"/>
-                <a:t>RNA.dependent</a:t>
-              </a:r>
-              <a:r>
-                <a:rPr lang="en-GB" sz="2000" noProof="0" dirty="0"/>
-                <a:t> protein </a:t>
-              </a:r>
-              <a:r>
-                <a:rPr lang="en-GB" sz="2000" dirty="0"/>
-                <a:t>e</a:t>
-              </a:r>
-              <a:r>
-                <a:rPr lang="en-GB" sz="2000" noProof="0" dirty="0" err="1"/>
-                <a:t>xhibits</a:t>
-              </a:r>
-              <a:r>
-                <a:rPr lang="en-GB" sz="2000" noProof="0" dirty="0"/>
-                <a:t> a shift </a:t>
-              </a:r>
-              <a:r>
-                <a:rPr lang="en-GB" sz="2000" dirty="0"/>
-                <a:t>for its intensity values between control and </a:t>
-              </a:r>
-              <a:r>
-                <a:rPr lang="en-GB" sz="2000" dirty="0" err="1"/>
-                <a:t>rnase</a:t>
-              </a:r>
-              <a:r>
-                <a:rPr lang="en-GB" sz="2000" dirty="0"/>
-                <a:t> group.</a:t>
-              </a:r>
-              <a:r>
-                <a:rPr lang="en-GB" sz="2000" noProof="0" dirty="0"/>
-                <a:t> </a:t>
-              </a:r>
-            </a:p>
-            <a:p>
-              <a:r>
-                <a:rPr lang="en-GB" sz="2000" b="1" noProof="0" dirty="0"/>
-                <a:t>B)</a:t>
-              </a:r>
-              <a:r>
-                <a:rPr lang="en-GB" sz="2000" b="1" dirty="0"/>
-                <a:t> </a:t>
-              </a:r>
-              <a:r>
-                <a:rPr lang="en-GB" sz="2000" dirty="0"/>
-                <a:t>A nor RNA-dependent protein exhibits no such shift</a:t>
-              </a:r>
-              <a:endParaRPr lang="en-GB" sz="2000" noProof="0" dirty="0"/>
-            </a:p>
-          </p:txBody>
-        </p:sp>
       </p:grpSp>
       <p:sp>
         <p:nvSpPr>
@@ -6112,41 +5929,6 @@
           </a:p>
         </p:txBody>
       </p:sp>
-      <p:sp>
-        <p:nvSpPr>
-          <p:cNvPr id="53" name="TextBox 52">
-            <a:extLst>
-              <a:ext uri="{FF2B5EF4-FFF2-40B4-BE49-F238E27FC236}">
-                <a16:creationId xmlns:a16="http://schemas.microsoft.com/office/drawing/2014/main" id="{49945A37-4C84-B8DB-0887-72307982F33E}"/>
-              </a:ext>
-            </a:extLst>
-          </p:cNvPr>
-          <p:cNvSpPr txBox="1"/>
-          <p:nvPr/>
-        </p:nvSpPr>
-        <p:spPr>
-          <a:xfrm>
-            <a:off x="24345027" y="7863916"/>
-            <a:ext cx="390625" cy="461665"/>
-          </a:xfrm>
-          <a:prstGeom prst="rect">
-            <a:avLst/>
-          </a:prstGeom>
-          <a:noFill/>
-        </p:spPr>
-        <p:txBody>
-          <a:bodyPr wrap="square" rtlCol="0">
-            <a:spAutoFit/>
-          </a:bodyPr>
-          <a:lstStyle/>
-          <a:p>
-            <a:r>
-              <a:rPr lang="en-GB" sz="2400" b="1" noProof="0" dirty="0"/>
-              <a:t>B</a:t>
-            </a:r>
-          </a:p>
-        </p:txBody>
-      </p:sp>
       <p:grpSp>
         <p:nvGrpSpPr>
           <p:cNvPr id="85" name="Gruppieren 84">
@@ -6535,7 +6317,11 @@
                   <a:p>
                     <a:r>
                       <a:rPr lang="en-US" sz="2000" b="1" dirty="0"/>
-                      <a:t>Fig. 4 – COM shifts between control and RNase conditions for selected and not selected proteins</a:t>
+                      <a:t>Fig. 4  </a:t>
+                    </a:r>
+                    <a:r>
+                      <a:rPr lang="en-US" sz="2000" dirty="0"/>
+                      <a:t>COM shifts between control and RNase conditions for selected and not selected proteins</a:t>
                     </a:r>
                   </a:p>
                   <a:p>
@@ -8464,208 +8250,435 @@
           </a:p>
         </p:txBody>
       </p:sp>
-      <p:pic>
-        <p:nvPicPr>
-          <p:cNvPr id="35" name="Picture 34">
+      <p:grpSp>
+        <p:nvGrpSpPr>
+          <p:cNvPr id="21" name="Group 20">
             <a:extLst>
               <a:ext uri="{FF2B5EF4-FFF2-40B4-BE49-F238E27FC236}">
-                <a16:creationId xmlns:a16="http://schemas.microsoft.com/office/drawing/2014/main" id="{6EFE2010-A335-912E-7762-F38CE4A9A7D2}"/>
+                <a16:creationId xmlns:a16="http://schemas.microsoft.com/office/drawing/2014/main" id="{0013744D-E69F-B989-1A93-41F411B9370E}"/>
               </a:ext>
             </a:extLst>
           </p:cNvPr>
-          <p:cNvPicPr>
-            <a:picLocks noChangeAspect="1"/>
-          </p:cNvPicPr>
+          <p:cNvGrpSpPr/>
           <p:nvPr/>
-        </p:nvPicPr>
-        <p:blipFill>
-          <a:blip r:embed="rId25"/>
-          <a:stretch>
-            <a:fillRect/>
-          </a:stretch>
-        </p:blipFill>
-        <p:spPr>
+        </p:nvGrpSpPr>
+        <p:grpSpPr>
           <a:xfrm>
-            <a:off x="19102199" y="8188996"/>
-            <a:ext cx="4726558" cy="2917628"/>
+            <a:off x="18659378" y="7935898"/>
+            <a:ext cx="11005390" cy="5013157"/>
+            <a:chOff x="18659378" y="7935898"/>
+            <a:chExt cx="11005390" cy="5013157"/>
           </a:xfrm>
-          <a:prstGeom prst="rect">
-            <a:avLst/>
-          </a:prstGeom>
-        </p:spPr>
-      </p:pic>
-      <p:pic>
-        <p:nvPicPr>
-          <p:cNvPr id="38" name="Picture 37">
-            <a:extLst>
-              <a:ext uri="{FF2B5EF4-FFF2-40B4-BE49-F238E27FC236}">
-                <a16:creationId xmlns:a16="http://schemas.microsoft.com/office/drawing/2014/main" id="{F202F377-548B-B9CA-1770-3A87DB853261}"/>
-              </a:ext>
-            </a:extLst>
-          </p:cNvPr>
-          <p:cNvPicPr>
-            <a:picLocks noChangeAspect="1"/>
-          </p:cNvPicPr>
-          <p:nvPr/>
-        </p:nvPicPr>
-        <p:blipFill>
-          <a:blip r:embed="rId26"/>
-          <a:stretch>
-            <a:fillRect/>
-          </a:stretch>
-        </p:blipFill>
-        <p:spPr>
-          <a:xfrm>
-            <a:off x="24510576" y="8188996"/>
-            <a:ext cx="4726558" cy="2917628"/>
-          </a:xfrm>
-          <a:prstGeom prst="rect">
-            <a:avLst/>
-          </a:prstGeom>
-        </p:spPr>
-      </p:pic>
-      <p:sp>
-        <p:nvSpPr>
-          <p:cNvPr id="42" name="Textfeld 104">
-            <a:extLst>
-              <a:ext uri="{FF2B5EF4-FFF2-40B4-BE49-F238E27FC236}">
-                <a16:creationId xmlns:a16="http://schemas.microsoft.com/office/drawing/2014/main" id="{3818F5C5-2AA5-1AD6-3DFE-FD58E010C6DA}"/>
-              </a:ext>
-            </a:extLst>
-          </p:cNvPr>
-          <p:cNvSpPr txBox="1"/>
-          <p:nvPr/>
-        </p:nvSpPr>
-        <p:spPr>
-          <a:xfrm rot="16200000">
-            <a:off x="18519995" y="9309803"/>
-            <a:ext cx="795075" cy="369332"/>
-          </a:xfrm>
-          <a:prstGeom prst="rect">
-            <a:avLst/>
-          </a:prstGeom>
-          <a:noFill/>
-        </p:spPr>
-        <p:txBody>
-          <a:bodyPr wrap="square" rtlCol="0">
-            <a:spAutoFit/>
-          </a:bodyPr>
-          <a:lstStyle/>
-          <a:p>
-            <a:r>
-              <a:rPr lang="de-DE" dirty="0"/>
-              <a:t>Values</a:t>
-            </a:r>
-          </a:p>
-        </p:txBody>
-      </p:sp>
-      <p:sp>
-        <p:nvSpPr>
-          <p:cNvPr id="43" name="Textfeld 104">
-            <a:extLst>
-              <a:ext uri="{FF2B5EF4-FFF2-40B4-BE49-F238E27FC236}">
-                <a16:creationId xmlns:a16="http://schemas.microsoft.com/office/drawing/2014/main" id="{D6F08FB9-54DB-11A9-C1F9-1F55FA808997}"/>
-              </a:ext>
-            </a:extLst>
-          </p:cNvPr>
-          <p:cNvSpPr txBox="1"/>
-          <p:nvPr/>
-        </p:nvSpPr>
-        <p:spPr>
-          <a:xfrm rot="16200000">
-            <a:off x="23899129" y="9309803"/>
-            <a:ext cx="795075" cy="369332"/>
-          </a:xfrm>
-          <a:prstGeom prst="rect">
-            <a:avLst/>
-          </a:prstGeom>
-          <a:noFill/>
-        </p:spPr>
-        <p:txBody>
-          <a:bodyPr wrap="square" rtlCol="0">
-            <a:spAutoFit/>
-          </a:bodyPr>
-          <a:lstStyle/>
-          <a:p>
-            <a:r>
-              <a:rPr lang="de-DE" dirty="0"/>
-              <a:t>Values</a:t>
-            </a:r>
-          </a:p>
-        </p:txBody>
-      </p:sp>
-      <p:sp>
-        <p:nvSpPr>
-          <p:cNvPr id="45" name="Textfeld 105">
-            <a:extLst>
-              <a:ext uri="{FF2B5EF4-FFF2-40B4-BE49-F238E27FC236}">
-                <a16:creationId xmlns:a16="http://schemas.microsoft.com/office/drawing/2014/main" id="{7D505E79-B2EA-786C-F637-D3D0173158B5}"/>
-              </a:ext>
-            </a:extLst>
-          </p:cNvPr>
-          <p:cNvSpPr txBox="1"/>
-          <p:nvPr/>
-        </p:nvSpPr>
-        <p:spPr>
-          <a:xfrm>
-            <a:off x="20114893" y="11102548"/>
-            <a:ext cx="3001654" cy="369332"/>
-          </a:xfrm>
-          <a:prstGeom prst="rect">
-            <a:avLst/>
-          </a:prstGeom>
-          <a:noFill/>
-        </p:spPr>
-        <p:txBody>
-          <a:bodyPr wrap="square" rtlCol="0">
-            <a:spAutoFit/>
-          </a:bodyPr>
-          <a:lstStyle/>
-          <a:p>
-            <a:pPr algn="ctr"/>
-            <a:r>
-              <a:rPr lang="de-DE" dirty="0"/>
-              <a:t>Fractions</a:t>
-            </a:r>
-          </a:p>
-        </p:txBody>
-      </p:sp>
-      <p:sp>
-        <p:nvSpPr>
-          <p:cNvPr id="46" name="Textfeld 105">
-            <a:extLst>
-              <a:ext uri="{FF2B5EF4-FFF2-40B4-BE49-F238E27FC236}">
-                <a16:creationId xmlns:a16="http://schemas.microsoft.com/office/drawing/2014/main" id="{3B496526-3986-57DE-B81C-82BCF78FBCBC}"/>
-              </a:ext>
-            </a:extLst>
-          </p:cNvPr>
-          <p:cNvSpPr txBox="1"/>
-          <p:nvPr/>
-        </p:nvSpPr>
-        <p:spPr>
-          <a:xfrm>
-            <a:off x="25625712" y="11102548"/>
-            <a:ext cx="3001654" cy="369332"/>
-          </a:xfrm>
-          <a:prstGeom prst="rect">
-            <a:avLst/>
-          </a:prstGeom>
-          <a:noFill/>
-        </p:spPr>
-        <p:txBody>
-          <a:bodyPr wrap="square" rtlCol="0">
-            <a:spAutoFit/>
-          </a:bodyPr>
-          <a:lstStyle/>
-          <a:p>
-            <a:pPr algn="ctr"/>
-            <a:r>
-              <a:rPr lang="de-DE" dirty="0"/>
-              <a:t>Fractions</a:t>
-            </a:r>
-          </a:p>
-        </p:txBody>
-      </p:sp>
+        </p:grpSpPr>
+        <p:sp>
+          <p:nvSpPr>
+            <p:cNvPr id="99" name="TextBox 98">
+              <a:extLst>
+                <a:ext uri="{FF2B5EF4-FFF2-40B4-BE49-F238E27FC236}">
+                  <a16:creationId xmlns:a16="http://schemas.microsoft.com/office/drawing/2014/main" id="{B1BEF744-BA9E-D30A-593C-00715AF3D0C6}"/>
+                </a:ext>
+              </a:extLst>
+            </p:cNvPr>
+            <p:cNvSpPr txBox="1"/>
+            <p:nvPr/>
+          </p:nvSpPr>
+          <p:spPr>
+            <a:xfrm>
+              <a:off x="19052291" y="7935898"/>
+              <a:ext cx="4776465" cy="461665"/>
+            </a:xfrm>
+            <a:prstGeom prst="rect">
+              <a:avLst/>
+            </a:prstGeom>
+            <a:noFill/>
+          </p:spPr>
+          <p:txBody>
+            <a:bodyPr wrap="square" rtlCol="0">
+              <a:spAutoFit/>
+            </a:bodyPr>
+            <a:lstStyle/>
+            <a:p>
+              <a:r>
+                <a:rPr lang="en-GB" sz="2400" b="1" dirty="0"/>
+                <a:t>2</a:t>
+              </a:r>
+              <a:r>
+                <a:rPr lang="en-GB" sz="2400" b="1" noProof="0" dirty="0"/>
+                <a:t>A             </a:t>
+              </a:r>
+              <a:r>
+                <a:rPr lang="en-GB" sz="2000" b="1" noProof="0" dirty="0"/>
+                <a:t>   </a:t>
+              </a:r>
+              <a:r>
+                <a:rPr lang="en-GB" sz="2000" noProof="0" dirty="0"/>
+                <a:t> Plot for DDX21_HUMAN</a:t>
+              </a:r>
+              <a:r>
+                <a:rPr lang="en-GB" sz="2000" b="1" noProof="0" dirty="0"/>
+                <a:t> </a:t>
+              </a:r>
+            </a:p>
+          </p:txBody>
+        </p:sp>
+        <p:sp>
+          <p:nvSpPr>
+            <p:cNvPr id="101" name="TextBox 100">
+              <a:extLst>
+                <a:ext uri="{FF2B5EF4-FFF2-40B4-BE49-F238E27FC236}">
+                  <a16:creationId xmlns:a16="http://schemas.microsoft.com/office/drawing/2014/main" id="{8E63968E-4CFD-17D2-5181-A624A6E5CD59}"/>
+                </a:ext>
+              </a:extLst>
+            </p:cNvPr>
+            <p:cNvSpPr txBox="1"/>
+            <p:nvPr/>
+          </p:nvSpPr>
+          <p:spPr>
+            <a:xfrm>
+              <a:off x="18659378" y="11625616"/>
+              <a:ext cx="11005390" cy="1323439"/>
+            </a:xfrm>
+            <a:prstGeom prst="rect">
+              <a:avLst/>
+            </a:prstGeom>
+            <a:noFill/>
+          </p:spPr>
+          <p:txBody>
+            <a:bodyPr wrap="square" rtlCol="0">
+              <a:spAutoFit/>
+            </a:bodyPr>
+            <a:lstStyle/>
+            <a:p>
+              <a:r>
+                <a:rPr lang="en-GB" sz="2000" b="1" noProof="0" dirty="0"/>
+                <a:t>Fig. 2 </a:t>
+              </a:r>
+              <a:r>
+                <a:rPr lang="en-GB" sz="2000" noProof="0" dirty="0"/>
+                <a:t>Plot of protein in data set. The data </a:t>
+              </a:r>
+              <a:r>
+                <a:rPr lang="en-GB" sz="2000" dirty="0"/>
+                <a:t>has been </a:t>
+              </a:r>
+              <a:r>
+                <a:rPr lang="en-GB" sz="2000" noProof="0" dirty="0"/>
+                <a:t>cleaned and normalized beforehand.</a:t>
+              </a:r>
+            </a:p>
+            <a:p>
+              <a:endParaRPr lang="en-GB" sz="2000" noProof="0" dirty="0"/>
+            </a:p>
+            <a:p>
+              <a:r>
+                <a:rPr lang="en-GB" sz="2000" b="1" noProof="0" dirty="0"/>
+                <a:t>A) </a:t>
+              </a:r>
+              <a:r>
+                <a:rPr lang="en-GB" sz="2000" noProof="0" dirty="0"/>
+                <a:t>An </a:t>
+              </a:r>
+              <a:r>
+                <a:rPr lang="en-GB" sz="2000" noProof="0" dirty="0" err="1"/>
+                <a:t>RNA.dependent</a:t>
+              </a:r>
+              <a:r>
+                <a:rPr lang="en-GB" sz="2000" noProof="0" dirty="0"/>
+                <a:t> protein </a:t>
+              </a:r>
+              <a:r>
+                <a:rPr lang="en-GB" sz="2000" dirty="0"/>
+                <a:t>e</a:t>
+              </a:r>
+              <a:r>
+                <a:rPr lang="en-GB" sz="2000" noProof="0" dirty="0" err="1"/>
+                <a:t>xhibits</a:t>
+              </a:r>
+              <a:r>
+                <a:rPr lang="en-GB" sz="2000" noProof="0" dirty="0"/>
+                <a:t> a shift </a:t>
+              </a:r>
+              <a:r>
+                <a:rPr lang="en-GB" sz="2000" dirty="0"/>
+                <a:t>for its intensity values between control and </a:t>
+              </a:r>
+              <a:r>
+                <a:rPr lang="en-GB" sz="2000" dirty="0" err="1"/>
+                <a:t>rnase</a:t>
+              </a:r>
+              <a:r>
+                <a:rPr lang="en-GB" sz="2000" dirty="0"/>
+                <a:t> group.</a:t>
+              </a:r>
+              <a:r>
+                <a:rPr lang="en-GB" sz="2000" noProof="0" dirty="0"/>
+                <a:t> </a:t>
+              </a:r>
+            </a:p>
+            <a:p>
+              <a:r>
+                <a:rPr lang="en-GB" sz="2000" b="1" noProof="0" dirty="0"/>
+                <a:t>B)</a:t>
+              </a:r>
+              <a:r>
+                <a:rPr lang="en-GB" sz="2000" b="1" dirty="0"/>
+                <a:t> </a:t>
+              </a:r>
+              <a:r>
+                <a:rPr lang="en-GB" sz="2000" dirty="0"/>
+                <a:t>A nor RNA-dependent protein exhibits no such shift</a:t>
+              </a:r>
+              <a:endParaRPr lang="en-GB" sz="2000" noProof="0" dirty="0"/>
+            </a:p>
+          </p:txBody>
+        </p:sp>
+        <p:sp>
+          <p:nvSpPr>
+            <p:cNvPr id="53" name="TextBox 52">
+              <a:extLst>
+                <a:ext uri="{FF2B5EF4-FFF2-40B4-BE49-F238E27FC236}">
+                  <a16:creationId xmlns:a16="http://schemas.microsoft.com/office/drawing/2014/main" id="{49945A37-4C84-B8DB-0887-72307982F33E}"/>
+                </a:ext>
+              </a:extLst>
+            </p:cNvPr>
+            <p:cNvSpPr txBox="1"/>
+            <p:nvPr/>
+          </p:nvSpPr>
+          <p:spPr>
+            <a:xfrm>
+              <a:off x="24497427" y="7940116"/>
+              <a:ext cx="4892107" cy="461665"/>
+            </a:xfrm>
+            <a:prstGeom prst="rect">
+              <a:avLst/>
+            </a:prstGeom>
+            <a:noFill/>
+          </p:spPr>
+          <p:txBody>
+            <a:bodyPr wrap="square" rtlCol="0">
+              <a:spAutoFit/>
+            </a:bodyPr>
+            <a:lstStyle/>
+            <a:p>
+              <a:r>
+                <a:rPr lang="en-GB" sz="2400" b="1" noProof="0" dirty="0"/>
+                <a:t>B                </a:t>
+              </a:r>
+              <a:r>
+                <a:rPr lang="en-GB" sz="2000" dirty="0"/>
+                <a:t>Plot for SPTN1_HUMAN</a:t>
+              </a:r>
+              <a:r>
+                <a:rPr lang="en-GB" sz="2000" b="1" dirty="0"/>
+                <a:t> </a:t>
+              </a:r>
+              <a:endParaRPr lang="en-GB" sz="2000" b="1" noProof="0" dirty="0"/>
+            </a:p>
+          </p:txBody>
+        </p:sp>
+        <p:pic>
+          <p:nvPicPr>
+            <p:cNvPr id="35" name="Picture 34">
+              <a:extLst>
+                <a:ext uri="{FF2B5EF4-FFF2-40B4-BE49-F238E27FC236}">
+                  <a16:creationId xmlns:a16="http://schemas.microsoft.com/office/drawing/2014/main" id="{6EFE2010-A335-912E-7762-F38CE4A9A7D2}"/>
+                </a:ext>
+              </a:extLst>
+            </p:cNvPr>
+            <p:cNvPicPr>
+              <a:picLocks noChangeAspect="1"/>
+            </p:cNvPicPr>
+            <p:nvPr/>
+          </p:nvPicPr>
+          <p:blipFill>
+            <a:blip r:embed="rId25"/>
+            <a:stretch>
+              <a:fillRect/>
+            </a:stretch>
+          </p:blipFill>
+          <p:spPr>
+            <a:xfrm>
+              <a:off x="19102199" y="8322346"/>
+              <a:ext cx="4726558" cy="2917628"/>
+            </a:xfrm>
+            <a:prstGeom prst="rect">
+              <a:avLst/>
+            </a:prstGeom>
+          </p:spPr>
+        </p:pic>
+        <p:pic>
+          <p:nvPicPr>
+            <p:cNvPr id="38" name="Picture 37">
+              <a:extLst>
+                <a:ext uri="{FF2B5EF4-FFF2-40B4-BE49-F238E27FC236}">
+                  <a16:creationId xmlns:a16="http://schemas.microsoft.com/office/drawing/2014/main" id="{F202F377-548B-B9CA-1770-3A87DB853261}"/>
+                </a:ext>
+              </a:extLst>
+            </p:cNvPr>
+            <p:cNvPicPr>
+              <a:picLocks noChangeAspect="1"/>
+            </p:cNvPicPr>
+            <p:nvPr/>
+          </p:nvPicPr>
+          <p:blipFill>
+            <a:blip r:embed="rId26"/>
+            <a:stretch>
+              <a:fillRect/>
+            </a:stretch>
+          </p:blipFill>
+          <p:spPr>
+            <a:xfrm>
+              <a:off x="24510576" y="8322346"/>
+              <a:ext cx="4726558" cy="2917628"/>
+            </a:xfrm>
+            <a:prstGeom prst="rect">
+              <a:avLst/>
+            </a:prstGeom>
+          </p:spPr>
+        </p:pic>
+        <p:sp>
+          <p:nvSpPr>
+            <p:cNvPr id="42" name="Textfeld 104">
+              <a:extLst>
+                <a:ext uri="{FF2B5EF4-FFF2-40B4-BE49-F238E27FC236}">
+                  <a16:creationId xmlns:a16="http://schemas.microsoft.com/office/drawing/2014/main" id="{3818F5C5-2AA5-1AD6-3DFE-FD58E010C6DA}"/>
+                </a:ext>
+              </a:extLst>
+            </p:cNvPr>
+            <p:cNvSpPr txBox="1"/>
+            <p:nvPr/>
+          </p:nvSpPr>
+          <p:spPr>
+            <a:xfrm rot="16200000">
+              <a:off x="18519995" y="9443153"/>
+              <a:ext cx="795075" cy="369332"/>
+            </a:xfrm>
+            <a:prstGeom prst="rect">
+              <a:avLst/>
+            </a:prstGeom>
+            <a:noFill/>
+          </p:spPr>
+          <p:txBody>
+            <a:bodyPr wrap="square" rtlCol="0">
+              <a:spAutoFit/>
+            </a:bodyPr>
+            <a:lstStyle/>
+            <a:p>
+              <a:r>
+                <a:rPr lang="de-DE" dirty="0"/>
+                <a:t>Values</a:t>
+              </a:r>
+            </a:p>
+          </p:txBody>
+        </p:sp>
+        <p:sp>
+          <p:nvSpPr>
+            <p:cNvPr id="43" name="Textfeld 104">
+              <a:extLst>
+                <a:ext uri="{FF2B5EF4-FFF2-40B4-BE49-F238E27FC236}">
+                  <a16:creationId xmlns:a16="http://schemas.microsoft.com/office/drawing/2014/main" id="{D6F08FB9-54DB-11A9-C1F9-1F55FA808997}"/>
+                </a:ext>
+              </a:extLst>
+            </p:cNvPr>
+            <p:cNvSpPr txBox="1"/>
+            <p:nvPr/>
+          </p:nvSpPr>
+          <p:spPr>
+            <a:xfrm rot="16200000">
+              <a:off x="23899129" y="9443153"/>
+              <a:ext cx="795075" cy="369332"/>
+            </a:xfrm>
+            <a:prstGeom prst="rect">
+              <a:avLst/>
+            </a:prstGeom>
+            <a:noFill/>
+          </p:spPr>
+          <p:txBody>
+            <a:bodyPr wrap="square" rtlCol="0">
+              <a:spAutoFit/>
+            </a:bodyPr>
+            <a:lstStyle/>
+            <a:p>
+              <a:r>
+                <a:rPr lang="de-DE" dirty="0"/>
+                <a:t>Values</a:t>
+              </a:r>
+            </a:p>
+          </p:txBody>
+        </p:sp>
+        <p:sp>
+          <p:nvSpPr>
+            <p:cNvPr id="45" name="Textfeld 105">
+              <a:extLst>
+                <a:ext uri="{FF2B5EF4-FFF2-40B4-BE49-F238E27FC236}">
+                  <a16:creationId xmlns:a16="http://schemas.microsoft.com/office/drawing/2014/main" id="{7D505E79-B2EA-786C-F637-D3D0173158B5}"/>
+                </a:ext>
+              </a:extLst>
+            </p:cNvPr>
+            <p:cNvSpPr txBox="1"/>
+            <p:nvPr/>
+          </p:nvSpPr>
+          <p:spPr>
+            <a:xfrm>
+              <a:off x="20114893" y="11235898"/>
+              <a:ext cx="3001654" cy="369332"/>
+            </a:xfrm>
+            <a:prstGeom prst="rect">
+              <a:avLst/>
+            </a:prstGeom>
+            <a:noFill/>
+          </p:spPr>
+          <p:txBody>
+            <a:bodyPr wrap="square" rtlCol="0">
+              <a:spAutoFit/>
+            </a:bodyPr>
+            <a:lstStyle/>
+            <a:p>
+              <a:pPr algn="ctr"/>
+              <a:r>
+                <a:rPr lang="de-DE" dirty="0"/>
+                <a:t>Fractions</a:t>
+              </a:r>
+            </a:p>
+          </p:txBody>
+        </p:sp>
+        <p:sp>
+          <p:nvSpPr>
+            <p:cNvPr id="46" name="Textfeld 105">
+              <a:extLst>
+                <a:ext uri="{FF2B5EF4-FFF2-40B4-BE49-F238E27FC236}">
+                  <a16:creationId xmlns:a16="http://schemas.microsoft.com/office/drawing/2014/main" id="{3B496526-3986-57DE-B81C-82BCF78FBCBC}"/>
+                </a:ext>
+              </a:extLst>
+            </p:cNvPr>
+            <p:cNvSpPr txBox="1"/>
+            <p:nvPr/>
+          </p:nvSpPr>
+          <p:spPr>
+            <a:xfrm>
+              <a:off x="25625712" y="11235898"/>
+              <a:ext cx="3001654" cy="369332"/>
+            </a:xfrm>
+            <a:prstGeom prst="rect">
+              <a:avLst/>
+            </a:prstGeom>
+            <a:noFill/>
+          </p:spPr>
+          <p:txBody>
+            <a:bodyPr wrap="square" rtlCol="0">
+              <a:spAutoFit/>
+            </a:bodyPr>
+            <a:lstStyle/>
+            <a:p>
+              <a:pPr algn="ctr"/>
+              <a:r>
+                <a:rPr lang="de-DE" dirty="0"/>
+                <a:t>Fractions</a:t>
+              </a:r>
+            </a:p>
+          </p:txBody>
+        </p:sp>
+      </p:grpSp>
     </p:spTree>
     <p:extLst>
       <p:ext uri="{BB962C8B-B14F-4D97-AF65-F5344CB8AC3E}">
@@ -9097,7 +9110,7 @@
             </a:solidFill>
             <a:ln w="104775">
               <a:solidFill>
-                <a:srgbClr val="FE8D70"/>
+                <a:srgbClr val="FA8072"/>
               </a:solidFill>
             </a:ln>
           </p:spPr>
@@ -9805,7 +9818,7 @@
             </a:prstGeom>
             <a:ln w="88900">
               <a:solidFill>
-                <a:srgbClr val="FE8D70"/>
+                <a:srgbClr val="FA8072"/>
               </a:solidFill>
             </a:ln>
           </p:spPr>
@@ -9966,6 +9979,695 @@
                   </a:solidFill>
                 </a:rPr>
                 <a:t>Not Selected Proteins</a:t>
+              </a:r>
+            </a:p>
+          </p:txBody>
+        </p:sp>
+      </p:grpSp>
+      <p:grpSp>
+        <p:nvGrpSpPr>
+          <p:cNvPr id="5" name="Gruppieren 4">
+            <a:extLst>
+              <a:ext uri="{FF2B5EF4-FFF2-40B4-BE49-F238E27FC236}">
+                <a16:creationId xmlns:a16="http://schemas.microsoft.com/office/drawing/2014/main" id="{7271AAB6-EFCE-556F-F0FB-2AE33CBE726E}"/>
+              </a:ext>
+            </a:extLst>
+          </p:cNvPr>
+          <p:cNvGrpSpPr/>
+          <p:nvPr/>
+        </p:nvGrpSpPr>
+        <p:grpSpPr>
+          <a:xfrm>
+            <a:off x="12843029" y="3520107"/>
+            <a:ext cx="13076502" cy="4677883"/>
+            <a:chOff x="11526370" y="15734215"/>
+            <a:chExt cx="12399909" cy="4677883"/>
+          </a:xfrm>
+        </p:grpSpPr>
+        <p:grpSp>
+          <p:nvGrpSpPr>
+            <p:cNvPr id="6" name="Gruppieren 110">
+              <a:extLst>
+                <a:ext uri="{FF2B5EF4-FFF2-40B4-BE49-F238E27FC236}">
+                  <a16:creationId xmlns:a16="http://schemas.microsoft.com/office/drawing/2014/main" id="{18A14772-85A3-1215-7484-0A77F68BC120}"/>
+                </a:ext>
+              </a:extLst>
+            </p:cNvPr>
+            <p:cNvGrpSpPr/>
+            <p:nvPr/>
+          </p:nvGrpSpPr>
+          <p:grpSpPr>
+            <a:xfrm>
+              <a:off x="11526370" y="15747702"/>
+              <a:ext cx="12399909" cy="4664396"/>
+              <a:chOff x="15902258" y="19196409"/>
+              <a:chExt cx="12399909" cy="4664396"/>
+            </a:xfrm>
+          </p:grpSpPr>
+          <p:grpSp>
+            <p:nvGrpSpPr>
+              <p:cNvPr id="8" name="Gruppieren 106">
+                <a:extLst>
+                  <a:ext uri="{FF2B5EF4-FFF2-40B4-BE49-F238E27FC236}">
+                    <a16:creationId xmlns:a16="http://schemas.microsoft.com/office/drawing/2014/main" id="{F9037761-BB89-4D9A-2A12-232B5D6D6B38}"/>
+                  </a:ext>
+                </a:extLst>
+              </p:cNvPr>
+              <p:cNvGrpSpPr/>
+              <p:nvPr/>
+            </p:nvGrpSpPr>
+            <p:grpSpPr>
+              <a:xfrm>
+                <a:off x="15902258" y="19196409"/>
+                <a:ext cx="12399909" cy="4366798"/>
+                <a:chOff x="15902258" y="19582067"/>
+                <a:chExt cx="12399909" cy="4366798"/>
+              </a:xfrm>
+            </p:grpSpPr>
+            <p:grpSp>
+              <p:nvGrpSpPr>
+                <p:cNvPr id="14" name="Gruppieren 57">
+                  <a:extLst>
+                    <a:ext uri="{FF2B5EF4-FFF2-40B4-BE49-F238E27FC236}">
+                      <a16:creationId xmlns:a16="http://schemas.microsoft.com/office/drawing/2014/main" id="{E0460EEF-258B-C416-C800-EB25F857D52E}"/>
+                    </a:ext>
+                  </a:extLst>
+                </p:cNvPr>
+                <p:cNvGrpSpPr/>
+                <p:nvPr/>
+              </p:nvGrpSpPr>
+              <p:grpSpPr>
+                <a:xfrm>
+                  <a:off x="15902258" y="19582067"/>
+                  <a:ext cx="12399909" cy="4366798"/>
+                  <a:chOff x="11844917" y="20574623"/>
+                  <a:chExt cx="11960427" cy="4366798"/>
+                </a:xfrm>
+              </p:grpSpPr>
+              <p:sp>
+                <p:nvSpPr>
+                  <p:cNvPr id="17" name="Textfeld 15">
+                    <a:extLst>
+                      <a:ext uri="{FF2B5EF4-FFF2-40B4-BE49-F238E27FC236}">
+                        <a16:creationId xmlns:a16="http://schemas.microsoft.com/office/drawing/2014/main" id="{819E4FCD-661F-B6EB-2948-F6618E7A4A23}"/>
+                      </a:ext>
+                    </a:extLst>
+                  </p:cNvPr>
+                  <p:cNvSpPr txBox="1"/>
+                  <p:nvPr/>
+                </p:nvSpPr>
+                <p:spPr>
+                  <a:xfrm>
+                    <a:off x="19991854" y="20574623"/>
+                    <a:ext cx="3813490" cy="3477875"/>
+                  </a:xfrm>
+                  <a:prstGeom prst="rect">
+                    <a:avLst/>
+                  </a:prstGeom>
+                  <a:noFill/>
+                </p:spPr>
+                <p:txBody>
+                  <a:bodyPr wrap="square" rtlCol="0">
+                    <a:spAutoFit/>
+                  </a:bodyPr>
+                  <a:lstStyle/>
+                  <a:p>
+                    <a:r>
+                      <a:rPr lang="en-US" sz="2000" b="1" dirty="0"/>
+                      <a:t>Fig. 4  </a:t>
+                    </a:r>
+                    <a:r>
+                      <a:rPr lang="en-US" sz="2000" dirty="0"/>
+                      <a:t>COM shifts between control and RNase conditions for selected and not selected proteins</a:t>
+                    </a:r>
+                  </a:p>
+                  <a:p>
+                    <a:endParaRPr lang="en-US" sz="2000" dirty="0"/>
+                  </a:p>
+                  <a:p>
+                    <a:r>
+                      <a:rPr lang="en-US" sz="2000" dirty="0"/>
+                      <a:t>Each dot represents a protein. X-axis: COM in control, Y-axis: COM in RNase.</a:t>
+                    </a:r>
+                    <a:br>
+                      <a:rPr lang="en-US" sz="2000" dirty="0"/>
+                    </a:br>
+                    <a:r>
+                      <a:rPr lang="en-US" sz="2000" dirty="0"/>
+                      <a:t>Colors match Fig. 3 and indicate subsets of selected or not selected proteins.</a:t>
+                    </a:r>
+                    <a:br>
+                      <a:rPr lang="en-US" sz="2000" dirty="0"/>
+                    </a:br>
+                    <a:r>
+                      <a:rPr lang="en-US" sz="2000" b="1" dirty="0"/>
+                      <a:t>A)</a:t>
+                    </a:r>
+                    <a:r>
+                      <a:rPr lang="en-US" sz="2000" dirty="0"/>
+                      <a:t> Selected proteins </a:t>
+                    </a:r>
+                  </a:p>
+                  <a:p>
+                    <a:r>
+                      <a:rPr lang="en-US" sz="2000" b="1" dirty="0"/>
+                      <a:t>B)</a:t>
+                    </a:r>
+                    <a:r>
+                      <a:rPr lang="en-US" sz="2000" dirty="0"/>
+                      <a:t> Not selected proteins</a:t>
+                    </a:r>
+                  </a:p>
+                </p:txBody>
+              </p:sp>
+              <p:pic>
+                <p:nvPicPr>
+                  <p:cNvPr id="18" name="Grafik 2">
+                    <a:extLst>
+                      <a:ext uri="{FF2B5EF4-FFF2-40B4-BE49-F238E27FC236}">
+                        <a16:creationId xmlns:a16="http://schemas.microsoft.com/office/drawing/2014/main" id="{C3538948-C237-DF21-1BBD-3C22829F0921}"/>
+                      </a:ext>
+                    </a:extLst>
+                  </p:cNvPr>
+                  <p:cNvPicPr>
+                    <a:picLocks noChangeAspect="1"/>
+                  </p:cNvPicPr>
+                  <p:nvPr/>
+                </p:nvPicPr>
+                <p:blipFill>
+                  <a:blip r:embed="rId3"/>
+                  <a:stretch>
+                    <a:fillRect/>
+                  </a:stretch>
+                </p:blipFill>
+                <p:spPr>
+                  <a:xfrm>
+                    <a:off x="12223017" y="21360021"/>
+                    <a:ext cx="7532838" cy="3581400"/>
+                  </a:xfrm>
+                  <a:prstGeom prst="rect">
+                    <a:avLst/>
+                  </a:prstGeom>
+                </p:spPr>
+              </p:pic>
+              <p:sp>
+                <p:nvSpPr>
+                  <p:cNvPr id="19" name="Textfeld 12">
+                    <a:extLst>
+                      <a:ext uri="{FF2B5EF4-FFF2-40B4-BE49-F238E27FC236}">
+                        <a16:creationId xmlns:a16="http://schemas.microsoft.com/office/drawing/2014/main" id="{2EC5B02C-49FA-9427-A616-581F4541E34F}"/>
+                      </a:ext>
+                    </a:extLst>
+                  </p:cNvPr>
+                  <p:cNvSpPr txBox="1"/>
+                  <p:nvPr/>
+                </p:nvSpPr>
+                <p:spPr>
+                  <a:xfrm>
+                    <a:off x="11844917" y="20640668"/>
+                    <a:ext cx="562670" cy="461665"/>
+                  </a:xfrm>
+                  <a:prstGeom prst="rect">
+                    <a:avLst/>
+                  </a:prstGeom>
+                  <a:noFill/>
+                </p:spPr>
+                <p:txBody>
+                  <a:bodyPr wrap="square" rtlCol="0">
+                    <a:spAutoFit/>
+                  </a:bodyPr>
+                  <a:lstStyle/>
+                  <a:p>
+                    <a:r>
+                      <a:rPr lang="de-DE" sz="2400" b="1" dirty="0"/>
+                      <a:t>4A</a:t>
+                    </a:r>
+                  </a:p>
+                </p:txBody>
+              </p:sp>
+            </p:grpSp>
+            <p:sp>
+              <p:nvSpPr>
+                <p:cNvPr id="15" name="Textfeld 85">
+                  <a:extLst>
+                    <a:ext uri="{FF2B5EF4-FFF2-40B4-BE49-F238E27FC236}">
+                      <a16:creationId xmlns:a16="http://schemas.microsoft.com/office/drawing/2014/main" id="{C6B4B9DE-0524-750D-B487-2DCF8E9D50B7}"/>
+                    </a:ext>
+                  </a:extLst>
+                </p:cNvPr>
+                <p:cNvSpPr txBox="1"/>
+                <p:nvPr/>
+              </p:nvSpPr>
+              <p:spPr>
+                <a:xfrm>
+                  <a:off x="16652542" y="19659579"/>
+                  <a:ext cx="3192312" cy="707886"/>
+                </a:xfrm>
+                <a:prstGeom prst="rect">
+                  <a:avLst/>
+                </a:prstGeom>
+                <a:noFill/>
+              </p:spPr>
+              <p:txBody>
+                <a:bodyPr wrap="square" rtlCol="0">
+                  <a:spAutoFit/>
+                </a:bodyPr>
+                <a:lstStyle/>
+                <a:p>
+                  <a:pPr algn="ctr"/>
+                  <a:r>
+                    <a:rPr lang="de-DE" sz="2000" dirty="0" err="1"/>
+                    <a:t>Comparison</a:t>
+                  </a:r>
+                  <a:r>
+                    <a:rPr lang="de-DE" sz="2000" dirty="0"/>
+                    <a:t> </a:t>
+                  </a:r>
+                  <a:r>
+                    <a:rPr lang="de-DE" sz="2000" dirty="0" err="1"/>
+                    <a:t>of</a:t>
+                  </a:r>
+                  <a:r>
+                    <a:rPr lang="de-DE" sz="2000" dirty="0"/>
+                    <a:t> COM </a:t>
+                  </a:r>
+                  <a:r>
+                    <a:rPr lang="de-DE" sz="2000" dirty="0" err="1"/>
+                    <a:t>values</a:t>
+                  </a:r>
+                  <a:r>
+                    <a:rPr lang="de-DE" sz="2000" dirty="0"/>
+                    <a:t> </a:t>
+                  </a:r>
+                  <a:r>
+                    <a:rPr lang="de-DE" sz="2000" dirty="0" err="1"/>
+                    <a:t>among</a:t>
+                  </a:r>
+                  <a:r>
+                    <a:rPr lang="de-DE" sz="2000" dirty="0"/>
+                    <a:t> </a:t>
+                  </a:r>
+                  <a:r>
+                    <a:rPr lang="de-DE" sz="2000" b="1" dirty="0" err="1"/>
+                    <a:t>selected</a:t>
+                  </a:r>
+                  <a:r>
+                    <a:rPr lang="de-DE" sz="2000" b="1" dirty="0"/>
+                    <a:t> </a:t>
+                  </a:r>
+                  <a:r>
+                    <a:rPr lang="de-DE" sz="2000" b="1" dirty="0" err="1"/>
+                    <a:t>proteins</a:t>
+                  </a:r>
+                  <a:endParaRPr lang="de-DE" sz="2000" b="1" dirty="0"/>
+                </a:p>
+              </p:txBody>
+            </p:sp>
+            <p:sp>
+              <p:nvSpPr>
+                <p:cNvPr id="16" name="Textfeld 102">
+                  <a:extLst>
+                    <a:ext uri="{FF2B5EF4-FFF2-40B4-BE49-F238E27FC236}">
+                      <a16:creationId xmlns:a16="http://schemas.microsoft.com/office/drawing/2014/main" id="{61B8B395-570E-C7B8-171E-658ABC222AE2}"/>
+                    </a:ext>
+                  </a:extLst>
+                </p:cNvPr>
+                <p:cNvSpPr txBox="1"/>
+                <p:nvPr/>
+              </p:nvSpPr>
+              <p:spPr>
+                <a:xfrm>
+                  <a:off x="20852867" y="19622701"/>
+                  <a:ext cx="3251015" cy="707886"/>
+                </a:xfrm>
+                <a:prstGeom prst="rect">
+                  <a:avLst/>
+                </a:prstGeom>
+                <a:noFill/>
+              </p:spPr>
+              <p:txBody>
+                <a:bodyPr wrap="square" rtlCol="0">
+                  <a:spAutoFit/>
+                </a:bodyPr>
+                <a:lstStyle/>
+                <a:p>
+                  <a:pPr algn="ctr"/>
+                  <a:r>
+                    <a:rPr lang="de-DE" sz="2000" dirty="0" err="1"/>
+                    <a:t>Comparison</a:t>
+                  </a:r>
+                  <a:r>
+                    <a:rPr lang="de-DE" sz="2000" dirty="0"/>
+                    <a:t> </a:t>
+                  </a:r>
+                  <a:r>
+                    <a:rPr lang="de-DE" sz="2000" dirty="0" err="1"/>
+                    <a:t>of</a:t>
+                  </a:r>
+                  <a:r>
+                    <a:rPr lang="de-DE" sz="2000" dirty="0"/>
+                    <a:t> COM </a:t>
+                  </a:r>
+                  <a:r>
+                    <a:rPr lang="de-DE" sz="2000" dirty="0" err="1"/>
+                    <a:t>values</a:t>
+                  </a:r>
+                  <a:r>
+                    <a:rPr lang="de-DE" sz="2000" dirty="0"/>
+                    <a:t> </a:t>
+                  </a:r>
+                  <a:r>
+                    <a:rPr lang="de-DE" sz="2000" dirty="0" err="1"/>
+                    <a:t>among</a:t>
+                  </a:r>
+                  <a:r>
+                    <a:rPr lang="de-DE" sz="2000" dirty="0"/>
+                    <a:t> </a:t>
+                  </a:r>
+                  <a:r>
+                    <a:rPr lang="de-DE" sz="2000" b="1" dirty="0"/>
+                    <a:t>not </a:t>
+                  </a:r>
+                  <a:r>
+                    <a:rPr lang="de-DE" sz="2000" b="1" dirty="0" err="1"/>
+                    <a:t>selected</a:t>
+                  </a:r>
+                  <a:r>
+                    <a:rPr lang="de-DE" sz="2000" b="1" dirty="0"/>
+                    <a:t> </a:t>
+                  </a:r>
+                  <a:r>
+                    <a:rPr lang="de-DE" sz="2000" b="1" dirty="0" err="1"/>
+                    <a:t>proteins</a:t>
+                  </a:r>
+                  <a:r>
+                    <a:rPr lang="de-DE" sz="2000" b="1" dirty="0"/>
+                    <a:t> </a:t>
+                  </a:r>
+                </a:p>
+              </p:txBody>
+            </p:sp>
+          </p:grpSp>
+          <p:sp>
+            <p:nvSpPr>
+              <p:cNvPr id="10" name="Textfeld 104">
+                <a:extLst>
+                  <a:ext uri="{FF2B5EF4-FFF2-40B4-BE49-F238E27FC236}">
+                    <a16:creationId xmlns:a16="http://schemas.microsoft.com/office/drawing/2014/main" id="{48E86579-4D47-17A9-5014-696E5CBC405A}"/>
+                  </a:ext>
+                </a:extLst>
+              </p:cNvPr>
+              <p:cNvSpPr txBox="1"/>
+              <p:nvPr/>
+            </p:nvSpPr>
+            <p:spPr>
+              <a:xfrm rot="16200000">
+                <a:off x="14651364" y="21422911"/>
+                <a:ext cx="2935032" cy="369332"/>
+              </a:xfrm>
+              <a:prstGeom prst="rect">
+                <a:avLst/>
+              </a:prstGeom>
+              <a:noFill/>
+            </p:spPr>
+            <p:txBody>
+              <a:bodyPr wrap="square" rtlCol="0">
+                <a:spAutoFit/>
+              </a:bodyPr>
+              <a:lstStyle/>
+              <a:p>
+                <a:r>
+                  <a:rPr lang="de-DE" dirty="0"/>
+                  <a:t>COM </a:t>
+                </a:r>
+                <a:r>
+                  <a:rPr lang="de-DE" dirty="0" err="1"/>
+                  <a:t>values</a:t>
+                </a:r>
+                <a:r>
+                  <a:rPr lang="de-DE" dirty="0"/>
+                  <a:t> </a:t>
+                </a:r>
+                <a:r>
+                  <a:rPr lang="de-DE" dirty="0" err="1"/>
+                  <a:t>for</a:t>
+                </a:r>
+                <a:r>
+                  <a:rPr lang="de-DE" dirty="0"/>
+                  <a:t> </a:t>
+                </a:r>
+                <a:r>
+                  <a:rPr lang="de-DE" dirty="0" err="1"/>
+                  <a:t>rnase</a:t>
+                </a:r>
+                <a:r>
+                  <a:rPr lang="de-DE" dirty="0"/>
+                  <a:t> </a:t>
+                </a:r>
+                <a:r>
+                  <a:rPr lang="de-DE" dirty="0" err="1"/>
+                  <a:t>subset</a:t>
+                </a:r>
+                <a:r>
+                  <a:rPr lang="de-DE" dirty="0"/>
+                  <a:t> </a:t>
+                </a:r>
+              </a:p>
+            </p:txBody>
+          </p:sp>
+          <p:sp>
+            <p:nvSpPr>
+              <p:cNvPr id="11" name="Textfeld 105">
+                <a:extLst>
+                  <a:ext uri="{FF2B5EF4-FFF2-40B4-BE49-F238E27FC236}">
+                    <a16:creationId xmlns:a16="http://schemas.microsoft.com/office/drawing/2014/main" id="{8B02DDD7-455A-DD18-9807-B990B9B068B5}"/>
+                  </a:ext>
+                </a:extLst>
+              </p:cNvPr>
+              <p:cNvSpPr txBox="1"/>
+              <p:nvPr/>
+            </p:nvSpPr>
+            <p:spPr>
+              <a:xfrm>
+                <a:off x="16610403" y="23466005"/>
+                <a:ext cx="3362669" cy="369332"/>
+              </a:xfrm>
+              <a:prstGeom prst="rect">
+                <a:avLst/>
+              </a:prstGeom>
+              <a:noFill/>
+            </p:spPr>
+            <p:txBody>
+              <a:bodyPr wrap="square" rtlCol="0">
+                <a:spAutoFit/>
+              </a:bodyPr>
+              <a:lstStyle/>
+              <a:p>
+                <a:r>
+                  <a:rPr lang="de-DE" dirty="0"/>
+                  <a:t>COM </a:t>
+                </a:r>
+                <a:r>
+                  <a:rPr lang="de-DE" dirty="0" err="1"/>
+                  <a:t>values</a:t>
+                </a:r>
+                <a:r>
+                  <a:rPr lang="de-DE" dirty="0"/>
+                  <a:t> </a:t>
+                </a:r>
+                <a:r>
+                  <a:rPr lang="de-DE" dirty="0" err="1"/>
+                  <a:t>for</a:t>
+                </a:r>
+                <a:r>
+                  <a:rPr lang="de-DE" dirty="0"/>
+                  <a:t> </a:t>
+                </a:r>
+                <a:r>
+                  <a:rPr lang="de-DE" dirty="0" err="1"/>
+                  <a:t>control</a:t>
+                </a:r>
+                <a:r>
+                  <a:rPr lang="de-DE" dirty="0"/>
+                  <a:t> </a:t>
+                </a:r>
+                <a:r>
+                  <a:rPr lang="de-DE" dirty="0" err="1"/>
+                  <a:t>subset</a:t>
+                </a:r>
+                <a:r>
+                  <a:rPr lang="de-DE" dirty="0"/>
+                  <a:t> </a:t>
+                </a:r>
+              </a:p>
+            </p:txBody>
+          </p:sp>
+          <p:sp>
+            <p:nvSpPr>
+              <p:cNvPr id="12" name="Textfeld 107">
+                <a:extLst>
+                  <a:ext uri="{FF2B5EF4-FFF2-40B4-BE49-F238E27FC236}">
+                    <a16:creationId xmlns:a16="http://schemas.microsoft.com/office/drawing/2014/main" id="{AE430482-1621-DE6D-546C-67F7C4299E40}"/>
+                  </a:ext>
+                </a:extLst>
+              </p:cNvPr>
+              <p:cNvSpPr txBox="1"/>
+              <p:nvPr/>
+            </p:nvSpPr>
+            <p:spPr>
+              <a:xfrm>
+                <a:off x="20950227" y="23491473"/>
+                <a:ext cx="3362669" cy="369332"/>
+              </a:xfrm>
+              <a:prstGeom prst="rect">
+                <a:avLst/>
+              </a:prstGeom>
+              <a:noFill/>
+            </p:spPr>
+            <p:txBody>
+              <a:bodyPr wrap="square" rtlCol="0">
+                <a:spAutoFit/>
+              </a:bodyPr>
+              <a:lstStyle/>
+              <a:p>
+                <a:r>
+                  <a:rPr lang="de-DE" dirty="0"/>
+                  <a:t>COM </a:t>
+                </a:r>
+                <a:r>
+                  <a:rPr lang="de-DE" dirty="0" err="1"/>
+                  <a:t>values</a:t>
+                </a:r>
+                <a:r>
+                  <a:rPr lang="de-DE" dirty="0"/>
+                  <a:t> </a:t>
+                </a:r>
+                <a:r>
+                  <a:rPr lang="de-DE" dirty="0" err="1"/>
+                  <a:t>for</a:t>
+                </a:r>
+                <a:r>
+                  <a:rPr lang="de-DE" dirty="0"/>
+                  <a:t> </a:t>
+                </a:r>
+                <a:r>
+                  <a:rPr lang="de-DE" dirty="0" err="1"/>
+                  <a:t>control</a:t>
+                </a:r>
+                <a:r>
+                  <a:rPr lang="de-DE" dirty="0"/>
+                  <a:t> </a:t>
+                </a:r>
+                <a:r>
+                  <a:rPr lang="de-DE" dirty="0" err="1"/>
+                  <a:t>subset</a:t>
+                </a:r>
+                <a:r>
+                  <a:rPr lang="de-DE" dirty="0"/>
+                  <a:t> </a:t>
+                </a:r>
+              </a:p>
+            </p:txBody>
+          </p:sp>
+          <p:sp>
+            <p:nvSpPr>
+              <p:cNvPr id="13" name="Textfeld 108">
+                <a:extLst>
+                  <a:ext uri="{FF2B5EF4-FFF2-40B4-BE49-F238E27FC236}">
+                    <a16:creationId xmlns:a16="http://schemas.microsoft.com/office/drawing/2014/main" id="{21F87F73-B4C3-33CF-C94A-81B4F4FA2A3E}"/>
+                  </a:ext>
+                </a:extLst>
+              </p:cNvPr>
+              <p:cNvSpPr txBox="1"/>
+              <p:nvPr/>
+            </p:nvSpPr>
+            <p:spPr>
+              <a:xfrm rot="16200000">
+                <a:off x="18968097" y="21354922"/>
+                <a:ext cx="2935032" cy="369332"/>
+              </a:xfrm>
+              <a:prstGeom prst="rect">
+                <a:avLst/>
+              </a:prstGeom>
+              <a:noFill/>
+            </p:spPr>
+            <p:txBody>
+              <a:bodyPr wrap="square" rtlCol="0">
+                <a:spAutoFit/>
+              </a:bodyPr>
+              <a:lstStyle/>
+              <a:p>
+                <a:r>
+                  <a:rPr lang="de-DE" dirty="0"/>
+                  <a:t>COM </a:t>
+                </a:r>
+                <a:r>
+                  <a:rPr lang="de-DE" dirty="0" err="1"/>
+                  <a:t>values</a:t>
+                </a:r>
+                <a:r>
+                  <a:rPr lang="de-DE" dirty="0"/>
+                  <a:t> </a:t>
+                </a:r>
+                <a:r>
+                  <a:rPr lang="de-DE" dirty="0" err="1"/>
+                  <a:t>for</a:t>
+                </a:r>
+                <a:r>
+                  <a:rPr lang="de-DE" dirty="0"/>
+                  <a:t> </a:t>
+                </a:r>
+                <a:r>
+                  <a:rPr lang="de-DE" dirty="0" err="1"/>
+                  <a:t>rnase</a:t>
+                </a:r>
+                <a:r>
+                  <a:rPr lang="de-DE" dirty="0"/>
+                  <a:t> </a:t>
+                </a:r>
+                <a:r>
+                  <a:rPr lang="de-DE" dirty="0" err="1"/>
+                  <a:t>subset</a:t>
+                </a:r>
+                <a:r>
+                  <a:rPr lang="de-DE" dirty="0"/>
+                  <a:t> </a:t>
+                </a:r>
+              </a:p>
+            </p:txBody>
+          </p:sp>
+        </p:grpSp>
+        <p:sp>
+          <p:nvSpPr>
+            <p:cNvPr id="7" name="Textfeld 111">
+              <a:extLst>
+                <a:ext uri="{FF2B5EF4-FFF2-40B4-BE49-F238E27FC236}">
+                  <a16:creationId xmlns:a16="http://schemas.microsoft.com/office/drawing/2014/main" id="{D05889B2-9622-A5B4-8EAC-2F6CF13808EE}"/>
+                </a:ext>
+              </a:extLst>
+            </p:cNvPr>
+            <p:cNvSpPr txBox="1"/>
+            <p:nvPr/>
+          </p:nvSpPr>
+          <p:spPr>
+            <a:xfrm>
+              <a:off x="15987214" y="15734215"/>
+              <a:ext cx="369333" cy="461665"/>
+            </a:xfrm>
+            <a:prstGeom prst="rect">
+              <a:avLst/>
+            </a:prstGeom>
+            <a:noFill/>
+          </p:spPr>
+          <p:txBody>
+            <a:bodyPr wrap="square" rtlCol="0">
+              <a:spAutoFit/>
+            </a:bodyPr>
+            <a:lstStyle/>
+            <a:p>
+              <a:r>
+                <a:rPr lang="de-DE" sz="2400" b="1" dirty="0"/>
+                <a:t>B</a:t>
               </a:r>
             </a:p>
           </p:txBody>
